--- a/GlobalWarming.pptx
+++ b/GlobalWarming.pptx
@@ -13,21 +13,24 @@
     <p:sldId id="261" r:id="rId7"/>
     <p:sldId id="262" r:id="rId8"/>
     <p:sldId id="263" r:id="rId9"/>
-    <p:sldId id="265" r:id="rId10"/>
-    <p:sldId id="266" r:id="rId11"/>
-    <p:sldId id="264" r:id="rId12"/>
-    <p:sldId id="268" r:id="rId13"/>
-    <p:sldId id="267" r:id="rId14"/>
-    <p:sldId id="269" r:id="rId15"/>
-    <p:sldId id="270" r:id="rId16"/>
-    <p:sldId id="271" r:id="rId17"/>
-    <p:sldId id="272" r:id="rId18"/>
-    <p:sldId id="276" r:id="rId19"/>
-    <p:sldId id="274" r:id="rId20"/>
-    <p:sldId id="275" r:id="rId21"/>
-    <p:sldId id="278" r:id="rId22"/>
-    <p:sldId id="277" r:id="rId23"/>
-    <p:sldId id="279" r:id="rId24"/>
+    <p:sldId id="280" r:id="rId10"/>
+    <p:sldId id="265" r:id="rId11"/>
+    <p:sldId id="281" r:id="rId12"/>
+    <p:sldId id="266" r:id="rId13"/>
+    <p:sldId id="264" r:id="rId14"/>
+    <p:sldId id="268" r:id="rId15"/>
+    <p:sldId id="267" r:id="rId16"/>
+    <p:sldId id="269" r:id="rId17"/>
+    <p:sldId id="270" r:id="rId18"/>
+    <p:sldId id="271" r:id="rId19"/>
+    <p:sldId id="272" r:id="rId20"/>
+    <p:sldId id="276" r:id="rId21"/>
+    <p:sldId id="274" r:id="rId22"/>
+    <p:sldId id="275" r:id="rId23"/>
+    <p:sldId id="278" r:id="rId24"/>
+    <p:sldId id="282" r:id="rId25"/>
+    <p:sldId id="277" r:id="rId26"/>
+    <p:sldId id="279" r:id="rId27"/>
   </p:sldIdLst>
   <p:sldSz cx="12192000" cy="6858000"/>
   <p:notesSz cx="6858000" cy="9144000"/>
@@ -856,7 +859,7 @@
           <a:p>
             <a:fld id="{BE9DDDB0-2165-4E7A-9E1F-ACEE9E8F8F13}" type="datetimeFigureOut">
               <a:rPr lang="en-US" smtClean="0"/>
-              <a:t>12/18/2020</a:t>
+              <a:t>12/19/2020</a:t>
             </a:fld>
             <a:endParaRPr lang="en-US"/>
           </a:p>
@@ -1107,7 +1110,7 @@
           <a:p>
             <a:fld id="{BE9DDDB0-2165-4E7A-9E1F-ACEE9E8F8F13}" type="datetimeFigureOut">
               <a:rPr lang="en-US" smtClean="0"/>
-              <a:t>12/18/2020</a:t>
+              <a:t>12/19/2020</a:t>
             </a:fld>
             <a:endParaRPr lang="en-US"/>
           </a:p>
@@ -1421,7 +1424,7 @@
           <a:p>
             <a:fld id="{BE9DDDB0-2165-4E7A-9E1F-ACEE9E8F8F13}" type="datetimeFigureOut">
               <a:rPr lang="en-US" smtClean="0"/>
-              <a:t>12/18/2020</a:t>
+              <a:t>12/19/2020</a:t>
             </a:fld>
             <a:endParaRPr lang="en-US"/>
           </a:p>
@@ -1762,7 +1765,7 @@
           <a:p>
             <a:fld id="{BE9DDDB0-2165-4E7A-9E1F-ACEE9E8F8F13}" type="datetimeFigureOut">
               <a:rPr lang="en-US" smtClean="0"/>
-              <a:t>12/18/2020</a:t>
+              <a:t>12/19/2020</a:t>
             </a:fld>
             <a:endParaRPr lang="en-US"/>
           </a:p>
@@ -2076,7 +2079,7 @@
           <a:p>
             <a:fld id="{BE9DDDB0-2165-4E7A-9E1F-ACEE9E8F8F13}" type="datetimeFigureOut">
               <a:rPr lang="en-US" smtClean="0"/>
-              <a:t>12/18/2020</a:t>
+              <a:t>12/19/2020</a:t>
             </a:fld>
             <a:endParaRPr lang="en-US"/>
           </a:p>
@@ -2469,7 +2472,7 @@
           <a:p>
             <a:fld id="{BE9DDDB0-2165-4E7A-9E1F-ACEE9E8F8F13}" type="datetimeFigureOut">
               <a:rPr lang="en-US" smtClean="0"/>
-              <a:t>12/18/2020</a:t>
+              <a:t>12/19/2020</a:t>
             </a:fld>
             <a:endParaRPr lang="en-US"/>
           </a:p>
@@ -2639,7 +2642,7 @@
           <a:p>
             <a:fld id="{BE9DDDB0-2165-4E7A-9E1F-ACEE9E8F8F13}" type="datetimeFigureOut">
               <a:rPr lang="en-US" smtClean="0"/>
-              <a:t>12/18/2020</a:t>
+              <a:t>12/19/2020</a:t>
             </a:fld>
             <a:endParaRPr lang="en-US"/>
           </a:p>
@@ -2819,7 +2822,7 @@
           <a:p>
             <a:fld id="{BE9DDDB0-2165-4E7A-9E1F-ACEE9E8F8F13}" type="datetimeFigureOut">
               <a:rPr lang="en-US" smtClean="0"/>
-              <a:t>12/18/2020</a:t>
+              <a:t>12/19/2020</a:t>
             </a:fld>
             <a:endParaRPr lang="en-US"/>
           </a:p>
@@ -2995,7 +2998,7 @@
           <a:p>
             <a:fld id="{BE9DDDB0-2165-4E7A-9E1F-ACEE9E8F8F13}" type="datetimeFigureOut">
               <a:rPr lang="en-US" smtClean="0"/>
-              <a:t>12/18/2020</a:t>
+              <a:t>12/19/2020</a:t>
             </a:fld>
             <a:endParaRPr lang="en-US"/>
           </a:p>
@@ -3242,7 +3245,7 @@
           <a:p>
             <a:fld id="{BE9DDDB0-2165-4E7A-9E1F-ACEE9E8F8F13}" type="datetimeFigureOut">
               <a:rPr lang="en-US" smtClean="0"/>
-              <a:t>12/18/2020</a:t>
+              <a:t>12/19/2020</a:t>
             </a:fld>
             <a:endParaRPr lang="en-US"/>
           </a:p>
@@ -3474,7 +3477,7 @@
           <a:p>
             <a:fld id="{BE9DDDB0-2165-4E7A-9E1F-ACEE9E8F8F13}" type="datetimeFigureOut">
               <a:rPr lang="en-US" smtClean="0"/>
-              <a:t>12/18/2020</a:t>
+              <a:t>12/19/2020</a:t>
             </a:fld>
             <a:endParaRPr lang="en-US"/>
           </a:p>
@@ -3848,7 +3851,7 @@
           <a:p>
             <a:fld id="{BE9DDDB0-2165-4E7A-9E1F-ACEE9E8F8F13}" type="datetimeFigureOut">
               <a:rPr lang="en-US" smtClean="0"/>
-              <a:t>12/18/2020</a:t>
+              <a:t>12/19/2020</a:t>
             </a:fld>
             <a:endParaRPr lang="en-US"/>
           </a:p>
@@ -3971,7 +3974,7 @@
           <a:p>
             <a:fld id="{BE9DDDB0-2165-4E7A-9E1F-ACEE9E8F8F13}" type="datetimeFigureOut">
               <a:rPr lang="en-US" smtClean="0"/>
-              <a:t>12/18/2020</a:t>
+              <a:t>12/19/2020</a:t>
             </a:fld>
             <a:endParaRPr lang="en-US"/>
           </a:p>
@@ -4066,7 +4069,7 @@
           <a:p>
             <a:fld id="{BE9DDDB0-2165-4E7A-9E1F-ACEE9E8F8F13}" type="datetimeFigureOut">
               <a:rPr lang="en-US" smtClean="0"/>
-              <a:t>12/18/2020</a:t>
+              <a:t>12/19/2020</a:t>
             </a:fld>
             <a:endParaRPr lang="en-US"/>
           </a:p>
@@ -4321,7 +4324,7 @@
           <a:p>
             <a:fld id="{BE9DDDB0-2165-4E7A-9E1F-ACEE9E8F8F13}" type="datetimeFigureOut">
               <a:rPr lang="en-US" smtClean="0"/>
-              <a:t>12/18/2020</a:t>
+              <a:t>12/19/2020</a:t>
             </a:fld>
             <a:endParaRPr lang="en-US"/>
           </a:p>
@@ -4584,7 +4587,7 @@
           <a:p>
             <a:fld id="{BE9DDDB0-2165-4E7A-9E1F-ACEE9E8F8F13}" type="datetimeFigureOut">
               <a:rPr lang="en-US" smtClean="0"/>
-              <a:t>12/18/2020</a:t>
+              <a:t>12/19/2020</a:t>
             </a:fld>
             <a:endParaRPr lang="en-US"/>
           </a:p>
@@ -5327,7 +5330,7 @@
           <a:p>
             <a:fld id="{BE9DDDB0-2165-4E7A-9E1F-ACEE9E8F8F13}" type="datetimeFigureOut">
               <a:rPr lang="en-US" smtClean="0"/>
-              <a:t>12/18/2020</a:t>
+              <a:t>12/19/2020</a:t>
             </a:fld>
             <a:endParaRPr lang="en-US"/>
           </a:p>
@@ -5867,10 +5870,15 @@
             <p:ph type="ctrTitle"/>
           </p:nvPr>
         </p:nvSpPr>
-        <p:spPr/>
+        <p:spPr>
+          <a:xfrm>
+            <a:off x="1507067" y="1259314"/>
+            <a:ext cx="7766936" cy="1646302"/>
+          </a:xfrm>
+        </p:spPr>
         <p:txBody>
           <a:bodyPr>
-            <a:normAutofit fontScale="90000"/>
+            <a:noAutofit/>
           </a:bodyPr>
           <a:lstStyle/>
           <a:p>
@@ -5898,22 +5906,29 @@
             <p:ph type="subTitle" idx="1"/>
           </p:nvPr>
         </p:nvSpPr>
-        <p:spPr/>
-        <p:txBody>
-          <a:bodyPr/>
+        <p:spPr>
+          <a:xfrm>
+            <a:off x="1507067" y="3491540"/>
+            <a:ext cx="7766936" cy="1096899"/>
+          </a:xfrm>
+        </p:spPr>
+        <p:txBody>
+          <a:bodyPr>
+            <a:normAutofit/>
+          </a:bodyPr>
           <a:lstStyle/>
           <a:p>
             <a:r>
-              <a:rPr lang="he-IL" dirty="0"/>
+              <a:rPr lang="he-IL" sz="2800" dirty="0"/>
               <a:t>שי רשינסקי</a:t>
             </a:r>
           </a:p>
           <a:p>
             <a:r>
-              <a:rPr lang="he-IL" dirty="0"/>
+              <a:rPr lang="he-IL" sz="2800" dirty="0"/>
               <a:t>אביב לזר</a:t>
             </a:r>
-            <a:endParaRPr lang="en-US" dirty="0"/>
+            <a:endParaRPr lang="en-US" sz="2800" dirty="0"/>
           </a:p>
         </p:txBody>
       </p:sp>
@@ -5965,15 +5980,17 @@
         </p:nvSpPr>
         <p:spPr/>
         <p:txBody>
-          <a:bodyPr/>
+          <a:bodyPr>
+            <a:normAutofit/>
+          </a:bodyPr>
           <a:lstStyle/>
           <a:p>
             <a:pPr algn="r" rtl="1"/>
             <a:r>
-              <a:rPr lang="he-IL" dirty="0"/>
+              <a:rPr lang="he-IL" sz="5800" dirty="0"/>
               <a:t>המפלגה הדמוקרטית</a:t>
             </a:r>
-            <a:endParaRPr lang="en-US" dirty="0"/>
+            <a:endParaRPr lang="en-US" sz="5800" dirty="0"/>
           </a:p>
         </p:txBody>
       </p:sp>
@@ -5996,7 +6013,7 @@
         <p:spPr/>
         <p:txBody>
           <a:bodyPr>
-            <a:normAutofit/>
+            <a:normAutofit fontScale="32500" lnSpcReduction="20000"/>
           </a:bodyPr>
           <a:lstStyle/>
           <a:p>
@@ -6004,40 +6021,119 @@
               <a:buNone/>
             </a:pPr>
             <a:r>
-              <a:rPr lang="he-IL" sz="2400" b="1" u="sng" dirty="0"/>
-              <a:t>מסקנות:</a:t>
-            </a:r>
+              <a:rPr lang="he-IL" sz="7400" b="1" dirty="0">
+                <a:latin typeface="+mj-lt"/>
+                <a:cs typeface="+mj-cs"/>
+              </a:rPr>
+              <a:t>העתיד</a:t>
+            </a:r>
+            <a:r>
+              <a:rPr lang="he-IL" sz="6000" b="1" dirty="0">
+                <a:latin typeface="+mj-lt"/>
+                <a:cs typeface="+mj-cs"/>
+              </a:rPr>
+              <a:t>:</a:t>
+            </a:r>
+            <a:endParaRPr lang="he-IL" sz="3300" b="1" dirty="0">
+              <a:latin typeface="+mj-lt"/>
+              <a:cs typeface="+mj-cs"/>
+            </a:endParaRPr>
           </a:p>
           <a:p>
             <a:pPr marL="0" indent="0" algn="r" rtl="1">
               <a:buNone/>
             </a:pPr>
             <a:r>
-              <a:rPr lang="he-IL" sz="1600" dirty="0">
-                <a:solidFill>
-                  <a:srgbClr val="202124"/>
-                </a:solidFill>
-                <a:latin typeface="Google Sans"/>
-                <a:cs typeface="Arial" panose="020B0604020202020204" pitchFamily="34" charset="0"/>
-              </a:rPr>
-              <a:t>כמו שניתן לראות המפלגה הדמוקרטית תמכה וניסתה לעקוב אחר הקנצנזוס המדעי, יש היגידו שלא עסו מספיק אך לדעתנו חשוב לקחת בחשבון שכדי להעביר את רוב החוקים והתקנות שחוקקו עד כה צריך תמיכה מהצד הקרפובליקאי.</a:t>
-            </a:r>
+              <a:rPr lang="he-IL" sz="4900" dirty="0">
+                <a:latin typeface="+mj-lt"/>
+                <a:cs typeface="+mj-cs"/>
+              </a:rPr>
+              <a:t>כשהסתכלנו על העתיד הסתכלנו על המצע של בידן-האריס (נשיא \ סגן נשיא) הבאים המועמד הנבחר 2020), המצע כולל:</a:t>
+            </a:r>
+            <a:endParaRPr lang="he-IL" altLang="en-US" sz="4900" dirty="0">
+              <a:solidFill>
+                <a:srgbClr val="202124"/>
+              </a:solidFill>
+              <a:latin typeface="+mj-lt"/>
+              <a:cs typeface="+mj-cs"/>
+            </a:endParaRPr>
+          </a:p>
+          <a:p>
+            <a:pPr algn="r" rtl="1">
+              <a:buFontTx/>
+              <a:buChar char="-"/>
+            </a:pPr>
+            <a:r>
+              <a:rPr lang="he-IL" altLang="en-US" sz="4900" dirty="0">
+                <a:solidFill>
+                  <a:srgbClr val="202124"/>
+                </a:solidFill>
+                <a:latin typeface="+mj-lt"/>
+                <a:cs typeface="+mj-cs"/>
+              </a:rPr>
+              <a:t>להאיץ את המחקר לסוללות בשביל תמיכה לשימוש ברכבים חשמליים וברשת שלנו, כהשלמה לטכנולוגיות כמו שמש ורוח - הגברת העמידות, הפחתת הפסולת והוזלת העלויות.</a:t>
+            </a:r>
+          </a:p>
+          <a:p>
+            <a:pPr algn="r" rtl="1">
+              <a:buFontTx/>
+              <a:buChar char="-"/>
+            </a:pPr>
+            <a:r>
+              <a:rPr lang="he-IL" altLang="en-US" sz="4900" dirty="0">
+                <a:solidFill>
+                  <a:srgbClr val="202124"/>
+                </a:solidFill>
+                <a:latin typeface="+mj-lt"/>
+                <a:cs typeface="+mj-cs"/>
+              </a:rPr>
+              <a:t>-הגדרת יעד שכל האוטובוסים החדשים שיבנו באמריקה יהיו עם אפס פליטות עד שנת 2030.</a:t>
+            </a:r>
+          </a:p>
+          <a:p>
+            <a:pPr algn="r" rtl="1">
+              <a:buFontTx/>
+              <a:buChar char="-"/>
+            </a:pPr>
+            <a:r>
+              <a:rPr lang="he-IL" altLang="en-US" sz="4900" dirty="0">
+                <a:solidFill>
+                  <a:srgbClr val="202124"/>
+                </a:solidFill>
+                <a:latin typeface="+mj-lt"/>
+                <a:cs typeface="+mj-cs"/>
+              </a:rPr>
+              <a:t>השקעות ציבוריות גדולות בתשתיות רכב - כולל 500,000 עמדות טעינה לרכב חשמלי - כדי ליצור מקומות עבודה טובים בתעשיות התומכות ברכבים חשמליים.</a:t>
+            </a:r>
+          </a:p>
+          <a:p>
+            <a:pPr algn="r" rtl="1">
+              <a:buFontTx/>
+              <a:buChar char="-"/>
+            </a:pPr>
+            <a:r>
+              <a:rPr lang="he-IL" altLang="en-US" sz="4900" dirty="0">
+                <a:solidFill>
+                  <a:srgbClr val="202124"/>
+                </a:solidFill>
+                <a:latin typeface="+mj-lt"/>
+                <a:cs typeface="+mj-cs"/>
+              </a:rPr>
+              <a:t>השקעה היסטורית בייצור אנרגיה בייעילות, באנרגיה נקייה, במערכות חשמל ובתשתיות קו שמקלות על חשמול התחבורה, ובתשתיות אחסון והולכה חדשה של סוללות אשר יתמודדו עם צווארי בקבוק ויפתחו את פוטנציאל האנרגיה הנקייה המלאה של אמריקה.</a:t>
+            </a:r>
+            <a:endParaRPr lang="he-IL" sz="2400" dirty="0">
+              <a:latin typeface="+mj-lt"/>
+              <a:cs typeface="+mj-cs"/>
+            </a:endParaRPr>
           </a:p>
           <a:p>
             <a:pPr marL="0" indent="0" algn="r" rtl="1">
               <a:buNone/>
             </a:pPr>
-            <a:r>
-              <a:rPr lang="he-IL" sz="1600" dirty="0">
-                <a:solidFill>
-                  <a:srgbClr val="202124"/>
-                </a:solidFill>
-                <a:latin typeface="Google Sans"/>
-                <a:cs typeface="Arial" panose="020B0604020202020204" pitchFamily="34" charset="0"/>
-              </a:rPr>
-              <a:t>כאשר אנו מסתכלים על העתיד ראינו את התוכנית הירוקה, אשר נכון שלא עברה אך צעד בכיוון הנכון ותוכניותו של בידן לקידום הבעייה. </a:t>
-            </a:r>
-            <a:endParaRPr lang="he-IL" sz="2000" dirty="0"/>
+            <a:endParaRPr lang="he-IL" sz="1600" dirty="0">
+              <a:latin typeface="+mj-lt"/>
+              <a:cs typeface="+mj-cs"/>
+            </a:endParaRPr>
           </a:p>
         </p:txBody>
       </p:sp>
@@ -6147,7 +6243,7 @@
     </p:spTree>
     <p:extLst>
       <p:ext uri="{BB962C8B-B14F-4D97-AF65-F5344CB8AC3E}">
-        <p14:creationId xmlns:p14="http://schemas.microsoft.com/office/powerpoint/2010/main" val="880371063"/>
+        <p14:creationId xmlns:p14="http://schemas.microsoft.com/office/powerpoint/2010/main" val="3524111267"/>
       </p:ext>
     </p:extLst>
   </p:cSld>
@@ -6192,15 +6288,17 @@
         </p:nvSpPr>
         <p:spPr/>
         <p:txBody>
-          <a:bodyPr/>
+          <a:bodyPr>
+            <a:normAutofit/>
+          </a:bodyPr>
           <a:lstStyle/>
           <a:p>
             <a:pPr algn="r" rtl="1"/>
             <a:r>
-              <a:rPr lang="he-IL" dirty="0"/>
-              <a:t>המפלגה הרפובליקנית</a:t>
-            </a:r>
-            <a:endParaRPr lang="en-US" dirty="0"/>
+              <a:rPr lang="he-IL" sz="5800" dirty="0"/>
+              <a:t>המפלגה הדמוקרטית</a:t>
+            </a:r>
+            <a:endParaRPr lang="en-US" sz="5800" dirty="0"/>
           </a:p>
         </p:txBody>
       </p:sp>
@@ -6223,7 +6321,7 @@
         <p:spPr/>
         <p:txBody>
           <a:bodyPr>
-            <a:normAutofit fontScale="92500" lnSpcReduction="10000"/>
+            <a:normAutofit/>
           </a:bodyPr>
           <a:lstStyle/>
           <a:p>
@@ -6231,140 +6329,74 @@
               <a:buNone/>
             </a:pPr>
             <a:r>
-              <a:rPr lang="he-IL" sz="2400" b="1" u="sng" dirty="0"/>
-              <a:t>העבר (חוקים ותקנות):</a:t>
-            </a:r>
-            <a:endParaRPr lang="en-US" sz="2400" b="1" u="sng" dirty="0"/>
-          </a:p>
-          <a:p>
-            <a:pPr marL="0" indent="0" algn="r" rtl="1">
-              <a:buNone/>
-            </a:pPr>
-            <a:r>
-              <a:rPr lang="he-IL" sz="1800" u="sng" dirty="0"/>
-              <a:t>קיוטו החלטה לא מחייבת</a:t>
-            </a:r>
-            <a:r>
-              <a:rPr lang="he-IL" sz="2000" u="sng" dirty="0"/>
-              <a:t> </a:t>
-            </a:r>
-            <a:r>
-              <a:rPr lang="he-IL" sz="1800" u="sng" dirty="0"/>
-              <a:t>1997</a:t>
-            </a:r>
-            <a:r>
-              <a:rPr lang="he-IL" sz="2000" u="sng" dirty="0"/>
+              <a:rPr lang="he-IL" sz="2400" b="1" dirty="0">
+                <a:cs typeface="+mj-cs"/>
+              </a:rPr>
+              <a:t>העתיד המשך</a:t>
+            </a:r>
+            <a:r>
+              <a:rPr lang="en-US" sz="2400" b="1" dirty="0">
+                <a:cs typeface="+mj-cs"/>
+              </a:rPr>
               <a:t>:</a:t>
             </a:r>
-            <a:endParaRPr lang="he-IL" sz="1600" u="sng" dirty="0">
-              <a:solidFill>
-                <a:srgbClr val="202124"/>
-              </a:solidFill>
-              <a:latin typeface="Google Sans"/>
-              <a:cs typeface="Arial" panose="020B0604020202020204" pitchFamily="34" charset="0"/>
+            <a:endParaRPr lang="he-IL" sz="3300" b="1" dirty="0">
+              <a:cs typeface="+mj-cs"/>
             </a:endParaRPr>
           </a:p>
           <a:p>
-            <a:pPr marL="0" indent="0" algn="r" rtl="1">
-              <a:buNone/>
+            <a:pPr algn="r" rtl="1">
+              <a:buFontTx/>
+              <a:buChar char="-"/>
             </a:pPr>
             <a:r>
               <a:rPr lang="he-IL" altLang="en-US" sz="1600" dirty="0">
                 <a:solidFill>
                   <a:srgbClr val="202124"/>
                 </a:solidFill>
-                <a:latin typeface="Google Sans"/>
-                <a:cs typeface="Arial" panose="020B0604020202020204" pitchFamily="34" charset="0"/>
-              </a:rPr>
-              <a:t>הסנאט מקדים את פרוטוקול קיוטו. ביוני 1997, חצי שנה לפני ועידת האקלים של האו"ם בקיוטו, יפן, אימץ הסנאט החלטה, וקבע כי על ארצות הברית לא להתקשר בשום הסכם אקלים בינלאומי שלא כולל התחייבויות פליטות דומות על ידי מדינות מתפתחות או ש "יגרום לפגיעה קשה בכלכלת ארצות הברית ... " ממשל קלינטון המשיך לנהל משא ומתן ו לחתום על פרוטוקול קיוטו, שקבע יעדי פליטה למדינות מפותחות בלבד. אך ההסכם מעולם לא הוגש לסנאט לייעוץ והסכמה, ובשנת 2001 הכריז הנשיא ג'ורג 'וו בוש כי ארצות הברית לא תצטרף אליו</a:t>
+                <a:latin typeface="+mj-lt"/>
+                <a:cs typeface="+mj-cs"/>
+              </a:rPr>
+              <a:t>הקמת תקן יעילות אנרגיה יעילה וחשמל נקי טכנולוגי</a:t>
             </a:r>
             <a:r>
               <a:rPr lang="en-US" altLang="en-US" sz="1600" dirty="0">
                 <a:solidFill>
                   <a:srgbClr val="202124"/>
                 </a:solidFill>
-                <a:latin typeface="Google Sans"/>
-                <a:cs typeface="Arial" panose="020B0604020202020204" pitchFamily="34" charset="0"/>
-              </a:rPr>
-              <a:t>.</a:t>
-            </a:r>
-          </a:p>
-          <a:p>
-            <a:pPr marL="0" marR="0" lvl="0" indent="0" algn="r" defTabSz="914400" rtl="0" eaLnBrk="0" fontAlgn="base" latinLnBrk="0" hangingPunct="0">
-              <a:lnSpc>
-                <a:spcPct val="100000"/>
-              </a:lnSpc>
-              <a:spcBef>
-                <a:spcPct val="0"/>
-              </a:spcBef>
-              <a:spcAft>
-                <a:spcPct val="0"/>
-              </a:spcAft>
-              <a:buClrTx/>
-              <a:buSzTx/>
+                <a:latin typeface="+mj-lt"/>
+                <a:cs typeface="+mj-cs"/>
+              </a:rPr>
+              <a:t> (EECES) </a:t>
+            </a:r>
+            <a:r>
+              <a:rPr lang="he-IL" altLang="en-US" sz="1600" dirty="0">
+                <a:solidFill>
+                  <a:srgbClr val="202124"/>
+                </a:solidFill>
+                <a:latin typeface="+mj-lt"/>
+                <a:cs typeface="+mj-cs"/>
+              </a:rPr>
+              <a:t>עבור שירותים ומפעילי רשת. בשילוב עם השקעות היסטוריות בתחום החשמל, הקטנת זיהום מאנרגיית חשמל והשג אנרגיה חופשית מזיהום עד 2035, צעדים אלה יחוללו מהפכה באנרגיה נקייה באמריקה, ויעודדו את ההתקנה של מיליוני פאנלים סולאריים - כולל מערכות סולאריות בקנה מידה פרטי ועסקי, עשרות אלפי טורבינות רוח - כולל אלפי טורבינות מול החופים, קידום אנרגיית גרעין ואנרגיית הידרו, תוך הקפדה על מתקנים אלה לעמוד בסטנדרטים חזקים.</a:t>
+            </a:r>
+          </a:p>
+          <a:p>
+            <a:pPr algn="r" rtl="1">
               <a:buFontTx/>
-              <a:buNone/>
-              <a:tabLst/>
-            </a:pPr>
-            <a:endParaRPr lang="he-IL" altLang="en-US" sz="1600" dirty="0">
-              <a:solidFill>
-                <a:srgbClr val="202124"/>
-              </a:solidFill>
-              <a:latin typeface="Google Sans"/>
-              <a:cs typeface="Arial" panose="020B0604020202020204" pitchFamily="34" charset="0"/>
-            </a:endParaRPr>
-          </a:p>
-          <a:p>
-            <a:pPr marL="0" marR="0" lvl="0" indent="0" algn="r" defTabSz="914400" rtl="0" eaLnBrk="0" fontAlgn="base" latinLnBrk="0" hangingPunct="0">
-              <a:lnSpc>
-                <a:spcPct val="100000"/>
-              </a:lnSpc>
-              <a:spcBef>
-                <a:spcPct val="0"/>
-              </a:spcBef>
-              <a:spcAft>
-                <a:spcPct val="0"/>
-              </a:spcAft>
-              <a:buClrTx/>
-              <a:buSzTx/>
-              <a:buFontTx/>
-              <a:buNone/>
-              <a:tabLst/>
-            </a:pPr>
-            <a:br>
-              <a:rPr lang="en-US" altLang="en-US" sz="1600" dirty="0">
-                <a:solidFill>
-                  <a:srgbClr val="202124"/>
-                </a:solidFill>
-                <a:latin typeface="Google Sans"/>
-                <a:cs typeface="Arial" panose="020B0604020202020204" pitchFamily="34" charset="0"/>
-              </a:rPr>
-            </a:br>
-            <a:r>
-              <a:rPr lang="he-IL" altLang="en-US" sz="1800" u="sng" dirty="0"/>
-              <a:t>חוק מדיניות האנרגיה 2005:</a:t>
-            </a:r>
-            <a:endParaRPr lang="en-US" altLang="en-US" sz="1800" u="sng" dirty="0"/>
-          </a:p>
-          <a:p>
-            <a:pPr marL="0" marR="0" lvl="0" indent="0" algn="r" defTabSz="914400" rtl="0" eaLnBrk="0" fontAlgn="base" latinLnBrk="0" hangingPunct="0">
-              <a:lnSpc>
-                <a:spcPct val="100000"/>
-              </a:lnSpc>
-              <a:spcBef>
-                <a:spcPct val="0"/>
-              </a:spcBef>
-              <a:spcAft>
-                <a:spcPct val="0"/>
-              </a:spcAft>
-              <a:buClrTx/>
-              <a:buSzTx/>
-              <a:buFontTx/>
-              <a:buNone/>
-              <a:tabLst/>
-            </a:pPr>
-            <a:r>
-              <a:rPr kumimoji="0" lang="he-IL" altLang="en-US" sz="1600" b="0" i="0" u="none" strike="noStrike" cap="none" normalizeH="0" baseline="0" dirty="0">
+              <a:buChar char="-"/>
+            </a:pPr>
+            <a:r>
+              <a:rPr lang="he-IL" altLang="en-US" sz="1600" dirty="0">
+                <a:solidFill>
+                  <a:srgbClr val="202124"/>
+                </a:solidFill>
+                <a:latin typeface="+mj-lt"/>
+                <a:cs typeface="+mj-cs"/>
+              </a:rPr>
+              <a:t>יצרית סוכנות ח</a:t>
+            </a:r>
+            <a:r>
+              <a:rPr kumimoji="0" lang="he-IL" altLang="en-US" sz="1600" b="0" i="0" strike="noStrike" cap="none" normalizeH="0" baseline="0" dirty="0">
                 <a:ln>
                   <a:noFill/>
                 </a:ln>
@@ -6372,23 +6404,13 @@
                   <a:srgbClr val="202124"/>
                 </a:solidFill>
                 <a:effectLst/>
-                <a:latin typeface="Google Sans"/>
-                <a:cs typeface="Arial" panose="020B0604020202020204" pitchFamily="34" charset="0"/>
-              </a:rPr>
-              <a:t>זיכוי מס </a:t>
-            </a:r>
-            <a:r>
-              <a:rPr lang="he-IL" altLang="en-US" sz="1600" dirty="0">
-                <a:solidFill>
-                  <a:srgbClr val="202124"/>
-                </a:solidFill>
-                <a:latin typeface="Google Sans"/>
-                <a:cs typeface="Arial" panose="020B0604020202020204" pitchFamily="34" charset="0"/>
-              </a:rPr>
-              <a:t>ל</a:t>
-            </a:r>
-            <a:r>
-              <a:rPr kumimoji="0" lang="he-IL" altLang="en-US" sz="1600" b="0" i="0" u="none" strike="noStrike" cap="none" normalizeH="0" baseline="0" dirty="0">
+                <a:latin typeface="+mj-lt"/>
+                <a:cs typeface="+mj-cs"/>
+              </a:rPr>
+              <a:t>דשה (</a:t>
+            </a:r>
+            <a:r>
+              <a:rPr kumimoji="0" lang="en-US" altLang="en-US" sz="1600" b="0" i="0" strike="noStrike" cap="none" normalizeH="0" baseline="0" dirty="0">
                 <a:ln>
                   <a:noFill/>
                 </a:ln>
@@ -6396,12 +6418,26 @@
                   <a:srgbClr val="202124"/>
                 </a:solidFill>
                 <a:effectLst/>
-                <a:latin typeface="Google Sans"/>
-                <a:cs typeface="Arial" panose="020B0604020202020204" pitchFamily="34" charset="0"/>
-              </a:rPr>
-              <a:t>השקעה לאנרגיה סולארית נוסף בהמשך לקוד המס, רפובלקאים מעבירים הקלות מס נוספות למיסוי לאנרגיה סולארית</a:t>
-            </a:r>
-            <a:endParaRPr kumimoji="0" lang="en-US" altLang="en-US" sz="1100" b="0" i="0" u="none" strike="noStrike" cap="none" normalizeH="0" baseline="0" dirty="0">
+                <a:latin typeface="+mj-lt"/>
+                <a:cs typeface="+mj-cs"/>
+              </a:rPr>
+              <a:t>ARPA-C</a:t>
+            </a:r>
+            <a:r>
+              <a:rPr kumimoji="0" lang="he-IL" altLang="en-US" sz="1600" b="0" i="0" strike="noStrike" cap="none" normalizeH="0" baseline="0" dirty="0">
+                <a:ln>
+                  <a:noFill/>
+                </a:ln>
+                <a:solidFill>
+                  <a:srgbClr val="202124"/>
+                </a:solidFill>
+                <a:effectLst/>
+                <a:latin typeface="+mj-lt"/>
+                <a:cs typeface="+mj-cs"/>
+              </a:rPr>
+              <a:t>), המיועדת למקד טכנולוגיות משנות משחק שיעזרו לאמריקה להשיג את יעד האנרגיה הנקייה שלה.</a:t>
+            </a:r>
+            <a:endParaRPr kumimoji="0" lang="en-US" altLang="en-US" sz="1600" b="0" i="0" strike="noStrike" cap="none" normalizeH="0" baseline="0" dirty="0">
               <a:ln>
                 <a:noFill/>
               </a:ln>
@@ -6409,120 +6445,85 @@
                 <a:srgbClr val="202124"/>
               </a:solidFill>
               <a:effectLst/>
-              <a:latin typeface="Arial" panose="020B0604020202020204" pitchFamily="34" charset="0"/>
-              <a:cs typeface="Arial" panose="020B0604020202020204" pitchFamily="34" charset="0"/>
+              <a:latin typeface="+mj-lt"/>
+              <a:cs typeface="+mj-cs"/>
             </a:endParaRPr>
           </a:p>
           <a:p>
-            <a:pPr marL="0" marR="0" lvl="0" indent="0" algn="l" defTabSz="914400" rtl="0" eaLnBrk="0" fontAlgn="base" latinLnBrk="0" hangingPunct="0">
-              <a:lnSpc>
-                <a:spcPct val="100000"/>
-              </a:lnSpc>
-              <a:spcBef>
-                <a:spcPct val="0"/>
-              </a:spcBef>
-              <a:spcAft>
-                <a:spcPct val="0"/>
-              </a:spcAft>
-              <a:buClrTx/>
-              <a:buSzTx/>
+            <a:pPr algn="r" rtl="1">
               <a:buFontTx/>
-              <a:buNone/>
-              <a:tabLst/>
-            </a:pPr>
-            <a:br>
-              <a:rPr kumimoji="0" lang="en-US" altLang="en-US" sz="500" b="0" i="0" u="none" strike="noStrike" cap="none" normalizeH="0" baseline="0" dirty="0">
-                <a:ln>
-                  <a:noFill/>
-                </a:ln>
-                <a:solidFill>
-                  <a:schemeClr val="tx1"/>
-                </a:solidFill>
-                <a:effectLst/>
-              </a:rPr>
-            </a:br>
-            <a:endParaRPr kumimoji="0" lang="en-US" altLang="en-US" sz="1200" b="0" i="0" u="none" strike="noStrike" cap="none" normalizeH="0" baseline="0" dirty="0">
+              <a:buChar char="-"/>
+            </a:pPr>
+            <a:r>
+              <a:rPr lang="he-IL" altLang="en-US" sz="1600" dirty="0">
+                <a:solidFill>
+                  <a:srgbClr val="202124"/>
+                </a:solidFill>
+                <a:latin typeface="+mj-lt"/>
+                <a:cs typeface="+mj-cs"/>
+              </a:rPr>
+              <a:t>הרחבת תמריצי המס לאנרגיה נקייה ויעילויי אנרגיה</a:t>
+            </a:r>
+          </a:p>
+          <a:p>
+            <a:pPr algn="r" rtl="1">
+              <a:buFontTx/>
+              <a:buChar char="-"/>
+            </a:pPr>
+            <a:endParaRPr lang="en-US" altLang="en-US" sz="2600" b="1" dirty="0">
+              <a:solidFill>
+                <a:srgbClr val="202124"/>
+              </a:solidFill>
+              <a:latin typeface="+mj-lt"/>
+              <a:cs typeface="+mj-cs"/>
+            </a:endParaRPr>
+          </a:p>
+          <a:p>
+            <a:pPr algn="r" rtl="1">
+              <a:buFontTx/>
+              <a:buChar char="-"/>
+            </a:pPr>
+            <a:endParaRPr kumimoji="0" lang="he-IL" altLang="en-US" sz="1600" b="0" i="0" strike="noStrike" cap="none" normalizeH="0" baseline="0" dirty="0">
               <a:ln>
                 <a:noFill/>
               </a:ln>
               <a:solidFill>
-                <a:schemeClr val="tx1"/>
+                <a:srgbClr val="202124"/>
               </a:solidFill>
               <a:effectLst/>
-              <a:latin typeface="Arial" panose="020B0604020202020204" pitchFamily="34" charset="0"/>
+              <a:latin typeface="Google Sans"/>
+              <a:cs typeface="+mj-cs"/>
             </a:endParaRPr>
           </a:p>
           <a:p>
-            <a:pPr marL="0" indent="0" algn="r" eaLnBrk="0" fontAlgn="base" hangingPunct="0">
-              <a:lnSpc>
-                <a:spcPct val="100000"/>
-              </a:lnSpc>
-              <a:spcBef>
-                <a:spcPct val="0"/>
-              </a:spcBef>
-              <a:spcAft>
-                <a:spcPct val="0"/>
-              </a:spcAft>
-              <a:buNone/>
-            </a:pPr>
-            <a:r>
-              <a:rPr lang="he-IL" altLang="en-US" sz="1800" u="sng" dirty="0"/>
-              <a:t>הסכם פריז:</a:t>
-            </a:r>
-          </a:p>
-          <a:p>
-            <a:pPr marL="0" indent="0" algn="r" eaLnBrk="0" fontAlgn="base" hangingPunct="0">
-              <a:lnSpc>
-                <a:spcPct val="100000"/>
-              </a:lnSpc>
-              <a:spcBef>
-                <a:spcPct val="0"/>
-              </a:spcBef>
-              <a:spcAft>
-                <a:spcPct val="0"/>
-              </a:spcAft>
-              <a:buNone/>
-            </a:pPr>
-            <a:r>
-              <a:rPr lang="he-IL" altLang="en-US" sz="1800" dirty="0"/>
-              <a:t>טראמפ עוזב את הסכם פריז ל</a:t>
-            </a:r>
-          </a:p>
-          <a:p>
-            <a:pPr marL="0" marR="0" lvl="0" indent="0" algn="r" defTabSz="914400" rtl="0" eaLnBrk="0" fontAlgn="base" latinLnBrk="0" hangingPunct="0">
-              <a:lnSpc>
-                <a:spcPct val="100000"/>
-              </a:lnSpc>
-              <a:spcBef>
-                <a:spcPct val="0"/>
-              </a:spcBef>
-              <a:spcAft>
-                <a:spcPct val="0"/>
-              </a:spcAft>
-              <a:buClrTx/>
-              <a:buSzTx/>
+            <a:pPr algn="r" rtl="1">
               <a:buFontTx/>
-              <a:buNone/>
-              <a:tabLst/>
+              <a:buChar char="-"/>
             </a:pPr>
             <a:endParaRPr lang="en-US" altLang="en-US" sz="1600" dirty="0">
               <a:solidFill>
                 <a:srgbClr val="202124"/>
               </a:solidFill>
               <a:latin typeface="Google Sans"/>
-              <a:cs typeface="Arial" panose="020B0604020202020204" pitchFamily="34" charset="0"/>
+              <a:cs typeface="+mj-cs"/>
             </a:endParaRPr>
           </a:p>
           <a:p>
             <a:pPr marL="0" indent="0" algn="r" rtl="1">
               <a:buNone/>
             </a:pPr>
-            <a:endParaRPr lang="he-IL" altLang="en-US" sz="1600" dirty="0">
-              <a:solidFill>
-                <a:srgbClr val="202124"/>
-              </a:solidFill>
-              <a:latin typeface="Google Sans"/>
-              <a:cs typeface="Arial" panose="020B0604020202020204" pitchFamily="34" charset="0"/>
+            <a:endParaRPr lang="he-IL" sz="2400" dirty="0">
+              <a:latin typeface="Arial" panose="020B0604020202020204" pitchFamily="34" charset="0"/>
+              <a:cs typeface="+mj-cs"/>
+            </a:endParaRPr>
+          </a:p>
+          <a:p>
+            <a:pPr marL="0" indent="0" algn="r" rtl="1">
+              <a:buNone/>
+            </a:pPr>
+            <a:endParaRPr lang="he-IL" sz="1600" dirty="0">
+              <a:latin typeface="Arial" panose="020B0604020202020204" pitchFamily="34" charset="0"/>
+              <a:cs typeface="+mj-cs"/>
             </a:endParaRPr>
           </a:p>
         </p:txBody>
@@ -6633,7 +6634,7 @@
     </p:spTree>
     <p:extLst>
       <p:ext uri="{BB962C8B-B14F-4D97-AF65-F5344CB8AC3E}">
-        <p14:creationId xmlns:p14="http://schemas.microsoft.com/office/powerpoint/2010/main" val="2305067493"/>
+        <p14:creationId xmlns:p14="http://schemas.microsoft.com/office/powerpoint/2010/main" val="3474078408"/>
       </p:ext>
     </p:extLst>
   </p:cSld>
@@ -6678,15 +6679,17 @@
         </p:nvSpPr>
         <p:spPr/>
         <p:txBody>
-          <a:bodyPr/>
+          <a:bodyPr>
+            <a:normAutofit/>
+          </a:bodyPr>
           <a:lstStyle/>
           <a:p>
             <a:pPr algn="r" rtl="1"/>
             <a:r>
-              <a:rPr lang="he-IL" dirty="0"/>
-              <a:t>המפלגה הרפובליקנית</a:t>
-            </a:r>
-            <a:endParaRPr lang="en-US" dirty="0"/>
+              <a:rPr lang="he-IL" sz="5800" dirty="0"/>
+              <a:t>המפלגה הדמוקרטית</a:t>
+            </a:r>
+            <a:endParaRPr lang="en-US" sz="5800" dirty="0"/>
           </a:p>
         </p:txBody>
       </p:sp>
@@ -6718,251 +6721,39 @@
             </a:pPr>
             <a:r>
               <a:rPr lang="he-IL" sz="2400" b="1" u="sng" dirty="0"/>
-              <a:t>העבר (חוקים ותקנות):</a:t>
-            </a:r>
-          </a:p>
-          <a:p>
-            <a:pPr marL="0" marR="0" lvl="0" indent="0" algn="r" defTabSz="914400" rtl="0" eaLnBrk="0" fontAlgn="base" latinLnBrk="0" hangingPunct="0">
-              <a:lnSpc>
-                <a:spcPct val="100000"/>
-              </a:lnSpc>
-              <a:spcBef>
-                <a:spcPct val="0"/>
-              </a:spcBef>
-              <a:spcAft>
-                <a:spcPct val="0"/>
-              </a:spcAft>
-              <a:buClrTx/>
-              <a:buSzTx/>
-              <a:buFontTx/>
-              <a:buNone/>
-              <a:tabLst/>
-            </a:pPr>
-            <a:r>
-              <a:rPr kumimoji="0" lang="en-US" altLang="en-US" sz="1800" b="0" i="0" u="none" strike="noStrike" cap="none" normalizeH="0" baseline="0" dirty="0">
-                <a:ln>
-                  <a:noFill/>
-                </a:ln>
-                <a:solidFill>
-                  <a:srgbClr val="202124"/>
-                </a:solidFill>
-                <a:effectLst/>
+              <a:t>מסקנות:</a:t>
+            </a:r>
+          </a:p>
+          <a:p>
+            <a:pPr marL="0" indent="0" algn="r" rtl="1">
+              <a:buNone/>
+            </a:pPr>
+            <a:r>
+              <a:rPr lang="he-IL" sz="1600" dirty="0">
+                <a:solidFill>
+                  <a:srgbClr val="202124"/>
+                </a:solidFill>
                 <a:latin typeface="Google Sans"/>
                 <a:cs typeface="Arial" panose="020B0604020202020204" pitchFamily="34" charset="0"/>
               </a:rPr>
-              <a:t>:</a:t>
-            </a:r>
-            <a:r>
-              <a:rPr lang="he-IL" altLang="en-US" sz="1800" u="sng" dirty="0"/>
-              <a:t>2015</a:t>
-            </a:r>
-            <a:r>
-              <a:rPr lang="en-US" altLang="en-US" sz="1800" u="sng" dirty="0"/>
-              <a:t> </a:t>
-            </a:r>
-            <a:r>
-              <a:rPr lang="he-IL" altLang="en-US" sz="1800" u="sng" dirty="0"/>
-              <a:t>הארכת / הדרגת זיכוי מס באנרגיה מתחדשת</a:t>
-            </a:r>
-            <a:endParaRPr lang="he-IL" altLang="en-US" sz="1600" dirty="0">
-              <a:solidFill>
-                <a:srgbClr val="202124"/>
-              </a:solidFill>
-              <a:latin typeface="Google Sans"/>
-              <a:cs typeface="Arial" panose="020B0604020202020204" pitchFamily="34" charset="0"/>
-            </a:endParaRPr>
-          </a:p>
-          <a:p>
-            <a:pPr marL="0" marR="0" lvl="0" indent="0" algn="r" defTabSz="914400" rtl="0" eaLnBrk="0" fontAlgn="base" latinLnBrk="0" hangingPunct="0">
-              <a:lnSpc>
-                <a:spcPct val="100000"/>
-              </a:lnSpc>
-              <a:spcBef>
-                <a:spcPct val="0"/>
-              </a:spcBef>
-              <a:spcAft>
-                <a:spcPct val="0"/>
-              </a:spcAft>
-              <a:buClrTx/>
-              <a:buSzTx/>
-              <a:buFontTx/>
-              <a:buNone/>
-              <a:tabLst/>
-            </a:pPr>
-            <a:r>
-              <a:rPr lang="he-IL" altLang="en-US" sz="1600" dirty="0">
+              <a:t>כמו שניתן לראות המפלגה הדמוקרטית תמכה וניסתה לעקוב אחר הקנצנזוס המדעי, יש היגידו שלא עסו מספיק אך לדעתנו חשוב לקחת בחשבון שכדי להעביר את רוב החוקים והתקנות שחוקקו עד כה צריך תמיכה מהצד הקרפובליקאי.</a:t>
+            </a:r>
+          </a:p>
+          <a:p>
+            <a:pPr marL="0" indent="0" algn="r" rtl="1">
+              <a:buNone/>
+            </a:pPr>
+            <a:r>
+              <a:rPr lang="he-IL" sz="1600" dirty="0">
                 <a:solidFill>
                   <a:srgbClr val="202124"/>
                 </a:solidFill>
                 <a:latin typeface="Google Sans"/>
                 <a:cs typeface="Arial" panose="020B0604020202020204" pitchFamily="34" charset="0"/>
               </a:rPr>
-              <a:t>לאחר יותר מ -20 שנה של הארכות קבועות של זיכויי מס בגין אנרגיית רוח ואנרגיה סולארית, הסכים הקונגרס בסוף 2015 להארכה רב שנתית </a:t>
-            </a:r>
-            <a:r>
-              <a:rPr lang="he-IL" altLang="en-US" sz="1600" b="1" dirty="0">
-                <a:solidFill>
-                  <a:srgbClr val="202124"/>
-                </a:solidFill>
-                <a:latin typeface="Google Sans"/>
-                <a:cs typeface="Arial" panose="020B0604020202020204" pitchFamily="34" charset="0"/>
-              </a:rPr>
-              <a:t>ולביטול האולטימטיבי של התמריצים באופן הדרגתי לאורך זמן. </a:t>
-            </a:r>
-            <a:r>
-              <a:rPr lang="he-IL" altLang="en-US" sz="1600" dirty="0">
-                <a:solidFill>
-                  <a:srgbClr val="202124"/>
-                </a:solidFill>
-                <a:latin typeface="Google Sans"/>
-                <a:cs typeface="Arial" panose="020B0604020202020204" pitchFamily="34" charset="0"/>
-              </a:rPr>
-              <a:t>זיכויי המס היו קריטיים בהפיכת עלויות אנרגיה מתחדשת לתחרותיות וממשיכים לסייע בהפחתת פליטת הפחמן ממגזר החשמל בהעדר תקנות פדרליות</a:t>
-            </a:r>
-            <a:r>
-              <a:rPr lang="he-IL" altLang="en-US" sz="1800" dirty="0">
-                <a:solidFill>
-                  <a:srgbClr val="202124"/>
-                </a:solidFill>
-                <a:latin typeface="Google Sans"/>
-                <a:cs typeface="Arial" panose="020B0604020202020204" pitchFamily="34" charset="0"/>
-              </a:rPr>
-              <a:t>.</a:t>
-            </a:r>
-          </a:p>
-          <a:p>
-            <a:pPr marL="0" marR="0" lvl="0" indent="0" algn="r" defTabSz="914400" rtl="0" eaLnBrk="0" fontAlgn="base" latinLnBrk="0" hangingPunct="0">
-              <a:lnSpc>
-                <a:spcPct val="100000"/>
-              </a:lnSpc>
-              <a:spcBef>
-                <a:spcPct val="0"/>
-              </a:spcBef>
-              <a:spcAft>
-                <a:spcPct val="0"/>
-              </a:spcAft>
-              <a:buClrTx/>
-              <a:buSzTx/>
-              <a:buFontTx/>
-              <a:buNone/>
-              <a:tabLst/>
-            </a:pPr>
-            <a:endParaRPr kumimoji="0" lang="he-IL" altLang="en-US" sz="1800" b="0" i="0" u="none" strike="noStrike" cap="none" normalizeH="0" baseline="0" dirty="0">
-              <a:ln>
-                <a:noFill/>
-              </a:ln>
-              <a:solidFill>
-                <a:srgbClr val="202124"/>
-              </a:solidFill>
-              <a:effectLst/>
-              <a:latin typeface="Google Sans"/>
-              <a:cs typeface="Arial" panose="020B0604020202020204" pitchFamily="34" charset="0"/>
-            </a:endParaRPr>
-          </a:p>
-          <a:p>
-            <a:pPr marL="0" marR="0" lvl="0" indent="0" algn="r" defTabSz="914400" rtl="0" eaLnBrk="0" fontAlgn="base" latinLnBrk="0" hangingPunct="0">
-              <a:lnSpc>
-                <a:spcPct val="100000"/>
-              </a:lnSpc>
-              <a:spcBef>
-                <a:spcPct val="0"/>
-              </a:spcBef>
-              <a:spcAft>
-                <a:spcPct val="0"/>
-              </a:spcAft>
-              <a:buClrTx/>
-              <a:buSzTx/>
-              <a:buFontTx/>
-              <a:buNone/>
-              <a:tabLst/>
-            </a:pPr>
-            <a:endParaRPr kumimoji="0" lang="en-US" altLang="en-US" sz="1200" b="0" i="0" u="none" strike="noStrike" cap="none" normalizeH="0" baseline="0" dirty="0">
-              <a:ln>
-                <a:noFill/>
-              </a:ln>
-              <a:solidFill>
-                <a:srgbClr val="202124"/>
-              </a:solidFill>
-              <a:effectLst/>
-              <a:latin typeface="Arial" panose="020B0604020202020204" pitchFamily="34" charset="0"/>
-              <a:cs typeface="Arial" panose="020B0604020202020204" pitchFamily="34" charset="0"/>
-            </a:endParaRPr>
-          </a:p>
-          <a:p>
-            <a:pPr marL="0" marR="0" lvl="0" indent="0" algn="r" defTabSz="914400" rtl="0" eaLnBrk="0" fontAlgn="base" latinLnBrk="0" hangingPunct="0">
-              <a:lnSpc>
-                <a:spcPct val="100000"/>
-              </a:lnSpc>
-              <a:spcBef>
-                <a:spcPct val="0"/>
-              </a:spcBef>
-              <a:spcAft>
-                <a:spcPct val="0"/>
-              </a:spcAft>
-              <a:buClrTx/>
-              <a:buSzTx/>
-              <a:buFontTx/>
-              <a:buNone/>
-              <a:tabLst/>
-            </a:pPr>
-            <a:br>
-              <a:rPr kumimoji="0" lang="en-US" altLang="en-US" sz="600" b="0" i="0" u="none" strike="noStrike" cap="none" normalizeH="0" baseline="0" dirty="0">
-                <a:ln>
-                  <a:noFill/>
-                </a:ln>
-                <a:solidFill>
-                  <a:schemeClr val="tx1"/>
-                </a:solidFill>
-                <a:effectLst/>
-              </a:rPr>
-            </a:br>
-            <a:endParaRPr kumimoji="0" lang="en-US" altLang="en-US" sz="1400" b="0" i="0" u="none" strike="noStrike" cap="none" normalizeH="0" baseline="0" dirty="0">
-              <a:ln>
-                <a:noFill/>
-              </a:ln>
-              <a:solidFill>
-                <a:schemeClr val="tx1"/>
-              </a:solidFill>
-              <a:effectLst/>
-              <a:latin typeface="Arial" panose="020B0604020202020204" pitchFamily="34" charset="0"/>
-            </a:endParaRPr>
-          </a:p>
-          <a:p>
-            <a:pPr marL="0" marR="0" lvl="0" indent="0" algn="r" defTabSz="914400" rtl="0" eaLnBrk="0" fontAlgn="base" latinLnBrk="0" hangingPunct="0">
-              <a:lnSpc>
-                <a:spcPct val="100000"/>
-              </a:lnSpc>
-              <a:spcBef>
-                <a:spcPct val="0"/>
-              </a:spcBef>
-              <a:spcAft>
-                <a:spcPct val="0"/>
-              </a:spcAft>
-              <a:buClrTx/>
-              <a:buSzTx/>
-              <a:buFontTx/>
-              <a:buNone/>
-              <a:tabLst/>
-            </a:pPr>
-            <a:endParaRPr lang="en-US" altLang="en-US" sz="1600" dirty="0">
-              <a:solidFill>
-                <a:srgbClr val="202124"/>
-              </a:solidFill>
-              <a:latin typeface="Google Sans"/>
-              <a:cs typeface="Arial" panose="020B0604020202020204" pitchFamily="34" charset="0"/>
-            </a:endParaRPr>
-          </a:p>
-          <a:p>
-            <a:pPr marL="0" indent="0" algn="r" rtl="1">
-              <a:buNone/>
-            </a:pPr>
-            <a:endParaRPr lang="he-IL" altLang="en-US" sz="1600" dirty="0">
-              <a:solidFill>
-                <a:srgbClr val="202124"/>
-              </a:solidFill>
-              <a:latin typeface="Google Sans"/>
-              <a:cs typeface="Arial" panose="020B0604020202020204" pitchFamily="34" charset="0"/>
-            </a:endParaRPr>
+              <a:t>כאשר אנו מסתכלים על העתיד ראינו את התוכנית הירוקה, אשר נכון שלא עברה אך צעד בכיוון הנכון ותוכניותו של בידן לקידום הבעייה. </a:t>
+            </a:r>
+            <a:endParaRPr lang="he-IL" sz="2000" dirty="0"/>
           </a:p>
         </p:txBody>
       </p:sp>
@@ -7069,110 +6860,10 @@
           </a:p>
         </p:txBody>
       </p:sp>
-      <p:sp>
-        <p:nvSpPr>
-          <p:cNvPr id="5" name="Rectangle 1">
-            <a:extLst>
-              <a:ext uri="{FF2B5EF4-FFF2-40B4-BE49-F238E27FC236}">
-                <a16:creationId xmlns:a16="http://schemas.microsoft.com/office/drawing/2014/main" id="{89100880-5B20-4A5E-BACC-EC9C5D35D949}"/>
-              </a:ext>
-            </a:extLst>
-          </p:cNvPr>
-          <p:cNvSpPr>
-            <a:spLocks noChangeArrowheads="1"/>
-          </p:cNvSpPr>
-          <p:nvPr/>
-        </p:nvSpPr>
-        <p:spPr bwMode="auto">
-          <a:xfrm>
-            <a:off x="0" y="28545"/>
-            <a:ext cx="65" cy="400110"/>
-          </a:xfrm>
-          <a:prstGeom prst="rect">
-            <a:avLst/>
-          </a:prstGeom>
-          <a:solidFill>
-            <a:srgbClr val="F8F9FA"/>
-          </a:solidFill>
-          <a:ln>
-            <a:noFill/>
-          </a:ln>
-          <a:effectLst/>
-          <a:extLst>
-            <a:ext uri="{91240B29-F687-4F45-9708-019B960494DF}">
-              <a14:hiddenLine xmlns:a14="http://schemas.microsoft.com/office/drawing/2010/main" w="9525">
-                <a:solidFill>
-                  <a:schemeClr val="tx1"/>
-                </a:solidFill>
-                <a:miter lim="800000"/>
-                <a:headEnd/>
-                <a:tailEnd/>
-              </a14:hiddenLine>
-            </a:ext>
-            <a:ext uri="{AF507438-7753-43E0-B8FC-AC1667EBCBE1}">
-              <a14:hiddenEffects xmlns:a14="http://schemas.microsoft.com/office/drawing/2010/main">
-                <a:effectLst>
-                  <a:outerShdw dist="35921" dir="2700000" algn="ctr" rotWithShape="0">
-                    <a:schemeClr val="bg2"/>
-                  </a:outerShdw>
-                </a:effectLst>
-              </a14:hiddenEffects>
-            </a:ext>
-          </a:extLst>
-        </p:spPr>
-        <p:txBody>
-          <a:bodyPr vert="horz" wrap="none" lIns="0" tIns="0" rIns="0" bIns="0" numCol="1" anchor="ctr" anchorCtr="0" compatLnSpc="1">
-            <a:prstTxWarp prst="textNoShape">
-              <a:avLst/>
-            </a:prstTxWarp>
-            <a:spAutoFit/>
-          </a:bodyPr>
-          <a:lstStyle/>
-          <a:p>
-            <a:pPr marL="0" marR="0" lvl="0" indent="0" algn="l" defTabSz="914400" rtl="0" eaLnBrk="0" fontAlgn="base" latinLnBrk="0" hangingPunct="0">
-              <a:lnSpc>
-                <a:spcPct val="100000"/>
-              </a:lnSpc>
-              <a:spcBef>
-                <a:spcPct val="0"/>
-              </a:spcBef>
-              <a:spcAft>
-                <a:spcPct val="0"/>
-              </a:spcAft>
-              <a:buClrTx/>
-              <a:buSzTx/>
-              <a:buFontTx/>
-              <a:buNone/>
-              <a:tabLst/>
-            </a:pPr>
-            <a:br>
-              <a:rPr kumimoji="0" lang="en-US" altLang="en-US" sz="800" b="0" i="0" u="none" strike="noStrike" cap="none" normalizeH="0" baseline="0" dirty="0">
-                <a:ln>
-                  <a:noFill/>
-                </a:ln>
-                <a:solidFill>
-                  <a:schemeClr val="tx1"/>
-                </a:solidFill>
-                <a:effectLst/>
-              </a:rPr>
-            </a:br>
-            <a:endParaRPr kumimoji="0" lang="en-US" altLang="en-US" sz="1800" b="0" i="0" u="none" strike="noStrike" cap="none" normalizeH="0" baseline="0" dirty="0">
-              <a:ln>
-                <a:noFill/>
-              </a:ln>
-              <a:solidFill>
-                <a:schemeClr val="tx1"/>
-              </a:solidFill>
-              <a:effectLst/>
-              <a:latin typeface="Arial" panose="020B0604020202020204" pitchFamily="34" charset="0"/>
-            </a:endParaRPr>
-          </a:p>
-        </p:txBody>
-      </p:sp>
     </p:spTree>
     <p:extLst>
       <p:ext uri="{BB962C8B-B14F-4D97-AF65-F5344CB8AC3E}">
-        <p14:creationId xmlns:p14="http://schemas.microsoft.com/office/powerpoint/2010/main" val="1207067442"/>
+        <p14:creationId xmlns:p14="http://schemas.microsoft.com/office/powerpoint/2010/main" val="880371063"/>
       </p:ext>
     </p:extLst>
   </p:cSld>
@@ -7217,15 +6908,17 @@
         </p:nvSpPr>
         <p:spPr/>
         <p:txBody>
-          <a:bodyPr/>
+          <a:bodyPr>
+            <a:normAutofit/>
+          </a:bodyPr>
           <a:lstStyle/>
           <a:p>
             <a:pPr algn="r" rtl="1"/>
             <a:r>
-              <a:rPr lang="he-IL" dirty="0"/>
+              <a:rPr lang="he-IL" sz="5800" dirty="0"/>
               <a:t>המפלגה הרפובליקנית</a:t>
             </a:r>
-            <a:endParaRPr lang="en-US" dirty="0"/>
+            <a:endParaRPr lang="en-US" sz="5800" dirty="0"/>
           </a:p>
         </p:txBody>
       </p:sp>
@@ -7256,75 +6949,74 @@
               <a:buNone/>
             </a:pPr>
             <a:r>
-              <a:rPr lang="he-IL" sz="2400" b="1" u="sng" dirty="0"/>
-              <a:t>העתיד:</a:t>
-            </a:r>
+              <a:rPr lang="he-IL" sz="2400" b="1" u="sng" dirty="0">
+                <a:latin typeface="+mj-lt"/>
+              </a:rPr>
+              <a:t>העבר (חוקים ותקנות):</a:t>
+            </a:r>
+            <a:endParaRPr lang="en-US" sz="2400" b="1" u="sng" dirty="0">
+              <a:latin typeface="+mj-lt"/>
+            </a:endParaRPr>
           </a:p>
           <a:p>
             <a:pPr marL="0" indent="0" algn="r" rtl="1">
               <a:buNone/>
             </a:pPr>
             <a:r>
-              <a:rPr lang="he-IL" altLang="en-US" sz="2000" dirty="0">
-                <a:solidFill>
-                  <a:srgbClr val="202124"/>
-                </a:solidFill>
-                <a:latin typeface="Google Sans"/>
-                <a:cs typeface="Arial" panose="020B0604020202020204" pitchFamily="34" charset="0"/>
-              </a:rPr>
-              <a:t>אין באמת פוליסות הנוגעות להתחחמות גלובלית, </a:t>
-            </a:r>
-            <a:r>
-              <a:rPr kumimoji="0" lang="he-IL" altLang="en-US" sz="2000" b="0" i="0" u="none" strike="noStrike" cap="none" normalizeH="0" baseline="0" dirty="0">
-                <a:ln>
-                  <a:noFill/>
-                </a:ln>
-                <a:solidFill>
-                  <a:srgbClr val="202124"/>
-                </a:solidFill>
-                <a:effectLst/>
-                <a:latin typeface="Google Sans"/>
-                <a:cs typeface="Arial" panose="020B0604020202020204" pitchFamily="34" charset="0"/>
-              </a:rPr>
-              <a:t>הנשיא (טראמפ) הכחיש את ההסכמה המדעית בנוגע לשינויי אקלים.</a:t>
-            </a:r>
-            <a:r>
-              <a:rPr kumimoji="0" lang="en-US" altLang="en-US" sz="700" b="0" i="0" u="none" strike="noStrike" cap="none" normalizeH="0" baseline="0" dirty="0">
-                <a:ln>
-                  <a:noFill/>
-                </a:ln>
-                <a:solidFill>
-                  <a:schemeClr val="tx1"/>
-                </a:solidFill>
-                <a:effectLst/>
-              </a:rPr>
-              <a:t> </a:t>
-            </a:r>
-            <a:endParaRPr kumimoji="0" lang="en-US" altLang="en-US" sz="1600" b="0" i="0" u="none" strike="noStrike" cap="none" normalizeH="0" baseline="0" dirty="0">
-              <a:ln>
-                <a:noFill/>
-              </a:ln>
-              <a:solidFill>
-                <a:schemeClr val="tx1"/>
-              </a:solidFill>
-              <a:effectLst/>
-              <a:latin typeface="Arial" panose="020B0604020202020204" pitchFamily="34" charset="0"/>
-            </a:endParaRPr>
-          </a:p>
-          <a:p>
-            <a:pPr marL="0" indent="0" algn="r" rtl="1">
-              <a:buNone/>
-            </a:pPr>
-            <a:endParaRPr kumimoji="0" lang="he-IL" altLang="en-US" sz="2000" i="0" strike="noStrike" cap="none" normalizeH="0" baseline="0" dirty="0">
-              <a:ln>
-                <a:noFill/>
-              </a:ln>
+              <a:rPr lang="he-IL" u="sng" dirty="0">
+                <a:latin typeface="+mj-lt"/>
+              </a:rPr>
+              <a:t>קיוטו החלטה לא מחייבת 1997:</a:t>
+            </a:r>
+            <a:endParaRPr lang="he-IL" u="sng" dirty="0">
               <a:solidFill>
                 <a:srgbClr val="202124"/>
               </a:solidFill>
-              <a:effectLst/>
-              <a:latin typeface="Google Sans"/>
+              <a:latin typeface="+mj-lt"/>
               <a:cs typeface="Arial" panose="020B0604020202020204" pitchFamily="34" charset="0"/>
+            </a:endParaRPr>
+          </a:p>
+          <a:p>
+            <a:pPr marL="0" indent="0" algn="r" rtl="1">
+              <a:buNone/>
+            </a:pPr>
+            <a:r>
+              <a:rPr lang="he-IL" altLang="en-US" sz="1600" dirty="0">
+                <a:solidFill>
+                  <a:srgbClr val="202124"/>
+                </a:solidFill>
+                <a:latin typeface="+mj-lt"/>
+                <a:cs typeface="Arial" panose="020B0604020202020204" pitchFamily="34" charset="0"/>
+              </a:rPr>
+              <a:t>הסנאט מקדים את פרוטוקול קיוטו. ביוני 1997, חצי שנה לפני ועידת האקלים של האו"ם בקיוטו, יפן, אימץ הסנאט החלטה, וקבע כי על ארצות הברית לא להתקשר בשום הסכם אקלים בינלאומי שלא כולל התחייבויות פליטות דומות על ידי מדינות מתפתחות או ש "יגרום לפגיעה קשה בכלכלת ארצות הברית ... " ממשל קלינטון המשיך לנהל משא ומתן ו לחתום על פרוטוקול קיוטו, שקבע יעדי פליטה למדינות מפותחות בלבד. אך ההסכם מעולם לא הוגש לסנאט לייעוץ והסכמה, ובשנת 2001 הכריז הנשיא ג'ורג 'וו בוש כי ארצות הברית לא תצטרף אליו</a:t>
+            </a:r>
+            <a:r>
+              <a:rPr lang="en-US" altLang="en-US" sz="1600" dirty="0">
+                <a:solidFill>
+                  <a:srgbClr val="202124"/>
+                </a:solidFill>
+                <a:latin typeface="+mj-lt"/>
+                <a:cs typeface="Arial" panose="020B0604020202020204" pitchFamily="34" charset="0"/>
+              </a:rPr>
+              <a:t>.</a:t>
+            </a:r>
+            <a:br>
+              <a:rPr lang="en-US" altLang="en-US" sz="1600" dirty="0">
+                <a:solidFill>
+                  <a:srgbClr val="202124"/>
+                </a:solidFill>
+                <a:latin typeface="+mj-lt"/>
+                <a:cs typeface="Arial" panose="020B0604020202020204" pitchFamily="34" charset="0"/>
+              </a:rPr>
+            </a:br>
+            <a:r>
+              <a:rPr lang="he-IL" altLang="en-US" sz="1800" u="sng" dirty="0">
+                <a:latin typeface="+mj-lt"/>
+              </a:rPr>
+              <a:t>חוק מדיניות האנרגיה 2005:</a:t>
+            </a:r>
+            <a:endParaRPr lang="en-US" altLang="en-US" sz="1800" u="sng" dirty="0">
+              <a:latin typeface="+mj-lt"/>
             </a:endParaRPr>
           </a:p>
           <a:p>
@@ -7344,7 +7036,45 @@
               <a:buNone/>
               <a:tabLst/>
             </a:pPr>
-            <a:endParaRPr kumimoji="0" lang="en-US" altLang="en-US" sz="1200" b="0" i="0" u="none" strike="noStrike" cap="none" normalizeH="0" baseline="0" dirty="0">
+            <a:r>
+              <a:rPr kumimoji="0" lang="he-IL" altLang="en-US" sz="1600" b="0" i="0" u="none" strike="noStrike" cap="none" normalizeH="0" baseline="0" dirty="0">
+                <a:ln>
+                  <a:noFill/>
+                </a:ln>
+                <a:solidFill>
+                  <a:srgbClr val="202124"/>
+                </a:solidFill>
+                <a:effectLst/>
+                <a:latin typeface="+mj-lt"/>
+                <a:cs typeface="Arial" panose="020B0604020202020204" pitchFamily="34" charset="0"/>
+              </a:rPr>
+              <a:t>זיכוי מס </a:t>
+            </a:r>
+            <a:r>
+              <a:rPr lang="he-IL" altLang="en-US" sz="1600" dirty="0">
+                <a:solidFill>
+                  <a:srgbClr val="202124"/>
+                </a:solidFill>
+                <a:latin typeface="+mj-lt"/>
+                <a:cs typeface="Arial" panose="020B0604020202020204" pitchFamily="34" charset="0"/>
+              </a:rPr>
+              <a:t>ל</a:t>
+            </a:r>
+            <a:r>
+              <a:rPr kumimoji="0" lang="he-IL" altLang="en-US" sz="1600" b="0" i="0" u="none" strike="noStrike" cap="none" normalizeH="0" baseline="0" dirty="0">
+                <a:ln>
+                  <a:noFill/>
+                </a:ln>
+                <a:solidFill>
+                  <a:srgbClr val="202124"/>
+                </a:solidFill>
+                <a:effectLst/>
+                <a:latin typeface="+mj-lt"/>
+                <a:cs typeface="Arial" panose="020B0604020202020204" pitchFamily="34" charset="0"/>
+              </a:rPr>
+              <a:t>השקעה לאנרגיה סולארית נוסף בהמשך לקוד המס, רפובלקאים מעבירים הקלות מס נוספות למיסוי לאנרגיה סולארית</a:t>
+            </a:r>
+            <a:endParaRPr kumimoji="0" lang="en-US" altLang="en-US" sz="1100" b="0" i="0" u="none" strike="noStrike" cap="none" normalizeH="0" baseline="0" dirty="0">
               <a:ln>
                 <a:noFill/>
               </a:ln>
@@ -7352,7 +7082,7 @@
                 <a:srgbClr val="202124"/>
               </a:solidFill>
               <a:effectLst/>
-              <a:latin typeface="Arial" panose="020B0604020202020204" pitchFamily="34" charset="0"/>
+              <a:latin typeface="+mj-lt"/>
               <a:cs typeface="Arial" panose="020B0604020202020204" pitchFamily="34" charset="0"/>
             </a:endParaRPr>
           </a:p>
@@ -7374,7 +7104,7 @@
               <a:tabLst/>
             </a:pPr>
             <a:br>
-              <a:rPr kumimoji="0" lang="en-US" altLang="en-US" sz="600" b="0" i="0" u="none" strike="noStrike" cap="none" normalizeH="0" baseline="0" dirty="0">
+              <a:rPr kumimoji="0" lang="en-US" altLang="en-US" sz="500" b="0" i="0" u="none" strike="noStrike" cap="none" normalizeH="0" baseline="0" dirty="0">
                 <a:ln>
                   <a:noFill/>
                 </a:ln>
@@ -7382,21 +7112,18 @@
                   <a:schemeClr val="tx1"/>
                 </a:solidFill>
                 <a:effectLst/>
+                <a:latin typeface="+mj-lt"/>
               </a:rPr>
             </a:br>
-            <a:endParaRPr kumimoji="0" lang="en-US" altLang="en-US" sz="1400" b="0" i="0" u="none" strike="noStrike" cap="none" normalizeH="0" baseline="0" dirty="0">
-              <a:ln>
-                <a:noFill/>
-              </a:ln>
-              <a:solidFill>
-                <a:schemeClr val="tx1"/>
-              </a:solidFill>
-              <a:effectLst/>
-              <a:latin typeface="Arial" panose="020B0604020202020204" pitchFamily="34" charset="0"/>
-            </a:endParaRPr>
-          </a:p>
-          <a:p>
-            <a:pPr marL="0" marR="0" lvl="0" indent="0" algn="r" defTabSz="914400" rtl="0" eaLnBrk="0" fontAlgn="base" latinLnBrk="0" hangingPunct="0">
+            <a:r>
+              <a:rPr lang="he-IL" altLang="en-US" sz="1800" u="sng" dirty="0">
+                <a:latin typeface="+mj-lt"/>
+              </a:rPr>
+              <a:t>הסכם פריז:</a:t>
+            </a:r>
+          </a:p>
+          <a:p>
+            <a:pPr marL="0" indent="0" algn="r" eaLnBrk="0" fontAlgn="base" hangingPunct="0">
               <a:lnSpc>
                 <a:spcPct val="100000"/>
               </a:lnSpc>
@@ -7406,31 +7133,20 @@
               <a:spcAft>
                 <a:spcPct val="0"/>
               </a:spcAft>
-              <a:buClrTx/>
-              <a:buSzTx/>
-              <a:buFontTx/>
-              <a:buNone/>
-              <a:tabLst/>
-            </a:pPr>
-            <a:endParaRPr lang="en-US" altLang="en-US" sz="1600" dirty="0">
-              <a:solidFill>
-                <a:srgbClr val="202124"/>
-              </a:solidFill>
-              <a:latin typeface="Google Sans"/>
-              <a:cs typeface="Arial" panose="020B0604020202020204" pitchFamily="34" charset="0"/>
-            </a:endParaRPr>
-          </a:p>
-          <a:p>
-            <a:pPr marL="0" indent="0" algn="r" rtl="1">
-              <a:buNone/>
-            </a:pPr>
-            <a:endParaRPr lang="he-IL" altLang="en-US" sz="1600" dirty="0">
-              <a:solidFill>
-                <a:srgbClr val="202124"/>
-              </a:solidFill>
-              <a:latin typeface="Google Sans"/>
-              <a:cs typeface="Arial" panose="020B0604020202020204" pitchFamily="34" charset="0"/>
-            </a:endParaRPr>
+              <a:buNone/>
+            </a:pPr>
+            <a:r>
+              <a:rPr lang="en-US" altLang="en-US" sz="1600" dirty="0">
+                <a:latin typeface="+mj-lt"/>
+              </a:rPr>
+              <a:t>.</a:t>
+            </a:r>
+            <a:r>
+              <a:rPr lang="he-IL" altLang="en-US" sz="1600" dirty="0">
+                <a:latin typeface="+mj-lt"/>
+              </a:rPr>
+              <a:t>טראמפ עוזב את הסכם פריז</a:t>
+            </a:r>
           </a:p>
         </p:txBody>
       </p:sp>
@@ -7537,110 +7253,10 @@
           </a:p>
         </p:txBody>
       </p:sp>
-      <p:sp>
-        <p:nvSpPr>
-          <p:cNvPr id="5" name="Rectangle 1">
-            <a:extLst>
-              <a:ext uri="{FF2B5EF4-FFF2-40B4-BE49-F238E27FC236}">
-                <a16:creationId xmlns:a16="http://schemas.microsoft.com/office/drawing/2014/main" id="{89100880-5B20-4A5E-BACC-EC9C5D35D949}"/>
-              </a:ext>
-            </a:extLst>
-          </p:cNvPr>
-          <p:cNvSpPr>
-            <a:spLocks noChangeArrowheads="1"/>
-          </p:cNvSpPr>
-          <p:nvPr/>
-        </p:nvSpPr>
-        <p:spPr bwMode="auto">
-          <a:xfrm>
-            <a:off x="0" y="28545"/>
-            <a:ext cx="65" cy="400110"/>
-          </a:xfrm>
-          <a:prstGeom prst="rect">
-            <a:avLst/>
-          </a:prstGeom>
-          <a:solidFill>
-            <a:srgbClr val="F8F9FA"/>
-          </a:solidFill>
-          <a:ln>
-            <a:noFill/>
-          </a:ln>
-          <a:effectLst/>
-          <a:extLst>
-            <a:ext uri="{91240B29-F687-4F45-9708-019B960494DF}">
-              <a14:hiddenLine xmlns:a14="http://schemas.microsoft.com/office/drawing/2010/main" w="9525">
-                <a:solidFill>
-                  <a:schemeClr val="tx1"/>
-                </a:solidFill>
-                <a:miter lim="800000"/>
-                <a:headEnd/>
-                <a:tailEnd/>
-              </a14:hiddenLine>
-            </a:ext>
-            <a:ext uri="{AF507438-7753-43E0-B8FC-AC1667EBCBE1}">
-              <a14:hiddenEffects xmlns:a14="http://schemas.microsoft.com/office/drawing/2010/main">
-                <a:effectLst>
-                  <a:outerShdw dist="35921" dir="2700000" algn="ctr" rotWithShape="0">
-                    <a:schemeClr val="bg2"/>
-                  </a:outerShdw>
-                </a:effectLst>
-              </a14:hiddenEffects>
-            </a:ext>
-          </a:extLst>
-        </p:spPr>
-        <p:txBody>
-          <a:bodyPr vert="horz" wrap="none" lIns="0" tIns="0" rIns="0" bIns="0" numCol="1" anchor="ctr" anchorCtr="0" compatLnSpc="1">
-            <a:prstTxWarp prst="textNoShape">
-              <a:avLst/>
-            </a:prstTxWarp>
-            <a:spAutoFit/>
-          </a:bodyPr>
-          <a:lstStyle/>
-          <a:p>
-            <a:pPr marL="0" marR="0" lvl="0" indent="0" algn="l" defTabSz="914400" rtl="0" eaLnBrk="0" fontAlgn="base" latinLnBrk="0" hangingPunct="0">
-              <a:lnSpc>
-                <a:spcPct val="100000"/>
-              </a:lnSpc>
-              <a:spcBef>
-                <a:spcPct val="0"/>
-              </a:spcBef>
-              <a:spcAft>
-                <a:spcPct val="0"/>
-              </a:spcAft>
-              <a:buClrTx/>
-              <a:buSzTx/>
-              <a:buFontTx/>
-              <a:buNone/>
-              <a:tabLst/>
-            </a:pPr>
-            <a:br>
-              <a:rPr kumimoji="0" lang="en-US" altLang="en-US" sz="800" b="0" i="0" u="none" strike="noStrike" cap="none" normalizeH="0" baseline="0" dirty="0">
-                <a:ln>
-                  <a:noFill/>
-                </a:ln>
-                <a:solidFill>
-                  <a:schemeClr val="tx1"/>
-                </a:solidFill>
-                <a:effectLst/>
-              </a:rPr>
-            </a:br>
-            <a:endParaRPr kumimoji="0" lang="en-US" altLang="en-US" sz="1800" b="0" i="0" u="none" strike="noStrike" cap="none" normalizeH="0" baseline="0" dirty="0">
-              <a:ln>
-                <a:noFill/>
-              </a:ln>
-              <a:solidFill>
-                <a:schemeClr val="tx1"/>
-              </a:solidFill>
-              <a:effectLst/>
-              <a:latin typeface="Arial" panose="020B0604020202020204" pitchFamily="34" charset="0"/>
-            </a:endParaRPr>
-          </a:p>
-        </p:txBody>
-      </p:sp>
     </p:spTree>
     <p:extLst>
       <p:ext uri="{BB962C8B-B14F-4D97-AF65-F5344CB8AC3E}">
-        <p14:creationId xmlns:p14="http://schemas.microsoft.com/office/powerpoint/2010/main" val="1479113161"/>
+        <p14:creationId xmlns:p14="http://schemas.microsoft.com/office/powerpoint/2010/main" val="2305067493"/>
       </p:ext>
     </p:extLst>
   </p:cSld>
@@ -7685,15 +7301,17 @@
         </p:nvSpPr>
         <p:spPr/>
         <p:txBody>
-          <a:bodyPr/>
+          <a:bodyPr>
+            <a:normAutofit/>
+          </a:bodyPr>
           <a:lstStyle/>
           <a:p>
             <a:pPr algn="r" rtl="1"/>
             <a:r>
-              <a:rPr lang="he-IL" dirty="0"/>
+              <a:rPr lang="he-IL" sz="5800" dirty="0"/>
               <a:t>המפלגה הרפובליקנית</a:t>
             </a:r>
-            <a:endParaRPr lang="en-US" dirty="0"/>
+            <a:endParaRPr lang="en-US" sz="5800" dirty="0"/>
           </a:p>
         </p:txBody>
       </p:sp>
@@ -7725,152 +7343,53 @@
             </a:pPr>
             <a:r>
               <a:rPr lang="he-IL" sz="2400" b="1" u="sng" dirty="0"/>
-              <a:t>מסקנות:</a:t>
-            </a:r>
-          </a:p>
-          <a:p>
-            <a:pPr marL="0" indent="0" algn="r" rtl="1">
-              <a:buNone/>
-            </a:pPr>
-            <a:r>
-              <a:rPr lang="he-IL" sz="1600" dirty="0">
-                <a:solidFill>
-                  <a:srgbClr val="202124"/>
-                </a:solidFill>
+              <a:t>העבר (חוקים ותקנות):</a:t>
+            </a:r>
+          </a:p>
+          <a:p>
+            <a:pPr marL="0" marR="0" lvl="0" indent="0" algn="r" defTabSz="914400" rtl="0" eaLnBrk="0" fontAlgn="base" latinLnBrk="0" hangingPunct="0">
+              <a:lnSpc>
+                <a:spcPct val="100000"/>
+              </a:lnSpc>
+              <a:spcBef>
+                <a:spcPct val="0"/>
+              </a:spcBef>
+              <a:spcAft>
+                <a:spcPct val="0"/>
+              </a:spcAft>
+              <a:buClrTx/>
+              <a:buSzTx/>
+              <a:buFontTx/>
+              <a:buNone/>
+              <a:tabLst/>
+            </a:pPr>
+            <a:r>
+              <a:rPr kumimoji="0" lang="en-US" altLang="en-US" sz="1800" b="0" i="0" u="none" strike="noStrike" cap="none" normalizeH="0" baseline="0" dirty="0">
+                <a:ln>
+                  <a:noFill/>
+                </a:ln>
+                <a:solidFill>
+                  <a:srgbClr val="202124"/>
+                </a:solidFill>
+                <a:effectLst/>
                 <a:latin typeface="Google Sans"/>
                 <a:cs typeface="Arial" panose="020B0604020202020204" pitchFamily="34" charset="0"/>
               </a:rPr>
-              <a:t>כמו שניתן לראות המפלגה הרפובליקנית נותנת העדפה לכלכלה, אך כן מוכנים להשקיע באנרגיות ירוקות ע"י אך ורק הקלות מס, וגם אותן מעוניינים להעלים את הקלות המס בשביל תחרות הוגנת בסקטור האנרגיה.</a:t>
-            </a:r>
-          </a:p>
-          <a:p>
-            <a:pPr marL="0" indent="0" algn="r" rtl="1">
-              <a:buNone/>
-            </a:pPr>
-            <a:r>
-              <a:rPr lang="he-IL" sz="1600" dirty="0">
-                <a:solidFill>
-                  <a:srgbClr val="202124"/>
-                </a:solidFill>
-                <a:latin typeface="Google Sans"/>
-                <a:cs typeface="Arial" panose="020B0604020202020204" pitchFamily="34" charset="0"/>
-              </a:rPr>
-              <a:t>מהסתכלות על העבר ובעתיד אפשר להגיד שלרפובליקאים לא אכפת מהתחממות גלובלית, אך דבר זה הוא לא חוסר אכפתיות אלא חוסר אמונה במדע ובקונצנוס המדעי (בעיקר במודלים ובתחזיות הקיימות).</a:t>
-            </a:r>
-            <a:br>
-              <a:rPr lang="en-US" sz="1600" dirty="0">
-                <a:solidFill>
-                  <a:srgbClr val="202124"/>
-                </a:solidFill>
-                <a:latin typeface="Google Sans"/>
-                <a:cs typeface="Arial" panose="020B0604020202020204" pitchFamily="34" charset="0"/>
-              </a:rPr>
-            </a:br>
-            <a:r>
-              <a:rPr lang="he-IL" sz="1600" dirty="0">
-                <a:solidFill>
-                  <a:srgbClr val="202124"/>
-                </a:solidFill>
-                <a:latin typeface="Google Sans"/>
-                <a:cs typeface="Arial" panose="020B0604020202020204" pitchFamily="34" charset="0"/>
-              </a:rPr>
-              <a:t>כדי להבין בצורה יותר טובה את תפיסתם, הוספנו קליפ קצר של מייקל נולס</a:t>
-            </a:r>
-            <a:r>
-              <a:rPr lang="en-US" sz="1600" dirty="0">
-                <a:solidFill>
-                  <a:srgbClr val="202124"/>
-                </a:solidFill>
-                <a:latin typeface="Google Sans"/>
-                <a:cs typeface="Arial" panose="020B0604020202020204" pitchFamily="34" charset="0"/>
-              </a:rPr>
+              <a:t>:</a:t>
+            </a:r>
+            <a:r>
+              <a:rPr lang="he-IL" altLang="en-US" sz="1800" u="sng" dirty="0"/>
+              <a:t>2015</a:t>
+            </a:r>
+            <a:r>
+              <a:rPr lang="en-US" altLang="en-US" sz="1800" u="sng" dirty="0"/>
               <a:t> </a:t>
             </a:r>
             <a:r>
-              <a:rPr lang="he-IL" sz="1600" dirty="0">
-                <a:solidFill>
-                  <a:srgbClr val="202124"/>
-                </a:solidFill>
-                <a:latin typeface="Google Sans"/>
-                <a:cs typeface="Arial" panose="020B0604020202020204" pitchFamily="34" charset="0"/>
-              </a:rPr>
-              <a:t> מתוך </a:t>
-            </a:r>
-            <a:r>
-              <a:rPr lang="en-US" sz="1600" dirty="0">
-                <a:solidFill>
-                  <a:srgbClr val="202124"/>
-                </a:solidFill>
-                <a:latin typeface="Google Sans"/>
-                <a:cs typeface="Arial" panose="020B0604020202020204" pitchFamily="34" charset="0"/>
-              </a:rPr>
-              <a:t>A</a:t>
-            </a:r>
-            <a:r>
-              <a:rPr lang="he-IL" sz="1600" dirty="0">
-                <a:solidFill>
-                  <a:srgbClr val="202124"/>
-                </a:solidFill>
-                <a:latin typeface="Google Sans"/>
-                <a:cs typeface="Arial" panose="020B0604020202020204" pitchFamily="34" charset="0"/>
-              </a:rPr>
-              <a:t>&amp;</a:t>
-            </a:r>
-            <a:r>
-              <a:rPr lang="en-US" sz="1600" dirty="0">
-                <a:solidFill>
-                  <a:srgbClr val="202124"/>
-                </a:solidFill>
-                <a:latin typeface="Google Sans"/>
-                <a:cs typeface="Arial" panose="020B0604020202020204" pitchFamily="34" charset="0"/>
-              </a:rPr>
-              <a:t>Q</a:t>
-            </a:r>
-            <a:r>
-              <a:rPr lang="he-IL" sz="1600" dirty="0">
-                <a:solidFill>
-                  <a:srgbClr val="202124"/>
-                </a:solidFill>
-                <a:latin typeface="Google Sans"/>
-                <a:cs typeface="Arial" panose="020B0604020202020204" pitchFamily="34" charset="0"/>
-              </a:rPr>
-              <a:t>.</a:t>
-            </a:r>
-            <a:br>
-              <a:rPr lang="en-US" sz="1600" dirty="0">
-                <a:solidFill>
-                  <a:srgbClr val="202124"/>
-                </a:solidFill>
-                <a:latin typeface="Google Sans"/>
-                <a:cs typeface="Arial" panose="020B0604020202020204" pitchFamily="34" charset="0"/>
-              </a:rPr>
-            </a:br>
-            <a:r>
-              <a:rPr lang="he-IL" sz="1600" dirty="0">
-                <a:solidFill>
-                  <a:srgbClr val="202124"/>
-                </a:solidFill>
-                <a:latin typeface="Google Sans"/>
-                <a:cs typeface="Arial" panose="020B0604020202020204" pitchFamily="34" charset="0"/>
-              </a:rPr>
-              <a:t>מייקל נולס פרשן פוליטי רפובלקאי בעל הספר רב מכר:</a:t>
-            </a:r>
-          </a:p>
-          <a:p>
-            <a:pPr marL="0" indent="0" algn="r" rtl="1">
-              <a:buNone/>
-            </a:pPr>
-            <a:r>
-              <a:rPr lang="en-US" sz="1600" dirty="0">
-                <a:solidFill>
-                  <a:srgbClr val="202124"/>
-                </a:solidFill>
-                <a:latin typeface="Google Sans"/>
-                <a:cs typeface="Arial" panose="020B0604020202020204" pitchFamily="34" charset="0"/>
-              </a:rPr>
-              <a:t>Reasons to Vote for Democrats: A Comprehensive Guide</a:t>
-            </a:r>
-            <a:endParaRPr lang="he-IL" sz="1600" dirty="0">
+              <a:rPr lang="he-IL" altLang="en-US" sz="1800" u="sng" dirty="0"/>
+              <a:t>הארכת / הדרגת זיכוי מס באנרגיה מתחדשת</a:t>
+            </a:r>
+            <a:endParaRPr lang="he-IL" altLang="en-US" sz="1600" dirty="0">
               <a:solidFill>
                 <a:srgbClr val="202124"/>
               </a:solidFill>
@@ -7879,82 +7398,62 @@
             </a:endParaRPr>
           </a:p>
           <a:p>
-            <a:pPr marL="0" indent="0" algn="r" rtl="1">
-              <a:buNone/>
-            </a:pPr>
-            <a:r>
-              <a:rPr lang="he-IL" sz="1600" dirty="0">
+            <a:pPr marL="0" marR="0" lvl="0" indent="0" algn="r" defTabSz="914400" rtl="0" eaLnBrk="0" fontAlgn="base" latinLnBrk="0" hangingPunct="0">
+              <a:lnSpc>
+                <a:spcPct val="100000"/>
+              </a:lnSpc>
+              <a:spcBef>
+                <a:spcPct val="0"/>
+              </a:spcBef>
+              <a:spcAft>
+                <a:spcPct val="0"/>
+              </a:spcAft>
+              <a:buClrTx/>
+              <a:buSzTx/>
+              <a:buFontTx/>
+              <a:buNone/>
+              <a:tabLst/>
+            </a:pPr>
+            <a:r>
+              <a:rPr lang="he-IL" altLang="en-US" sz="1600" dirty="0">
                 <a:solidFill>
                   <a:srgbClr val="202124"/>
                 </a:solidFill>
                 <a:latin typeface="Google Sans"/>
                 <a:cs typeface="Arial" panose="020B0604020202020204" pitchFamily="34" charset="0"/>
               </a:rPr>
-              <a:t>שקיבל אפילו תשבוחות מהנשיא טראמפ</a:t>
-            </a:r>
-            <a:r>
-              <a:rPr lang="en-US" sz="1600" dirty="0">
+              <a:t>לאחר יותר מ -20 שנה של הארכות קבועות של זיכויי מס בגין אנרגיית רוח ואנרגיה סולארית, הסכים הקונגרס בסוף 2015 להארכה רב שנתית </a:t>
+            </a:r>
+            <a:r>
+              <a:rPr lang="he-IL" altLang="en-US" sz="1600" b="1" dirty="0">
                 <a:solidFill>
                   <a:srgbClr val="202124"/>
                 </a:solidFill>
                 <a:latin typeface="Google Sans"/>
                 <a:cs typeface="Arial" panose="020B0604020202020204" pitchFamily="34" charset="0"/>
               </a:rPr>
-              <a:t> </a:t>
-            </a:r>
-            <a:r>
-              <a:rPr lang="he-IL" sz="1600" dirty="0">
+              <a:t>ולביטול האולטימטיבי של התמריצים באופן הדרגתי לאורך זמן. </a:t>
+            </a:r>
+            <a:r>
+              <a:rPr lang="he-IL" altLang="en-US" sz="1600" dirty="0">
                 <a:solidFill>
                   <a:srgbClr val="202124"/>
                 </a:solidFill>
                 <a:latin typeface="Google Sans"/>
                 <a:cs typeface="Arial" panose="020B0604020202020204" pitchFamily="34" charset="0"/>
               </a:rPr>
-              <a:t> שאמר "</a:t>
-            </a:r>
-            <a:r>
-              <a:rPr lang="en-US" sz="1600" dirty="0">
+              <a:t>זיכויי המס היו קריטיים בהפיכת עלויות אנרגיה מתחדשת לתחרותיות וממשיכים לסייע בהפחתת פליטת הפחמן ממגזר החשמל בהעדר תקנות פדרליות</a:t>
+            </a:r>
+            <a:r>
+              <a:rPr lang="he-IL" altLang="en-US" sz="1800" dirty="0">
                 <a:solidFill>
                   <a:srgbClr val="202124"/>
                 </a:solidFill>
                 <a:latin typeface="Google Sans"/>
                 <a:cs typeface="Arial" panose="020B0604020202020204" pitchFamily="34" charset="0"/>
               </a:rPr>
-              <a:t>a great book for your reading enjoyment</a:t>
-            </a:r>
-            <a:r>
-              <a:rPr lang="he-IL" sz="1600" dirty="0">
-                <a:solidFill>
-                  <a:srgbClr val="202124"/>
-                </a:solidFill>
-                <a:latin typeface="Google Sans"/>
-                <a:cs typeface="Arial" panose="020B0604020202020204" pitchFamily="34" charset="0"/>
-              </a:rPr>
-              <a:t>"</a:t>
-            </a:r>
-            <a:endParaRPr lang="en-US" sz="1600" dirty="0">
-              <a:solidFill>
-                <a:srgbClr val="202124"/>
-              </a:solidFill>
-              <a:latin typeface="Google Sans"/>
-              <a:cs typeface="Arial" panose="020B0604020202020204" pitchFamily="34" charset="0"/>
-            </a:endParaRPr>
-          </a:p>
-          <a:p>
-            <a:pPr marL="0" indent="0" algn="r" rtl="1">
-              <a:buNone/>
-            </a:pPr>
-            <a:r>
-              <a:rPr lang="he-IL" sz="1600" dirty="0">
-                <a:solidFill>
-                  <a:srgbClr val="202124"/>
-                </a:solidFill>
-                <a:latin typeface="Google Sans"/>
-                <a:cs typeface="Arial" panose="020B0604020202020204" pitchFamily="34" charset="0"/>
-              </a:rPr>
-              <a:t>הוא מעביר הרצאות באונבירסיטאות ברחבי במדינה.</a:t>
-            </a:r>
-            <a:endParaRPr lang="he-IL" sz="2000" dirty="0"/>
+              <a:t>.</a:t>
+            </a:r>
           </a:p>
         </p:txBody>
       </p:sp>
@@ -8061,6 +7560,993 @@
           </a:p>
         </p:txBody>
       </p:sp>
+      <p:sp>
+        <p:nvSpPr>
+          <p:cNvPr id="5" name="Rectangle 1">
+            <a:extLst>
+              <a:ext uri="{FF2B5EF4-FFF2-40B4-BE49-F238E27FC236}">
+                <a16:creationId xmlns:a16="http://schemas.microsoft.com/office/drawing/2014/main" id="{89100880-5B20-4A5E-BACC-EC9C5D35D949}"/>
+              </a:ext>
+            </a:extLst>
+          </p:cNvPr>
+          <p:cNvSpPr>
+            <a:spLocks noChangeArrowheads="1"/>
+          </p:cNvSpPr>
+          <p:nvPr/>
+        </p:nvSpPr>
+        <p:spPr bwMode="auto">
+          <a:xfrm>
+            <a:off x="0" y="28545"/>
+            <a:ext cx="65" cy="400110"/>
+          </a:xfrm>
+          <a:prstGeom prst="rect">
+            <a:avLst/>
+          </a:prstGeom>
+          <a:solidFill>
+            <a:srgbClr val="F8F9FA"/>
+          </a:solidFill>
+          <a:ln>
+            <a:noFill/>
+          </a:ln>
+          <a:effectLst/>
+          <a:extLst>
+            <a:ext uri="{91240B29-F687-4F45-9708-019B960494DF}">
+              <a14:hiddenLine xmlns:a14="http://schemas.microsoft.com/office/drawing/2010/main" w="9525">
+                <a:solidFill>
+                  <a:schemeClr val="tx1"/>
+                </a:solidFill>
+                <a:miter lim="800000"/>
+                <a:headEnd/>
+                <a:tailEnd/>
+              </a14:hiddenLine>
+            </a:ext>
+            <a:ext uri="{AF507438-7753-43E0-B8FC-AC1667EBCBE1}">
+              <a14:hiddenEffects xmlns:a14="http://schemas.microsoft.com/office/drawing/2010/main">
+                <a:effectLst>
+                  <a:outerShdw dist="35921" dir="2700000" algn="ctr" rotWithShape="0">
+                    <a:schemeClr val="bg2"/>
+                  </a:outerShdw>
+                </a:effectLst>
+              </a14:hiddenEffects>
+            </a:ext>
+          </a:extLst>
+        </p:spPr>
+        <p:txBody>
+          <a:bodyPr vert="horz" wrap="none" lIns="0" tIns="0" rIns="0" bIns="0" numCol="1" anchor="ctr" anchorCtr="0" compatLnSpc="1">
+            <a:prstTxWarp prst="textNoShape">
+              <a:avLst/>
+            </a:prstTxWarp>
+            <a:spAutoFit/>
+          </a:bodyPr>
+          <a:lstStyle/>
+          <a:p>
+            <a:pPr marL="0" marR="0" lvl="0" indent="0" algn="l" defTabSz="914400" rtl="0" eaLnBrk="0" fontAlgn="base" latinLnBrk="0" hangingPunct="0">
+              <a:lnSpc>
+                <a:spcPct val="100000"/>
+              </a:lnSpc>
+              <a:spcBef>
+                <a:spcPct val="0"/>
+              </a:spcBef>
+              <a:spcAft>
+                <a:spcPct val="0"/>
+              </a:spcAft>
+              <a:buClrTx/>
+              <a:buSzTx/>
+              <a:buFontTx/>
+              <a:buNone/>
+              <a:tabLst/>
+            </a:pPr>
+            <a:br>
+              <a:rPr kumimoji="0" lang="en-US" altLang="en-US" sz="800" b="0" i="0" u="none" strike="noStrike" cap="none" normalizeH="0" baseline="0" dirty="0">
+                <a:ln>
+                  <a:noFill/>
+                </a:ln>
+                <a:solidFill>
+                  <a:schemeClr val="tx1"/>
+                </a:solidFill>
+                <a:effectLst/>
+              </a:rPr>
+            </a:br>
+            <a:endParaRPr kumimoji="0" lang="en-US" altLang="en-US" sz="1800" b="0" i="0" u="none" strike="noStrike" cap="none" normalizeH="0" baseline="0" dirty="0">
+              <a:ln>
+                <a:noFill/>
+              </a:ln>
+              <a:solidFill>
+                <a:schemeClr val="tx1"/>
+              </a:solidFill>
+              <a:effectLst/>
+              <a:latin typeface="Arial" panose="020B0604020202020204" pitchFamily="34" charset="0"/>
+            </a:endParaRPr>
+          </a:p>
+        </p:txBody>
+      </p:sp>
+    </p:spTree>
+    <p:extLst>
+      <p:ext uri="{BB962C8B-B14F-4D97-AF65-F5344CB8AC3E}">
+        <p14:creationId xmlns:p14="http://schemas.microsoft.com/office/powerpoint/2010/main" val="1207067442"/>
+      </p:ext>
+    </p:extLst>
+  </p:cSld>
+  <p:clrMapOvr>
+    <a:masterClrMapping/>
+  </p:clrMapOvr>
+</p:sld>
+</file>
+
+<file path=ppt/slides/slide15.xml><?xml version="1.0" encoding="utf-8"?>
+<p:sld xmlns:a="http://schemas.openxmlformats.org/drawingml/2006/main" xmlns:r="http://schemas.openxmlformats.org/officeDocument/2006/relationships" xmlns:p="http://schemas.openxmlformats.org/presentationml/2006/main">
+  <p:cSld>
+    <p:spTree>
+      <p:nvGrpSpPr>
+        <p:cNvPr id="1" name=""/>
+        <p:cNvGrpSpPr/>
+        <p:nvPr/>
+      </p:nvGrpSpPr>
+      <p:grpSpPr>
+        <a:xfrm>
+          <a:off x="0" y="0"/>
+          <a:ext cx="0" cy="0"/>
+          <a:chOff x="0" y="0"/>
+          <a:chExt cx="0" cy="0"/>
+        </a:xfrm>
+      </p:grpSpPr>
+      <p:sp>
+        <p:nvSpPr>
+          <p:cNvPr id="2" name="Title 1">
+            <a:extLst>
+              <a:ext uri="{FF2B5EF4-FFF2-40B4-BE49-F238E27FC236}">
+                <a16:creationId xmlns:a16="http://schemas.microsoft.com/office/drawing/2014/main" id="{3298C57C-5E3B-46D3-9EB2-F3ABC46A0425}"/>
+              </a:ext>
+            </a:extLst>
+          </p:cNvPr>
+          <p:cNvSpPr>
+            <a:spLocks noGrp="1"/>
+          </p:cNvSpPr>
+          <p:nvPr>
+            <p:ph type="title"/>
+          </p:nvPr>
+        </p:nvSpPr>
+        <p:spPr/>
+        <p:txBody>
+          <a:bodyPr>
+            <a:normAutofit/>
+          </a:bodyPr>
+          <a:lstStyle/>
+          <a:p>
+            <a:pPr algn="r" rtl="1"/>
+            <a:r>
+              <a:rPr lang="he-IL" sz="5800" dirty="0"/>
+              <a:t>המפלגה הרפובליקנית</a:t>
+            </a:r>
+            <a:endParaRPr lang="en-US" sz="5800" dirty="0"/>
+          </a:p>
+        </p:txBody>
+      </p:sp>
+      <p:sp>
+        <p:nvSpPr>
+          <p:cNvPr id="3" name="Content Placeholder 2">
+            <a:extLst>
+              <a:ext uri="{FF2B5EF4-FFF2-40B4-BE49-F238E27FC236}">
+                <a16:creationId xmlns:a16="http://schemas.microsoft.com/office/drawing/2014/main" id="{1749C8C7-1011-424E-BE9B-C120853917A5}"/>
+              </a:ext>
+            </a:extLst>
+          </p:cNvPr>
+          <p:cNvSpPr>
+            <a:spLocks noGrp="1"/>
+          </p:cNvSpPr>
+          <p:nvPr>
+            <p:ph idx="1"/>
+          </p:nvPr>
+        </p:nvSpPr>
+        <p:spPr/>
+        <p:txBody>
+          <a:bodyPr>
+            <a:normAutofit/>
+          </a:bodyPr>
+          <a:lstStyle/>
+          <a:p>
+            <a:pPr marL="0" indent="0" algn="r" rtl="1">
+              <a:buNone/>
+            </a:pPr>
+            <a:r>
+              <a:rPr lang="he-IL" sz="2400" b="1" u="sng" dirty="0"/>
+              <a:t>העתיד:</a:t>
+            </a:r>
+          </a:p>
+          <a:p>
+            <a:pPr marL="0" indent="0" algn="r" rtl="1">
+              <a:buNone/>
+            </a:pPr>
+            <a:r>
+              <a:rPr lang="he-IL" altLang="en-US" sz="1600" dirty="0">
+                <a:solidFill>
+                  <a:srgbClr val="202124"/>
+                </a:solidFill>
+                <a:latin typeface="+mj-lt"/>
+                <a:cs typeface="Arial" panose="020B0604020202020204" pitchFamily="34" charset="0"/>
+              </a:rPr>
+              <a:t>אין באמת פוליסות הנוגעות להתחחמות גלובלית, </a:t>
+            </a:r>
+            <a:r>
+              <a:rPr kumimoji="0" lang="he-IL" altLang="en-US" sz="1600" b="0" i="0" u="none" strike="noStrike" cap="none" normalizeH="0" baseline="0" dirty="0">
+                <a:ln>
+                  <a:noFill/>
+                </a:ln>
+                <a:solidFill>
+                  <a:srgbClr val="202124"/>
+                </a:solidFill>
+                <a:effectLst/>
+                <a:latin typeface="+mj-lt"/>
+                <a:cs typeface="Arial" panose="020B0604020202020204" pitchFamily="34" charset="0"/>
+              </a:rPr>
+              <a:t>הנשיא (טראמפ) הכחיש את ההסכמה המדעית בנוגע לשינויי אקלים.</a:t>
+            </a:r>
+            <a:r>
+              <a:rPr kumimoji="0" lang="en-US" altLang="en-US" sz="1600" b="0" i="0" u="none" strike="noStrike" cap="none" normalizeH="0" baseline="0" dirty="0">
+                <a:ln>
+                  <a:noFill/>
+                </a:ln>
+                <a:solidFill>
+                  <a:schemeClr val="tx1"/>
+                </a:solidFill>
+                <a:effectLst/>
+                <a:latin typeface="+mj-lt"/>
+              </a:rPr>
+              <a:t> </a:t>
+            </a:r>
+          </a:p>
+          <a:p>
+            <a:pPr marL="0" indent="0" algn="r" rtl="1">
+              <a:buNone/>
+            </a:pPr>
+            <a:endParaRPr kumimoji="0" lang="he-IL" altLang="en-US" sz="2000" i="0" strike="noStrike" cap="none" normalizeH="0" baseline="0" dirty="0">
+              <a:ln>
+                <a:noFill/>
+              </a:ln>
+              <a:solidFill>
+                <a:srgbClr val="202124"/>
+              </a:solidFill>
+              <a:effectLst/>
+              <a:latin typeface="Google Sans"/>
+              <a:cs typeface="Arial" panose="020B0604020202020204" pitchFamily="34" charset="0"/>
+            </a:endParaRPr>
+          </a:p>
+          <a:p>
+            <a:pPr marL="0" marR="0" lvl="0" indent="0" algn="r" defTabSz="914400" rtl="0" eaLnBrk="0" fontAlgn="base" latinLnBrk="0" hangingPunct="0">
+              <a:lnSpc>
+                <a:spcPct val="100000"/>
+              </a:lnSpc>
+              <a:spcBef>
+                <a:spcPct val="0"/>
+              </a:spcBef>
+              <a:spcAft>
+                <a:spcPct val="0"/>
+              </a:spcAft>
+              <a:buClrTx/>
+              <a:buSzTx/>
+              <a:buFontTx/>
+              <a:buNone/>
+              <a:tabLst/>
+            </a:pPr>
+            <a:endParaRPr kumimoji="0" lang="en-US" altLang="en-US" sz="1200" b="0" i="0" u="none" strike="noStrike" cap="none" normalizeH="0" baseline="0" dirty="0">
+              <a:ln>
+                <a:noFill/>
+              </a:ln>
+              <a:solidFill>
+                <a:srgbClr val="202124"/>
+              </a:solidFill>
+              <a:effectLst/>
+              <a:latin typeface="Arial" panose="020B0604020202020204" pitchFamily="34" charset="0"/>
+              <a:cs typeface="Arial" panose="020B0604020202020204" pitchFamily="34" charset="0"/>
+            </a:endParaRPr>
+          </a:p>
+          <a:p>
+            <a:pPr marL="0" marR="0" lvl="0" indent="0" algn="r" defTabSz="914400" rtl="0" eaLnBrk="0" fontAlgn="base" latinLnBrk="0" hangingPunct="0">
+              <a:lnSpc>
+                <a:spcPct val="100000"/>
+              </a:lnSpc>
+              <a:spcBef>
+                <a:spcPct val="0"/>
+              </a:spcBef>
+              <a:spcAft>
+                <a:spcPct val="0"/>
+              </a:spcAft>
+              <a:buClrTx/>
+              <a:buSzTx/>
+              <a:buFontTx/>
+              <a:buNone/>
+              <a:tabLst/>
+            </a:pPr>
+            <a:br>
+              <a:rPr kumimoji="0" lang="en-US" altLang="en-US" sz="600" b="0" i="0" u="none" strike="noStrike" cap="none" normalizeH="0" baseline="0" dirty="0">
+                <a:ln>
+                  <a:noFill/>
+                </a:ln>
+                <a:solidFill>
+                  <a:schemeClr val="tx1"/>
+                </a:solidFill>
+                <a:effectLst/>
+              </a:rPr>
+            </a:br>
+            <a:endParaRPr kumimoji="0" lang="en-US" altLang="en-US" sz="1400" b="0" i="0" u="none" strike="noStrike" cap="none" normalizeH="0" baseline="0" dirty="0">
+              <a:ln>
+                <a:noFill/>
+              </a:ln>
+              <a:solidFill>
+                <a:schemeClr val="tx1"/>
+              </a:solidFill>
+              <a:effectLst/>
+              <a:latin typeface="Arial" panose="020B0604020202020204" pitchFamily="34" charset="0"/>
+            </a:endParaRPr>
+          </a:p>
+          <a:p>
+            <a:pPr marL="0" marR="0" lvl="0" indent="0" algn="r" defTabSz="914400" rtl="0" eaLnBrk="0" fontAlgn="base" latinLnBrk="0" hangingPunct="0">
+              <a:lnSpc>
+                <a:spcPct val="100000"/>
+              </a:lnSpc>
+              <a:spcBef>
+                <a:spcPct val="0"/>
+              </a:spcBef>
+              <a:spcAft>
+                <a:spcPct val="0"/>
+              </a:spcAft>
+              <a:buClrTx/>
+              <a:buSzTx/>
+              <a:buFontTx/>
+              <a:buNone/>
+              <a:tabLst/>
+            </a:pPr>
+            <a:endParaRPr lang="en-US" altLang="en-US" sz="1600" dirty="0">
+              <a:solidFill>
+                <a:srgbClr val="202124"/>
+              </a:solidFill>
+              <a:latin typeface="Google Sans"/>
+              <a:cs typeface="Arial" panose="020B0604020202020204" pitchFamily="34" charset="0"/>
+            </a:endParaRPr>
+          </a:p>
+          <a:p>
+            <a:pPr marL="0" indent="0" algn="r" rtl="1">
+              <a:buNone/>
+            </a:pPr>
+            <a:endParaRPr lang="he-IL" altLang="en-US" sz="1600" dirty="0">
+              <a:solidFill>
+                <a:srgbClr val="202124"/>
+              </a:solidFill>
+              <a:latin typeface="Google Sans"/>
+              <a:cs typeface="Arial" panose="020B0604020202020204" pitchFamily="34" charset="0"/>
+            </a:endParaRPr>
+          </a:p>
+        </p:txBody>
+      </p:sp>
+      <p:sp>
+        <p:nvSpPr>
+          <p:cNvPr id="4" name="Rectangle 1">
+            <a:extLst>
+              <a:ext uri="{FF2B5EF4-FFF2-40B4-BE49-F238E27FC236}">
+                <a16:creationId xmlns:a16="http://schemas.microsoft.com/office/drawing/2014/main" id="{C553AC9B-A943-4D69-A89D-2F5C2D5E3B34}"/>
+              </a:ext>
+            </a:extLst>
+          </p:cNvPr>
+          <p:cNvSpPr>
+            <a:spLocks noChangeArrowheads="1"/>
+          </p:cNvSpPr>
+          <p:nvPr/>
+        </p:nvSpPr>
+        <p:spPr bwMode="auto">
+          <a:xfrm>
+            <a:off x="10345340" y="79837"/>
+            <a:ext cx="1846660" cy="297525"/>
+          </a:xfrm>
+          <a:prstGeom prst="rect">
+            <a:avLst/>
+          </a:prstGeom>
+          <a:solidFill>
+            <a:srgbClr val="F8F9FA"/>
+          </a:solidFill>
+          <a:ln>
+            <a:noFill/>
+          </a:ln>
+          <a:effectLst/>
+          <a:extLst>
+            <a:ext uri="{91240B29-F687-4F45-9708-019B960494DF}">
+              <a14:hiddenLine xmlns:a14="http://schemas.microsoft.com/office/drawing/2010/main" w="9525">
+                <a:solidFill>
+                  <a:schemeClr val="tx1"/>
+                </a:solidFill>
+                <a:miter lim="800000"/>
+                <a:headEnd/>
+                <a:tailEnd/>
+              </a14:hiddenLine>
+            </a:ext>
+            <a:ext uri="{AF507438-7753-43E0-B8FC-AC1667EBCBE1}">
+              <a14:hiddenEffects xmlns:a14="http://schemas.microsoft.com/office/drawing/2010/main">
+                <a:effectLst>
+                  <a:outerShdw dist="35921" dir="2700000" algn="ctr" rotWithShape="0">
+                    <a:schemeClr val="bg2"/>
+                  </a:outerShdw>
+                </a:effectLst>
+              </a14:hiddenEffects>
+            </a:ext>
+          </a:extLst>
+        </p:spPr>
+        <p:txBody>
+          <a:bodyPr vert="horz" wrap="none" lIns="0" tIns="-12696" rIns="0" bIns="-12696" numCol="1" anchor="ctr" anchorCtr="0" compatLnSpc="1">
+            <a:prstTxWarp prst="textNoShape">
+              <a:avLst/>
+            </a:prstTxWarp>
+            <a:spAutoFit/>
+          </a:bodyPr>
+          <a:lstStyle/>
+          <a:p>
+            <a:pPr marL="0" marR="0" lvl="0" indent="0" algn="r" defTabSz="914400" rtl="0" eaLnBrk="0" fontAlgn="base" latinLnBrk="0" hangingPunct="0">
+              <a:lnSpc>
+                <a:spcPct val="100000"/>
+              </a:lnSpc>
+              <a:spcBef>
+                <a:spcPct val="0"/>
+              </a:spcBef>
+              <a:spcAft>
+                <a:spcPct val="0"/>
+              </a:spcAft>
+              <a:buClrTx/>
+              <a:buSzTx/>
+              <a:buFontTx/>
+              <a:buNone/>
+              <a:tabLst/>
+            </a:pPr>
+            <a:r>
+              <a:rPr kumimoji="0" lang="he-IL" altLang="en-US" sz="2100" b="0" i="0" u="none" strike="noStrike" cap="none" normalizeH="0" baseline="0" dirty="0">
+                <a:ln>
+                  <a:noFill/>
+                </a:ln>
+                <a:solidFill>
+                  <a:srgbClr val="202124"/>
+                </a:solidFill>
+                <a:effectLst/>
+                <a:latin typeface="Google Sans"/>
+                <a:cs typeface="Arial" panose="020B0604020202020204" pitchFamily="34" charset="0"/>
+              </a:rPr>
+              <a:t>			</a:t>
+            </a:r>
+            <a:endParaRPr kumimoji="0" lang="en-US" altLang="en-US" sz="1800" b="0" i="0" u="none" strike="noStrike" cap="none" normalizeH="0" baseline="0" dirty="0">
+              <a:ln>
+                <a:noFill/>
+              </a:ln>
+              <a:solidFill>
+                <a:schemeClr val="tx1"/>
+              </a:solidFill>
+              <a:effectLst/>
+              <a:latin typeface="Arial" panose="020B0604020202020204" pitchFamily="34" charset="0"/>
+            </a:endParaRPr>
+          </a:p>
+        </p:txBody>
+      </p:sp>
+      <p:sp>
+        <p:nvSpPr>
+          <p:cNvPr id="5" name="Rectangle 1">
+            <a:extLst>
+              <a:ext uri="{FF2B5EF4-FFF2-40B4-BE49-F238E27FC236}">
+                <a16:creationId xmlns:a16="http://schemas.microsoft.com/office/drawing/2014/main" id="{89100880-5B20-4A5E-BACC-EC9C5D35D949}"/>
+              </a:ext>
+            </a:extLst>
+          </p:cNvPr>
+          <p:cNvSpPr>
+            <a:spLocks noChangeArrowheads="1"/>
+          </p:cNvSpPr>
+          <p:nvPr/>
+        </p:nvSpPr>
+        <p:spPr bwMode="auto">
+          <a:xfrm>
+            <a:off x="0" y="28545"/>
+            <a:ext cx="65" cy="400110"/>
+          </a:xfrm>
+          <a:prstGeom prst="rect">
+            <a:avLst/>
+          </a:prstGeom>
+          <a:solidFill>
+            <a:srgbClr val="F8F9FA"/>
+          </a:solidFill>
+          <a:ln>
+            <a:noFill/>
+          </a:ln>
+          <a:effectLst/>
+          <a:extLst>
+            <a:ext uri="{91240B29-F687-4F45-9708-019B960494DF}">
+              <a14:hiddenLine xmlns:a14="http://schemas.microsoft.com/office/drawing/2010/main" w="9525">
+                <a:solidFill>
+                  <a:schemeClr val="tx1"/>
+                </a:solidFill>
+                <a:miter lim="800000"/>
+                <a:headEnd/>
+                <a:tailEnd/>
+              </a14:hiddenLine>
+            </a:ext>
+            <a:ext uri="{AF507438-7753-43E0-B8FC-AC1667EBCBE1}">
+              <a14:hiddenEffects xmlns:a14="http://schemas.microsoft.com/office/drawing/2010/main">
+                <a:effectLst>
+                  <a:outerShdw dist="35921" dir="2700000" algn="ctr" rotWithShape="0">
+                    <a:schemeClr val="bg2"/>
+                  </a:outerShdw>
+                </a:effectLst>
+              </a14:hiddenEffects>
+            </a:ext>
+          </a:extLst>
+        </p:spPr>
+        <p:txBody>
+          <a:bodyPr vert="horz" wrap="none" lIns="0" tIns="0" rIns="0" bIns="0" numCol="1" anchor="ctr" anchorCtr="0" compatLnSpc="1">
+            <a:prstTxWarp prst="textNoShape">
+              <a:avLst/>
+            </a:prstTxWarp>
+            <a:spAutoFit/>
+          </a:bodyPr>
+          <a:lstStyle/>
+          <a:p>
+            <a:pPr marL="0" marR="0" lvl="0" indent="0" algn="l" defTabSz="914400" rtl="0" eaLnBrk="0" fontAlgn="base" latinLnBrk="0" hangingPunct="0">
+              <a:lnSpc>
+                <a:spcPct val="100000"/>
+              </a:lnSpc>
+              <a:spcBef>
+                <a:spcPct val="0"/>
+              </a:spcBef>
+              <a:spcAft>
+                <a:spcPct val="0"/>
+              </a:spcAft>
+              <a:buClrTx/>
+              <a:buSzTx/>
+              <a:buFontTx/>
+              <a:buNone/>
+              <a:tabLst/>
+            </a:pPr>
+            <a:br>
+              <a:rPr kumimoji="0" lang="en-US" altLang="en-US" sz="800" b="0" i="0" u="none" strike="noStrike" cap="none" normalizeH="0" baseline="0" dirty="0">
+                <a:ln>
+                  <a:noFill/>
+                </a:ln>
+                <a:solidFill>
+                  <a:schemeClr val="tx1"/>
+                </a:solidFill>
+                <a:effectLst/>
+              </a:rPr>
+            </a:br>
+            <a:endParaRPr kumimoji="0" lang="en-US" altLang="en-US" sz="1800" b="0" i="0" u="none" strike="noStrike" cap="none" normalizeH="0" baseline="0" dirty="0">
+              <a:ln>
+                <a:noFill/>
+              </a:ln>
+              <a:solidFill>
+                <a:schemeClr val="tx1"/>
+              </a:solidFill>
+              <a:effectLst/>
+              <a:latin typeface="Arial" panose="020B0604020202020204" pitchFamily="34" charset="0"/>
+            </a:endParaRPr>
+          </a:p>
+        </p:txBody>
+      </p:sp>
+    </p:spTree>
+    <p:extLst>
+      <p:ext uri="{BB962C8B-B14F-4D97-AF65-F5344CB8AC3E}">
+        <p14:creationId xmlns:p14="http://schemas.microsoft.com/office/powerpoint/2010/main" val="1479113161"/>
+      </p:ext>
+    </p:extLst>
+  </p:cSld>
+  <p:clrMapOvr>
+    <a:masterClrMapping/>
+  </p:clrMapOvr>
+</p:sld>
+</file>
+
+<file path=ppt/slides/slide16.xml><?xml version="1.0" encoding="utf-8"?>
+<p:sld xmlns:a="http://schemas.openxmlformats.org/drawingml/2006/main" xmlns:r="http://schemas.openxmlformats.org/officeDocument/2006/relationships" xmlns:p="http://schemas.openxmlformats.org/presentationml/2006/main">
+  <p:cSld>
+    <p:spTree>
+      <p:nvGrpSpPr>
+        <p:cNvPr id="1" name=""/>
+        <p:cNvGrpSpPr/>
+        <p:nvPr/>
+      </p:nvGrpSpPr>
+      <p:grpSpPr>
+        <a:xfrm>
+          <a:off x="0" y="0"/>
+          <a:ext cx="0" cy="0"/>
+          <a:chOff x="0" y="0"/>
+          <a:chExt cx="0" cy="0"/>
+        </a:xfrm>
+      </p:grpSpPr>
+      <p:sp>
+        <p:nvSpPr>
+          <p:cNvPr id="2" name="Title 1">
+            <a:extLst>
+              <a:ext uri="{FF2B5EF4-FFF2-40B4-BE49-F238E27FC236}">
+                <a16:creationId xmlns:a16="http://schemas.microsoft.com/office/drawing/2014/main" id="{3298C57C-5E3B-46D3-9EB2-F3ABC46A0425}"/>
+              </a:ext>
+            </a:extLst>
+          </p:cNvPr>
+          <p:cNvSpPr>
+            <a:spLocks noGrp="1"/>
+          </p:cNvSpPr>
+          <p:nvPr>
+            <p:ph type="title"/>
+          </p:nvPr>
+        </p:nvSpPr>
+        <p:spPr/>
+        <p:txBody>
+          <a:bodyPr>
+            <a:normAutofit/>
+          </a:bodyPr>
+          <a:lstStyle/>
+          <a:p>
+            <a:pPr algn="r" rtl="1"/>
+            <a:r>
+              <a:rPr lang="he-IL" sz="5800" dirty="0"/>
+              <a:t>המפלגה הרפובליקנית</a:t>
+            </a:r>
+            <a:endParaRPr lang="en-US" sz="5800" dirty="0"/>
+          </a:p>
+        </p:txBody>
+      </p:sp>
+      <p:sp>
+        <p:nvSpPr>
+          <p:cNvPr id="3" name="Content Placeholder 2">
+            <a:extLst>
+              <a:ext uri="{FF2B5EF4-FFF2-40B4-BE49-F238E27FC236}">
+                <a16:creationId xmlns:a16="http://schemas.microsoft.com/office/drawing/2014/main" id="{1749C8C7-1011-424E-BE9B-C120853917A5}"/>
+              </a:ext>
+            </a:extLst>
+          </p:cNvPr>
+          <p:cNvSpPr>
+            <a:spLocks noGrp="1"/>
+          </p:cNvSpPr>
+          <p:nvPr>
+            <p:ph idx="1"/>
+          </p:nvPr>
+        </p:nvSpPr>
+        <p:spPr/>
+        <p:txBody>
+          <a:bodyPr>
+            <a:normAutofit/>
+          </a:bodyPr>
+          <a:lstStyle/>
+          <a:p>
+            <a:pPr marL="0" indent="0" algn="r" rtl="1">
+              <a:buNone/>
+            </a:pPr>
+            <a:r>
+              <a:rPr lang="he-IL" sz="2400" b="1" u="sng" dirty="0"/>
+              <a:t>מסקנות:</a:t>
+            </a:r>
+          </a:p>
+          <a:p>
+            <a:pPr marL="0" indent="0" algn="r" rtl="1">
+              <a:buNone/>
+            </a:pPr>
+            <a:r>
+              <a:rPr lang="he-IL" sz="1600" dirty="0">
+                <a:solidFill>
+                  <a:srgbClr val="202124"/>
+                </a:solidFill>
+                <a:latin typeface="Google Sans"/>
+                <a:cs typeface="Arial" panose="020B0604020202020204" pitchFamily="34" charset="0"/>
+              </a:rPr>
+              <a:t>כמו שניתן לראות המפלגה הרפובליקנית נותנת העדפה לכלכלה, אך כן מוכנים להשקיע באנרגיות ירוקות ע"י אך ורק הקלות מס, וגם אותן מעוניינים להעלים את הקלות המס בשביל תחרות הוגנת בסקטור האנרגיה.</a:t>
+            </a:r>
+          </a:p>
+          <a:p>
+            <a:pPr marL="0" indent="0" algn="r" rtl="1">
+              <a:buNone/>
+            </a:pPr>
+            <a:r>
+              <a:rPr lang="he-IL" sz="1600" dirty="0">
+                <a:solidFill>
+                  <a:srgbClr val="202124"/>
+                </a:solidFill>
+                <a:latin typeface="Google Sans"/>
+                <a:cs typeface="Arial" panose="020B0604020202020204" pitchFamily="34" charset="0"/>
+              </a:rPr>
+              <a:t>מהסתכלות על העבר ובעתיד אפשר להגיד שלרפובליקאים לא אכפת מהתחממות גלובלית, אך דבר זה הוא לא חוסר אכפתיות אלא חוסר אמונה במדע ובקונצנוס המדעי (בעיקר במודלים ובתחזיות הקיימות).</a:t>
+            </a:r>
+            <a:br>
+              <a:rPr lang="en-US" sz="1600" dirty="0">
+                <a:solidFill>
+                  <a:srgbClr val="202124"/>
+                </a:solidFill>
+                <a:latin typeface="Google Sans"/>
+                <a:cs typeface="Arial" panose="020B0604020202020204" pitchFamily="34" charset="0"/>
+              </a:rPr>
+            </a:br>
+            <a:r>
+              <a:rPr lang="he-IL" sz="1600" dirty="0">
+                <a:solidFill>
+                  <a:srgbClr val="202124"/>
+                </a:solidFill>
+                <a:latin typeface="Google Sans"/>
+                <a:cs typeface="Arial" panose="020B0604020202020204" pitchFamily="34" charset="0"/>
+              </a:rPr>
+              <a:t>כדי להבין בצורה יותר טובה את תפיסתם, הוספנו קליפ קצר של מייקל נולס</a:t>
+            </a:r>
+            <a:r>
+              <a:rPr lang="en-US" sz="1600" dirty="0">
+                <a:solidFill>
+                  <a:srgbClr val="202124"/>
+                </a:solidFill>
+                <a:latin typeface="Google Sans"/>
+                <a:cs typeface="Arial" panose="020B0604020202020204" pitchFamily="34" charset="0"/>
+              </a:rPr>
+              <a:t> </a:t>
+            </a:r>
+            <a:r>
+              <a:rPr lang="he-IL" sz="1600" dirty="0">
+                <a:solidFill>
+                  <a:srgbClr val="202124"/>
+                </a:solidFill>
+                <a:latin typeface="Google Sans"/>
+                <a:cs typeface="Arial" panose="020B0604020202020204" pitchFamily="34" charset="0"/>
+              </a:rPr>
+              <a:t> מתוך </a:t>
+            </a:r>
+            <a:r>
+              <a:rPr lang="en-US" sz="1600" dirty="0">
+                <a:solidFill>
+                  <a:srgbClr val="202124"/>
+                </a:solidFill>
+                <a:latin typeface="Google Sans"/>
+                <a:cs typeface="Arial" panose="020B0604020202020204" pitchFamily="34" charset="0"/>
+              </a:rPr>
+              <a:t>A</a:t>
+            </a:r>
+            <a:r>
+              <a:rPr lang="he-IL" sz="1600" dirty="0">
+                <a:solidFill>
+                  <a:srgbClr val="202124"/>
+                </a:solidFill>
+                <a:latin typeface="Google Sans"/>
+                <a:cs typeface="Arial" panose="020B0604020202020204" pitchFamily="34" charset="0"/>
+              </a:rPr>
+              <a:t>&amp;</a:t>
+            </a:r>
+            <a:r>
+              <a:rPr lang="en-US" sz="1600" dirty="0">
+                <a:solidFill>
+                  <a:srgbClr val="202124"/>
+                </a:solidFill>
+                <a:latin typeface="Google Sans"/>
+                <a:cs typeface="Arial" panose="020B0604020202020204" pitchFamily="34" charset="0"/>
+              </a:rPr>
+              <a:t>Q</a:t>
+            </a:r>
+            <a:r>
+              <a:rPr lang="he-IL" sz="1600" dirty="0">
+                <a:solidFill>
+                  <a:srgbClr val="202124"/>
+                </a:solidFill>
+                <a:latin typeface="Google Sans"/>
+                <a:cs typeface="Arial" panose="020B0604020202020204" pitchFamily="34" charset="0"/>
+              </a:rPr>
+              <a:t>.</a:t>
+            </a:r>
+            <a:br>
+              <a:rPr lang="en-US" sz="1600" dirty="0">
+                <a:solidFill>
+                  <a:srgbClr val="202124"/>
+                </a:solidFill>
+                <a:latin typeface="Google Sans"/>
+                <a:cs typeface="Arial" panose="020B0604020202020204" pitchFamily="34" charset="0"/>
+              </a:rPr>
+            </a:br>
+            <a:r>
+              <a:rPr lang="he-IL" sz="1600" dirty="0">
+                <a:solidFill>
+                  <a:srgbClr val="202124"/>
+                </a:solidFill>
+                <a:latin typeface="Google Sans"/>
+                <a:cs typeface="Arial" panose="020B0604020202020204" pitchFamily="34" charset="0"/>
+              </a:rPr>
+              <a:t>מייקל נולס פרשן פוליטי רפובלקאי בעל הספר רב מכר:</a:t>
+            </a:r>
+          </a:p>
+          <a:p>
+            <a:pPr marL="0" indent="0" algn="r" rtl="1">
+              <a:buNone/>
+            </a:pPr>
+            <a:r>
+              <a:rPr lang="en-US" sz="1600" dirty="0">
+                <a:solidFill>
+                  <a:srgbClr val="202124"/>
+                </a:solidFill>
+                <a:latin typeface="Google Sans"/>
+                <a:cs typeface="Arial" panose="020B0604020202020204" pitchFamily="34" charset="0"/>
+              </a:rPr>
+              <a:t>Reasons to Vote for Democrats: A Comprehensive Guide</a:t>
+            </a:r>
+            <a:endParaRPr lang="he-IL" sz="1600" dirty="0">
+              <a:solidFill>
+                <a:srgbClr val="202124"/>
+              </a:solidFill>
+              <a:latin typeface="Google Sans"/>
+              <a:cs typeface="Arial" panose="020B0604020202020204" pitchFamily="34" charset="0"/>
+            </a:endParaRPr>
+          </a:p>
+          <a:p>
+            <a:pPr marL="0" indent="0" algn="r" rtl="1">
+              <a:buNone/>
+            </a:pPr>
+            <a:r>
+              <a:rPr lang="he-IL" sz="1600" dirty="0">
+                <a:solidFill>
+                  <a:srgbClr val="202124"/>
+                </a:solidFill>
+                <a:latin typeface="Google Sans"/>
+                <a:cs typeface="Arial" panose="020B0604020202020204" pitchFamily="34" charset="0"/>
+              </a:rPr>
+              <a:t>שקיבל אפילו תשבוחות מהנשיא טראמפ</a:t>
+            </a:r>
+            <a:r>
+              <a:rPr lang="en-US" sz="1600" dirty="0">
+                <a:solidFill>
+                  <a:srgbClr val="202124"/>
+                </a:solidFill>
+                <a:latin typeface="Google Sans"/>
+                <a:cs typeface="Arial" panose="020B0604020202020204" pitchFamily="34" charset="0"/>
+              </a:rPr>
+              <a:t> </a:t>
+            </a:r>
+            <a:r>
+              <a:rPr lang="he-IL" sz="1600" dirty="0">
+                <a:solidFill>
+                  <a:srgbClr val="202124"/>
+                </a:solidFill>
+                <a:latin typeface="Google Sans"/>
+                <a:cs typeface="Arial" panose="020B0604020202020204" pitchFamily="34" charset="0"/>
+              </a:rPr>
+              <a:t> שאמר "</a:t>
+            </a:r>
+            <a:r>
+              <a:rPr lang="en-US" sz="1600" dirty="0">
+                <a:solidFill>
+                  <a:srgbClr val="202124"/>
+                </a:solidFill>
+                <a:latin typeface="Google Sans"/>
+                <a:cs typeface="Arial" panose="020B0604020202020204" pitchFamily="34" charset="0"/>
+              </a:rPr>
+              <a:t>a great book for your reading enjoyment</a:t>
+            </a:r>
+            <a:r>
+              <a:rPr lang="he-IL" sz="1600" dirty="0">
+                <a:solidFill>
+                  <a:srgbClr val="202124"/>
+                </a:solidFill>
+                <a:latin typeface="Google Sans"/>
+                <a:cs typeface="Arial" panose="020B0604020202020204" pitchFamily="34" charset="0"/>
+              </a:rPr>
+              <a:t>"</a:t>
+            </a:r>
+            <a:endParaRPr lang="en-US" sz="1600" dirty="0">
+              <a:solidFill>
+                <a:srgbClr val="202124"/>
+              </a:solidFill>
+              <a:latin typeface="Google Sans"/>
+              <a:cs typeface="Arial" panose="020B0604020202020204" pitchFamily="34" charset="0"/>
+            </a:endParaRPr>
+          </a:p>
+          <a:p>
+            <a:pPr marL="0" indent="0" algn="r" rtl="1">
+              <a:buNone/>
+            </a:pPr>
+            <a:r>
+              <a:rPr lang="he-IL" sz="1600" dirty="0">
+                <a:solidFill>
+                  <a:srgbClr val="202124"/>
+                </a:solidFill>
+                <a:latin typeface="Google Sans"/>
+                <a:cs typeface="Arial" panose="020B0604020202020204" pitchFamily="34" charset="0"/>
+              </a:rPr>
+              <a:t>הוא מעביר הרצאות באונבירסיטאות ברחבי במדינה.</a:t>
+            </a:r>
+            <a:endParaRPr lang="he-IL" sz="2000" dirty="0"/>
+          </a:p>
+        </p:txBody>
+      </p:sp>
+      <p:sp>
+        <p:nvSpPr>
+          <p:cNvPr id="4" name="Rectangle 1">
+            <a:extLst>
+              <a:ext uri="{FF2B5EF4-FFF2-40B4-BE49-F238E27FC236}">
+                <a16:creationId xmlns:a16="http://schemas.microsoft.com/office/drawing/2014/main" id="{C553AC9B-A943-4D69-A89D-2F5C2D5E3B34}"/>
+              </a:ext>
+            </a:extLst>
+          </p:cNvPr>
+          <p:cNvSpPr>
+            <a:spLocks noChangeArrowheads="1"/>
+          </p:cNvSpPr>
+          <p:nvPr/>
+        </p:nvSpPr>
+        <p:spPr bwMode="auto">
+          <a:xfrm>
+            <a:off x="10345340" y="79837"/>
+            <a:ext cx="1846660" cy="297525"/>
+          </a:xfrm>
+          <a:prstGeom prst="rect">
+            <a:avLst/>
+          </a:prstGeom>
+          <a:solidFill>
+            <a:srgbClr val="F8F9FA"/>
+          </a:solidFill>
+          <a:ln>
+            <a:noFill/>
+          </a:ln>
+          <a:effectLst/>
+          <a:extLst>
+            <a:ext uri="{91240B29-F687-4F45-9708-019B960494DF}">
+              <a14:hiddenLine xmlns:a14="http://schemas.microsoft.com/office/drawing/2010/main" w="9525">
+                <a:solidFill>
+                  <a:schemeClr val="tx1"/>
+                </a:solidFill>
+                <a:miter lim="800000"/>
+                <a:headEnd/>
+                <a:tailEnd/>
+              </a14:hiddenLine>
+            </a:ext>
+            <a:ext uri="{AF507438-7753-43E0-B8FC-AC1667EBCBE1}">
+              <a14:hiddenEffects xmlns:a14="http://schemas.microsoft.com/office/drawing/2010/main">
+                <a:effectLst>
+                  <a:outerShdw dist="35921" dir="2700000" algn="ctr" rotWithShape="0">
+                    <a:schemeClr val="bg2"/>
+                  </a:outerShdw>
+                </a:effectLst>
+              </a14:hiddenEffects>
+            </a:ext>
+          </a:extLst>
+        </p:spPr>
+        <p:txBody>
+          <a:bodyPr vert="horz" wrap="none" lIns="0" tIns="-12696" rIns="0" bIns="-12696" numCol="1" anchor="ctr" anchorCtr="0" compatLnSpc="1">
+            <a:prstTxWarp prst="textNoShape">
+              <a:avLst/>
+            </a:prstTxWarp>
+            <a:spAutoFit/>
+          </a:bodyPr>
+          <a:lstStyle/>
+          <a:p>
+            <a:pPr marL="0" marR="0" lvl="0" indent="0" algn="r" defTabSz="914400" rtl="0" eaLnBrk="0" fontAlgn="base" latinLnBrk="0" hangingPunct="0">
+              <a:lnSpc>
+                <a:spcPct val="100000"/>
+              </a:lnSpc>
+              <a:spcBef>
+                <a:spcPct val="0"/>
+              </a:spcBef>
+              <a:spcAft>
+                <a:spcPct val="0"/>
+              </a:spcAft>
+              <a:buClrTx/>
+              <a:buSzTx/>
+              <a:buFontTx/>
+              <a:buNone/>
+              <a:tabLst/>
+            </a:pPr>
+            <a:r>
+              <a:rPr kumimoji="0" lang="he-IL" altLang="en-US" sz="2100" b="0" i="0" u="none" strike="noStrike" cap="none" normalizeH="0" baseline="0" dirty="0">
+                <a:ln>
+                  <a:noFill/>
+                </a:ln>
+                <a:solidFill>
+                  <a:srgbClr val="202124"/>
+                </a:solidFill>
+                <a:effectLst/>
+                <a:latin typeface="Google Sans"/>
+                <a:cs typeface="Arial" panose="020B0604020202020204" pitchFamily="34" charset="0"/>
+              </a:rPr>
+              <a:t>			</a:t>
+            </a:r>
+            <a:endParaRPr kumimoji="0" lang="en-US" altLang="en-US" sz="1800" b="0" i="0" u="none" strike="noStrike" cap="none" normalizeH="0" baseline="0" dirty="0">
+              <a:ln>
+                <a:noFill/>
+              </a:ln>
+              <a:solidFill>
+                <a:schemeClr val="tx1"/>
+              </a:solidFill>
+              <a:effectLst/>
+              <a:latin typeface="Arial" panose="020B0604020202020204" pitchFamily="34" charset="0"/>
+            </a:endParaRPr>
+          </a:p>
+        </p:txBody>
+      </p:sp>
     </p:spTree>
     <p:extLst>
       <p:ext uri="{BB962C8B-B14F-4D97-AF65-F5344CB8AC3E}">
@@ -8074,7 +8560,7 @@
 </p:sld>
 </file>
 
-<file path=ppt/slides/slide15.xml><?xml version="1.0" encoding="utf-8"?>
+<file path=ppt/slides/slide17.xml><?xml version="1.0" encoding="utf-8"?>
 <p:sld xmlns:a="http://schemas.openxmlformats.org/drawingml/2006/main" xmlns:r="http://schemas.openxmlformats.org/officeDocument/2006/relationships" xmlns:p="http://schemas.openxmlformats.org/presentationml/2006/main">
   <p:cSld>
     <p:spTree>
@@ -8277,7 +8763,7 @@
 </p:sld>
 </file>
 
-<file path=ppt/slides/slide16.xml><?xml version="1.0" encoding="utf-8"?>
+<file path=ppt/slides/slide18.xml><?xml version="1.0" encoding="utf-8"?>
 <p:sld xmlns:a="http://schemas.openxmlformats.org/drawingml/2006/main" xmlns:r="http://schemas.openxmlformats.org/officeDocument/2006/relationships" xmlns:p="http://schemas.openxmlformats.org/presentationml/2006/main">
   <p:cSld>
     <p:spTree>
@@ -8312,15 +8798,17 @@
         </p:nvSpPr>
         <p:spPr/>
         <p:txBody>
-          <a:bodyPr/>
+          <a:bodyPr>
+            <a:normAutofit/>
+          </a:bodyPr>
           <a:lstStyle/>
           <a:p>
             <a:pPr algn="r" rtl="1"/>
             <a:r>
-              <a:rPr lang="he-IL" dirty="0"/>
+              <a:rPr lang="he-IL" sz="5800" dirty="0"/>
               <a:t>המפלגה הרפובליקנית</a:t>
             </a:r>
-            <a:endParaRPr lang="en-US" dirty="0"/>
+            <a:endParaRPr lang="en-US" sz="5800" dirty="0"/>
           </a:p>
         </p:txBody>
       </p:sp>
@@ -8480,464 +8968,6 @@
     <p:extLst>
       <p:ext uri="{BB962C8B-B14F-4D97-AF65-F5344CB8AC3E}">
         <p14:creationId xmlns:p14="http://schemas.microsoft.com/office/powerpoint/2010/main" val="3502080938"/>
-      </p:ext>
-    </p:extLst>
-  </p:cSld>
-  <p:clrMapOvr>
-    <a:masterClrMapping/>
-  </p:clrMapOvr>
-</p:sld>
-</file>
-
-<file path=ppt/slides/slide17.xml><?xml version="1.0" encoding="utf-8"?>
-<p:sld xmlns:a="http://schemas.openxmlformats.org/drawingml/2006/main" xmlns:r="http://schemas.openxmlformats.org/officeDocument/2006/relationships" xmlns:p="http://schemas.openxmlformats.org/presentationml/2006/main">
-  <p:cSld>
-    <p:spTree>
-      <p:nvGrpSpPr>
-        <p:cNvPr id="1" name=""/>
-        <p:cNvGrpSpPr/>
-        <p:nvPr/>
-      </p:nvGrpSpPr>
-      <p:grpSpPr>
-        <a:xfrm>
-          <a:off x="0" y="0"/>
-          <a:ext cx="0" cy="0"/>
-          <a:chOff x="0" y="0"/>
-          <a:chExt cx="0" cy="0"/>
-        </a:xfrm>
-      </p:grpSpPr>
-      <p:sp>
-        <p:nvSpPr>
-          <p:cNvPr id="2" name="Title 1">
-            <a:extLst>
-              <a:ext uri="{FF2B5EF4-FFF2-40B4-BE49-F238E27FC236}">
-                <a16:creationId xmlns:a16="http://schemas.microsoft.com/office/drawing/2014/main" id="{48EBC5DB-AC6D-4064-9760-1B18BA79418D}"/>
-              </a:ext>
-            </a:extLst>
-          </p:cNvPr>
-          <p:cNvSpPr>
-            <a:spLocks noGrp="1"/>
-          </p:cNvSpPr>
-          <p:nvPr>
-            <p:ph type="title"/>
-          </p:nvPr>
-        </p:nvSpPr>
-        <p:spPr/>
-        <p:txBody>
-          <a:bodyPr/>
-          <a:lstStyle/>
-          <a:p>
-            <a:pPr algn="r"/>
-            <a:r>
-              <a:rPr lang="he-IL" dirty="0"/>
-              <a:t>אירופה</a:t>
-            </a:r>
-            <a:endParaRPr lang="en-US" dirty="0"/>
-          </a:p>
-        </p:txBody>
-      </p:sp>
-      <p:sp>
-        <p:nvSpPr>
-          <p:cNvPr id="3" name="Content Placeholder 2">
-            <a:extLst>
-              <a:ext uri="{FF2B5EF4-FFF2-40B4-BE49-F238E27FC236}">
-                <a16:creationId xmlns:a16="http://schemas.microsoft.com/office/drawing/2014/main" id="{3430DD5E-4AD0-422B-9873-42C45881E879}"/>
-              </a:ext>
-            </a:extLst>
-          </p:cNvPr>
-          <p:cNvSpPr>
-            <a:spLocks noGrp="1"/>
-          </p:cNvSpPr>
-          <p:nvPr>
-            <p:ph idx="1"/>
-          </p:nvPr>
-        </p:nvSpPr>
-        <p:spPr/>
-        <p:txBody>
-          <a:bodyPr/>
-          <a:lstStyle/>
-          <a:p>
-            <a:pPr marL="0" indent="0" algn="r">
-              <a:buNone/>
-            </a:pPr>
-            <a:r>
-              <a:rPr lang="he-IL" dirty="0"/>
-              <a:t>זמננו קצר ולכן נסתכל על האיחוד האירופאי כמכלול למדינות אירופה.</a:t>
-            </a:r>
-            <a:endParaRPr lang="en-US" dirty="0"/>
-          </a:p>
-        </p:txBody>
-      </p:sp>
-    </p:spTree>
-    <p:extLst>
-      <p:ext uri="{BB962C8B-B14F-4D97-AF65-F5344CB8AC3E}">
-        <p14:creationId xmlns:p14="http://schemas.microsoft.com/office/powerpoint/2010/main" val="411190032"/>
-      </p:ext>
-    </p:extLst>
-  </p:cSld>
-  <p:clrMapOvr>
-    <a:masterClrMapping/>
-  </p:clrMapOvr>
-</p:sld>
-</file>
-
-<file path=ppt/slides/slide18.xml><?xml version="1.0" encoding="utf-8"?>
-<p:sld xmlns:a="http://schemas.openxmlformats.org/drawingml/2006/main" xmlns:r="http://schemas.openxmlformats.org/officeDocument/2006/relationships" xmlns:p="http://schemas.openxmlformats.org/presentationml/2006/main">
-  <p:cSld>
-    <p:spTree>
-      <p:nvGrpSpPr>
-        <p:cNvPr id="1" name=""/>
-        <p:cNvGrpSpPr/>
-        <p:nvPr/>
-      </p:nvGrpSpPr>
-      <p:grpSpPr>
-        <a:xfrm>
-          <a:off x="0" y="0"/>
-          <a:ext cx="0" cy="0"/>
-          <a:chOff x="0" y="0"/>
-          <a:chExt cx="0" cy="0"/>
-        </a:xfrm>
-      </p:grpSpPr>
-      <p:sp>
-        <p:nvSpPr>
-          <p:cNvPr id="2" name="Title 1">
-            <a:extLst>
-              <a:ext uri="{FF2B5EF4-FFF2-40B4-BE49-F238E27FC236}">
-                <a16:creationId xmlns:a16="http://schemas.microsoft.com/office/drawing/2014/main" id="{723F4E72-D791-4CA8-88A5-D9EE4B39CA08}"/>
-              </a:ext>
-            </a:extLst>
-          </p:cNvPr>
-          <p:cNvSpPr>
-            <a:spLocks noGrp="1"/>
-          </p:cNvSpPr>
-          <p:nvPr>
-            <p:ph type="title"/>
-          </p:nvPr>
-        </p:nvSpPr>
-        <p:spPr/>
-        <p:txBody>
-          <a:bodyPr/>
-          <a:lstStyle/>
-          <a:p>
-            <a:pPr algn="r"/>
-            <a:r>
-              <a:rPr lang="he-IL" dirty="0"/>
-              <a:t>האיחוד האירופאי</a:t>
-            </a:r>
-            <a:endParaRPr lang="en-US" dirty="0"/>
-          </a:p>
-        </p:txBody>
-      </p:sp>
-      <p:sp>
-        <p:nvSpPr>
-          <p:cNvPr id="3" name="Content Placeholder 2">
-            <a:extLst>
-              <a:ext uri="{FF2B5EF4-FFF2-40B4-BE49-F238E27FC236}">
-                <a16:creationId xmlns:a16="http://schemas.microsoft.com/office/drawing/2014/main" id="{CEBAD573-D1AC-4591-A0D6-E1FBCACBF529}"/>
-              </a:ext>
-            </a:extLst>
-          </p:cNvPr>
-          <p:cNvSpPr>
-            <a:spLocks noGrp="1"/>
-          </p:cNvSpPr>
-          <p:nvPr>
-            <p:ph idx="1"/>
-          </p:nvPr>
-        </p:nvSpPr>
-        <p:spPr>
-          <a:xfrm>
-            <a:off x="785091" y="1825625"/>
-            <a:ext cx="10515600" cy="4351338"/>
-          </a:xfrm>
-        </p:spPr>
-        <p:txBody>
-          <a:bodyPr>
-            <a:normAutofit/>
-          </a:bodyPr>
-          <a:lstStyle/>
-          <a:p>
-            <a:pPr marL="0" indent="0" algn="r" rtl="1">
-              <a:buNone/>
-            </a:pPr>
-            <a:r>
-              <a:rPr lang="he-IL" sz="2400" b="1" u="sng" dirty="0"/>
-              <a:t>העבר (חוקים ותקנות) המשך:</a:t>
-            </a:r>
-          </a:p>
-          <a:p>
-            <a:pPr marL="0" indent="0" algn="r" rtl="1">
-              <a:buNone/>
-            </a:pPr>
-            <a:r>
-              <a:rPr lang="he-IL" altLang="en-US" sz="1800" u="sng" dirty="0"/>
-              <a:t>דו"ח </a:t>
-            </a:r>
-            <a:r>
-              <a:rPr lang="en-US" altLang="en-US" sz="1800" u="sng" dirty="0"/>
-              <a:t>IPCC</a:t>
-            </a:r>
-            <a:r>
-              <a:rPr lang="he-IL" altLang="en-US" sz="1800" u="sng" dirty="0"/>
-              <a:t> 1990:</a:t>
-            </a:r>
-            <a:endParaRPr lang="he-IL" altLang="en-US" sz="1800" dirty="0"/>
-          </a:p>
-          <a:p>
-            <a:pPr marL="0" indent="0" algn="r" rtl="1">
-              <a:buNone/>
-            </a:pPr>
-            <a:r>
-              <a:rPr lang="he-IL" altLang="en-US" sz="1600" dirty="0">
-                <a:solidFill>
-                  <a:srgbClr val="202124"/>
-                </a:solidFill>
-                <a:latin typeface="Google Sans"/>
-                <a:cs typeface="Arial" panose="020B0604020202020204" pitchFamily="34" charset="0"/>
-              </a:rPr>
-              <a:t>מדיניות האקלים של האיחוד האירופי שהופעלה על ידי דו"ח ה</a:t>
-            </a:r>
-            <a:r>
-              <a:rPr lang="en-US" altLang="en-US" sz="1600" dirty="0">
-                <a:solidFill>
-                  <a:srgbClr val="202124"/>
-                </a:solidFill>
-                <a:latin typeface="Google Sans"/>
-                <a:cs typeface="Arial" panose="020B0604020202020204" pitchFamily="34" charset="0"/>
-              </a:rPr>
-              <a:t>- IPCC </a:t>
-            </a:r>
-            <a:r>
-              <a:rPr lang="he-IL" altLang="en-US" sz="1600" dirty="0">
-                <a:solidFill>
-                  <a:srgbClr val="202124"/>
-                </a:solidFill>
-                <a:latin typeface="Google Sans"/>
-                <a:cs typeface="Arial" panose="020B0604020202020204" pitchFamily="34" charset="0"/>
-              </a:rPr>
-              <a:t>בשנת 1990, להפחתת גזי חממה (</a:t>
-            </a:r>
-            <a:r>
-              <a:rPr lang="en-US" altLang="en-US" sz="1600" dirty="0">
-                <a:solidFill>
-                  <a:srgbClr val="202124"/>
-                </a:solidFill>
-                <a:latin typeface="Google Sans"/>
-                <a:cs typeface="Arial" panose="020B0604020202020204" pitchFamily="34" charset="0"/>
-              </a:rPr>
-              <a:t>Green House Gas</a:t>
-            </a:r>
-            <a:r>
-              <a:rPr lang="he-IL" altLang="en-US" sz="1600" dirty="0">
-                <a:solidFill>
-                  <a:srgbClr val="202124"/>
-                </a:solidFill>
-                <a:latin typeface="Google Sans"/>
-                <a:cs typeface="Arial" panose="020B0604020202020204" pitchFamily="34" charset="0"/>
-              </a:rPr>
-              <a:t>), קידום</a:t>
-            </a:r>
-            <a:r>
-              <a:rPr lang="en-US" altLang="en-US" sz="1600" dirty="0">
-                <a:solidFill>
-                  <a:srgbClr val="202124"/>
-                </a:solidFill>
-                <a:latin typeface="Google Sans"/>
-                <a:cs typeface="Arial" panose="020B0604020202020204" pitchFamily="34" charset="0"/>
-              </a:rPr>
-              <a:t> </a:t>
-            </a:r>
-            <a:r>
-              <a:rPr lang="he-IL" altLang="en-US" sz="1600" dirty="0">
-                <a:solidFill>
-                  <a:srgbClr val="202124"/>
-                </a:solidFill>
-                <a:latin typeface="Google Sans"/>
-                <a:cs typeface="Arial" panose="020B0604020202020204" pitchFamily="34" charset="0"/>
-              </a:rPr>
-              <a:t>מקורות אנרגיה מתחדשים ושיפור</a:t>
-            </a:r>
-            <a:r>
-              <a:rPr lang="en-US" altLang="en-US" sz="1600" dirty="0">
-                <a:solidFill>
-                  <a:srgbClr val="202124"/>
-                </a:solidFill>
-                <a:latin typeface="Google Sans"/>
-                <a:cs typeface="Arial" panose="020B0604020202020204" pitchFamily="34" charset="0"/>
-              </a:rPr>
-              <a:t> </a:t>
-            </a:r>
-            <a:r>
-              <a:rPr lang="he-IL" altLang="en-US" sz="1600" dirty="0">
-                <a:solidFill>
-                  <a:srgbClr val="202124"/>
-                </a:solidFill>
-                <a:latin typeface="Google Sans"/>
-                <a:cs typeface="Arial" panose="020B0604020202020204" pitchFamily="34" charset="0"/>
-              </a:rPr>
-              <a:t>יעילות אנרגיה, ללא יעדים ספציפיים, ולכן היא עוררה דיון אודות</a:t>
-            </a:r>
-            <a:r>
-              <a:rPr lang="en-US" altLang="en-US" sz="1600" dirty="0">
-                <a:solidFill>
-                  <a:srgbClr val="202124"/>
-                </a:solidFill>
-                <a:latin typeface="Google Sans"/>
-                <a:cs typeface="Arial" panose="020B0604020202020204" pitchFamily="34" charset="0"/>
-              </a:rPr>
-              <a:t> .</a:t>
-            </a:r>
-            <a:br>
-              <a:rPr lang="en-US" altLang="en-US" sz="1600" dirty="0">
-                <a:solidFill>
-                  <a:srgbClr val="202124"/>
-                </a:solidFill>
-                <a:latin typeface="Google Sans"/>
-                <a:cs typeface="Arial" panose="020B0604020202020204" pitchFamily="34" charset="0"/>
-              </a:rPr>
-            </a:br>
-            <a:r>
-              <a:rPr lang="he-IL" altLang="en-US" sz="1600" dirty="0">
-                <a:solidFill>
-                  <a:srgbClr val="202124"/>
-                </a:solidFill>
-                <a:latin typeface="Google Sans"/>
-                <a:cs typeface="Arial" panose="020B0604020202020204" pitchFamily="34" charset="0"/>
-              </a:rPr>
-              <a:t>בשנת 1991 נפתחה "פעולות ספציפיות למען יעילות אנרגטית נמרצת", שהחלה להקל ולקדם יישום מדיניות לייעול אנרגיה. בשנת 1992 נדחתה ההצעה ליצור מס 2</a:t>
-            </a:r>
-            <a:r>
-              <a:rPr lang="en-US" altLang="en-US" sz="1600" dirty="0">
-                <a:solidFill>
-                  <a:srgbClr val="202124"/>
-                </a:solidFill>
-                <a:latin typeface="Google Sans"/>
-                <a:cs typeface="Arial" panose="020B0604020202020204" pitchFamily="34" charset="0"/>
-              </a:rPr>
-              <a:t>CO</a:t>
-            </a:r>
-            <a:r>
-              <a:rPr lang="he-IL" altLang="en-US" sz="1600" dirty="0">
-                <a:solidFill>
-                  <a:srgbClr val="202124"/>
-                </a:solidFill>
-                <a:latin typeface="Google Sans"/>
-                <a:cs typeface="Arial" panose="020B0604020202020204" pitchFamily="34" charset="0"/>
-              </a:rPr>
-              <a:t>, והמיקוד עבר ל</a:t>
-            </a:r>
-            <a:r>
-              <a:rPr lang="en-US" altLang="en-US" sz="1600" dirty="0">
-                <a:solidFill>
-                  <a:srgbClr val="202124"/>
-                </a:solidFill>
-                <a:latin typeface="Google Sans"/>
-                <a:cs typeface="Arial" panose="020B0604020202020204" pitchFamily="34" charset="0"/>
-              </a:rPr>
-              <a:t> </a:t>
-            </a:r>
-            <a:r>
-              <a:rPr lang="he-IL" altLang="en-US" sz="1600" dirty="0">
-                <a:solidFill>
-                  <a:srgbClr val="202124"/>
-                </a:solidFill>
-                <a:latin typeface="Google Sans"/>
-                <a:cs typeface="Arial" panose="020B0604020202020204" pitchFamily="34" charset="0"/>
-              </a:rPr>
-              <a:t>אנרגיה יעילה ואנרגיה ירוקה.</a:t>
-            </a:r>
-          </a:p>
-          <a:p>
-            <a:pPr marL="0" indent="0" algn="r" rtl="1">
-              <a:buNone/>
-            </a:pPr>
-            <a:r>
-              <a:rPr lang="he-IL" altLang="en-US" sz="1800" u="sng" dirty="0"/>
-              <a:t>קיוטו 1997:</a:t>
-            </a:r>
-            <a:br>
-              <a:rPr lang="en-US" altLang="en-US" sz="1800" u="sng" dirty="0"/>
-            </a:br>
-            <a:r>
-              <a:rPr lang="he-IL" altLang="en-US" sz="1600" dirty="0">
-                <a:solidFill>
-                  <a:srgbClr val="202124"/>
-                </a:solidFill>
-                <a:latin typeface="Google Sans"/>
-                <a:cs typeface="Arial" panose="020B0604020202020204" pitchFamily="34" charset="0"/>
-              </a:rPr>
-              <a:t>פסגת האקלים בקיוטו בדצמבר 1997, המדינות המתועשות הסכימו על קבוצה של יעדי פליטת גזי חממה כמותיים, כאשר הקהילה האירופית התחייבה להפחתה של 8% בסל של שישה גזי חממה בתקופת ההתחייבות 2008-2012 (בהשוואה לרמות גזי חממה ב 1990).</a:t>
-            </a:r>
-          </a:p>
-          <a:p>
-            <a:pPr marL="0" indent="0" algn="r" rtl="1">
-              <a:buNone/>
-            </a:pPr>
-            <a:endParaRPr lang="he-IL" altLang="en-US" sz="1600" dirty="0">
-              <a:solidFill>
-                <a:srgbClr val="202124"/>
-              </a:solidFill>
-              <a:latin typeface="Google Sans"/>
-              <a:cs typeface="Arial" panose="020B0604020202020204" pitchFamily="34" charset="0"/>
-            </a:endParaRPr>
-          </a:p>
-          <a:p>
-            <a:pPr marL="0" indent="0" algn="r" rtl="1">
-              <a:buNone/>
-            </a:pPr>
-            <a:r>
-              <a:rPr lang="he-IL" altLang="en-US" sz="1800" u="sng" dirty="0"/>
-              <a:t>הסכמים 1998:</a:t>
-            </a:r>
-          </a:p>
-          <a:p>
-            <a:pPr marL="0" indent="0" algn="r" rtl="1">
-              <a:buNone/>
-            </a:pPr>
-            <a:r>
-              <a:rPr lang="he-IL" altLang="en-US" sz="1600" dirty="0">
-                <a:solidFill>
-                  <a:srgbClr val="202124"/>
-                </a:solidFill>
-                <a:latin typeface="Google Sans"/>
-                <a:cs typeface="Arial" panose="020B0604020202020204" pitchFamily="34" charset="0"/>
-              </a:rPr>
-              <a:t>הסכמים עם יצרני הרכב על הפחתת פליטות.</a:t>
-            </a:r>
-            <a:endParaRPr kumimoji="0" lang="en-US" altLang="en-US" sz="1200" b="0" i="0" u="none" strike="noStrike" cap="none" normalizeH="0" baseline="0" dirty="0">
-              <a:ln>
-                <a:noFill/>
-              </a:ln>
-              <a:solidFill>
-                <a:schemeClr val="tx1"/>
-              </a:solidFill>
-              <a:effectLst/>
-              <a:latin typeface="Arial" panose="020B0604020202020204" pitchFamily="34" charset="0"/>
-            </a:endParaRPr>
-          </a:p>
-          <a:p>
-            <a:pPr marL="0" indent="0" algn="r" rtl="1">
-              <a:buNone/>
-            </a:pPr>
-            <a:endParaRPr lang="en-US" altLang="en-US" sz="1600" dirty="0">
-              <a:solidFill>
-                <a:srgbClr val="202124"/>
-              </a:solidFill>
-              <a:latin typeface="Google Sans"/>
-              <a:cs typeface="Arial" panose="020B0604020202020204" pitchFamily="34" charset="0"/>
-            </a:endParaRPr>
-          </a:p>
-          <a:p>
-            <a:pPr marL="0" indent="0" algn="r" rtl="1">
-              <a:buNone/>
-            </a:pPr>
-            <a:endParaRPr lang="en-US" altLang="en-US" sz="2800" u="sng" dirty="0"/>
-          </a:p>
-        </p:txBody>
-      </p:sp>
-    </p:spTree>
-    <p:extLst>
-      <p:ext uri="{BB962C8B-B14F-4D97-AF65-F5344CB8AC3E}">
-        <p14:creationId xmlns:p14="http://schemas.microsoft.com/office/powerpoint/2010/main" val="2346329713"/>
       </p:ext>
     </p:extLst>
   </p:cSld>
@@ -8982,15 +9012,17 @@
         </p:nvSpPr>
         <p:spPr/>
         <p:txBody>
-          <a:bodyPr/>
+          <a:bodyPr>
+            <a:normAutofit/>
+          </a:bodyPr>
           <a:lstStyle/>
           <a:p>
             <a:pPr algn="r"/>
             <a:r>
-              <a:rPr lang="he-IL" dirty="0"/>
-              <a:t>האיחוד האירופאי</a:t>
-            </a:r>
-            <a:endParaRPr lang="en-US" dirty="0"/>
+              <a:rPr lang="he-IL" sz="5800" dirty="0"/>
+              <a:t>אירופה</a:t>
+            </a:r>
+            <a:endParaRPr lang="en-US" sz="5800" dirty="0"/>
           </a:p>
         </p:txBody>
       </p:sp>
@@ -9013,166 +9045,25 @@
         <p:spPr/>
         <p:txBody>
           <a:bodyPr>
-            <a:normAutofit lnSpcReduction="10000"/>
+            <a:normAutofit/>
           </a:bodyPr>
           <a:lstStyle/>
           <a:p>
-            <a:pPr marL="0" indent="0" algn="r" rtl="1">
-              <a:buNone/>
-            </a:pPr>
-            <a:r>
-              <a:rPr lang="he-IL" sz="2400" b="1" u="sng" dirty="0"/>
-              <a:t>העבר (חוקים ותקנות) המשך:</a:t>
-            </a:r>
-            <a:endParaRPr lang="he-IL" altLang="en-US" sz="2400" dirty="0"/>
-          </a:p>
-          <a:p>
-            <a:pPr marL="0" indent="0" algn="r" rtl="1">
-              <a:buNone/>
-            </a:pPr>
-            <a:r>
-              <a:rPr lang="he-IL" altLang="en-US" sz="1800" u="sng" dirty="0"/>
-              <a:t>תקן 1999:</a:t>
-            </a:r>
-          </a:p>
-          <a:p>
-            <a:pPr marL="0" indent="0" algn="r" rtl="1">
-              <a:buNone/>
-            </a:pPr>
-            <a:r>
-              <a:rPr lang="he-IL" altLang="en-US" sz="1700" dirty="0">
-                <a:solidFill>
-                  <a:srgbClr val="202124"/>
-                </a:solidFill>
-                <a:latin typeface="Google Sans"/>
-                <a:cs typeface="Arial" panose="020B0604020202020204" pitchFamily="34" charset="0"/>
-              </a:rPr>
-              <a:t>הנחיית ההטמנה להפחתת גז מתאן.</a:t>
-            </a:r>
-          </a:p>
-          <a:p>
-            <a:pPr marL="0" indent="0" algn="r" rtl="1">
-              <a:buNone/>
-            </a:pPr>
-            <a:r>
-              <a:rPr lang="en-US" sz="1800" u="sng" dirty="0"/>
-              <a:t>ECCP</a:t>
-            </a:r>
-            <a:r>
-              <a:rPr lang="he-IL" sz="1800" u="sng" dirty="0"/>
-              <a:t> 2000:</a:t>
-            </a:r>
-          </a:p>
-          <a:p>
-            <a:pPr marL="0" indent="0" algn="r" rtl="1">
-              <a:buNone/>
-            </a:pPr>
-            <a:r>
-              <a:rPr lang="he-IL" altLang="en-US" sz="1700" dirty="0">
-                <a:solidFill>
-                  <a:srgbClr val="202124"/>
-                </a:solidFill>
-                <a:latin typeface="Google Sans"/>
-                <a:cs typeface="Arial" panose="020B0604020202020204" pitchFamily="34" charset="0"/>
-              </a:rPr>
-              <a:t>בשנת 2000 הושקה התוכנית האירופית לשינויי אקלים (</a:t>
-            </a:r>
-            <a:r>
-              <a:rPr lang="en-US" altLang="en-US" sz="1700" dirty="0">
-                <a:solidFill>
-                  <a:srgbClr val="202124"/>
-                </a:solidFill>
-                <a:latin typeface="Google Sans"/>
-                <a:cs typeface="Arial" panose="020B0604020202020204" pitchFamily="34" charset="0"/>
-              </a:rPr>
-              <a:t>ECCP</a:t>
-            </a:r>
-            <a:r>
-              <a:rPr lang="he-IL" altLang="en-US" sz="1700" dirty="0">
-                <a:solidFill>
-                  <a:srgbClr val="202124"/>
-                </a:solidFill>
-                <a:latin typeface="Google Sans"/>
-                <a:cs typeface="Arial" panose="020B0604020202020204" pitchFamily="34" charset="0"/>
-              </a:rPr>
-              <a:t>) אשר בחנה מגוון נרחב של מגזרי מדיניות ומכשירים בעלי פוטנציאל להפחתת פליטת גזי חממה ופיתחה אסטרטגיות משותפות ומתואמות להגשמת יעדי קיוטו. זה הוביל להכנסת תכנית המסחר האירופית בפליטות</a:t>
-            </a:r>
-            <a:r>
-              <a:rPr lang="en-US" altLang="en-US" sz="1700" dirty="0">
-                <a:solidFill>
-                  <a:srgbClr val="202124"/>
-                </a:solidFill>
-                <a:latin typeface="Google Sans"/>
-                <a:cs typeface="Arial" panose="020B0604020202020204" pitchFamily="34" charset="0"/>
-              </a:rPr>
-              <a:t> (ETS) </a:t>
-            </a:r>
-            <a:r>
-              <a:rPr lang="he-IL" altLang="en-US" sz="1700" dirty="0">
-                <a:solidFill>
-                  <a:srgbClr val="202124"/>
-                </a:solidFill>
-                <a:latin typeface="Google Sans"/>
-                <a:cs typeface="Arial" panose="020B0604020202020204" pitchFamily="34" charset="0"/>
-              </a:rPr>
-              <a:t>עם מכסים לאומיים לפליטות על מגזרי האנרגייה בתעשייה והצעות כגון תיוג אנרגיה וקידום דלקים ביולוגיים. יתר על כן, הוראת החשמל המתחדשת הציגה יעדים על יצור חשמל בצורה ירוקה ברחבי המדינה.</a:t>
-            </a:r>
-          </a:p>
-          <a:p>
-            <a:pPr marL="0" indent="0" algn="r" rtl="1">
-              <a:buNone/>
-            </a:pPr>
-            <a:r>
-              <a:rPr lang="he-IL" altLang="en-US" sz="1700" dirty="0">
-                <a:solidFill>
-                  <a:srgbClr val="202124"/>
-                </a:solidFill>
-                <a:latin typeface="Google Sans"/>
-                <a:cs typeface="Arial" panose="020B0604020202020204" pitchFamily="34" charset="0"/>
-              </a:rPr>
-              <a:t>בנוסף, אומצה חקיקה נוספת בנושא דלקים ביולוגיים ויעילות אנרגטית שנועדו בשביל עמידה ביעדי קיוטו בתקופת ההתחייבות הראשונה. מדדים עלו נדונו בין השנים 1998 ל -2006 ונועדו להביא להפחתות לתקופה 2008 עד 2012 (תקופת התחייבות הראשונה של הסכם קיוטו).</a:t>
-            </a:r>
-            <a:r>
-              <a:rPr lang="en-US" altLang="en-US" sz="1700" dirty="0">
-                <a:solidFill>
-                  <a:srgbClr val="202124"/>
-                </a:solidFill>
-                <a:latin typeface="Google Sans"/>
-                <a:cs typeface="Arial" panose="020B0604020202020204" pitchFamily="34" charset="0"/>
-              </a:rPr>
-              <a:t> </a:t>
-            </a:r>
-          </a:p>
-          <a:p>
-            <a:pPr marL="0" indent="0" algn="r" rtl="1">
-              <a:buNone/>
-            </a:pPr>
-            <a:endParaRPr lang="en-US" altLang="en-US" sz="1800" u="sng" dirty="0"/>
-          </a:p>
-          <a:p>
-            <a:pPr marL="0" indent="0" algn="r" rtl="1">
-              <a:buNone/>
-            </a:pPr>
-            <a:endParaRPr lang="en-US" altLang="en-US" sz="1700" dirty="0">
-              <a:solidFill>
-                <a:srgbClr val="202124"/>
-              </a:solidFill>
-              <a:latin typeface="Google Sans"/>
-              <a:cs typeface="Arial" panose="020B0604020202020204" pitchFamily="34" charset="0"/>
-            </a:endParaRPr>
-          </a:p>
-          <a:p>
-            <a:pPr marL="0" indent="0" algn="r" rtl="1">
-              <a:buNone/>
-            </a:pPr>
-            <a:endParaRPr lang="he-IL" b="1" u="sng" dirty="0"/>
+            <a:pPr marL="0" indent="0" algn="r">
+              <a:buNone/>
+            </a:pPr>
+            <a:r>
+              <a:rPr lang="he-IL" sz="2400" dirty="0"/>
+              <a:t>זמננו קצר ולכן נסתכל על האיחוד האירופאי כמכלול למדינות אירופה.</a:t>
+            </a:r>
+            <a:endParaRPr lang="en-US" sz="2400" dirty="0"/>
           </a:p>
         </p:txBody>
       </p:sp>
     </p:spTree>
     <p:extLst>
       <p:ext uri="{BB962C8B-B14F-4D97-AF65-F5344CB8AC3E}">
-        <p14:creationId xmlns:p14="http://schemas.microsoft.com/office/powerpoint/2010/main" val="1029100819"/>
+        <p14:creationId xmlns:p14="http://schemas.microsoft.com/office/powerpoint/2010/main" val="411190032"/>
       </p:ext>
     </p:extLst>
   </p:cSld>
@@ -9217,15 +9108,17 @@
         </p:nvSpPr>
         <p:spPr/>
         <p:txBody>
-          <a:bodyPr/>
+          <a:bodyPr>
+            <a:normAutofit/>
+          </a:bodyPr>
           <a:lstStyle/>
           <a:p>
             <a:pPr algn="r" rtl="1"/>
             <a:r>
-              <a:rPr lang="he-IL" dirty="0"/>
+              <a:rPr lang="he-IL" sz="5800" dirty="0"/>
               <a:t>מבוא</a:t>
             </a:r>
-            <a:endParaRPr lang="en-US" dirty="0"/>
+            <a:endParaRPr lang="en-US" sz="5800" dirty="0"/>
           </a:p>
         </p:txBody>
       </p:sp>
@@ -9254,7 +9147,7 @@
               <a:buNone/>
             </a:pPr>
             <a:r>
-              <a:rPr lang="he-IL" dirty="0"/>
+              <a:rPr lang="he-IL" sz="2400" dirty="0"/>
               <a:t>במצגת זו נדון בעמדות השונות של מפלגות בארה"ב ואירופה, לאור מגבלות הזמן נדון בעיקר בארה"ב ונתייחס לעמדות אירופה על ידי מבט על האיחוד האירופאי.</a:t>
             </a:r>
           </a:p>
@@ -9263,7 +9156,7 @@
               <a:buNone/>
             </a:pPr>
             <a:r>
-              <a:rPr lang="he-IL" dirty="0"/>
+              <a:rPr lang="he-IL" sz="2400" dirty="0"/>
               <a:t>כדי להבין את העמדות השונות אנו לא נסתכל רק על התכנונים לעתיד ומה שנאמר עד כו, אלא גם על פי הפעולות שנעשו בעבר, כלומר חיקוק חוקים ותקנות.</a:t>
             </a:r>
           </a:p>
@@ -9295,6 +9188,599 @@
 </file>
 
 <file path=ppt/slides/slide20.xml><?xml version="1.0" encoding="utf-8"?>
+<p:sld xmlns:a="http://schemas.openxmlformats.org/drawingml/2006/main" xmlns:r="http://schemas.openxmlformats.org/officeDocument/2006/relationships" xmlns:p="http://schemas.openxmlformats.org/presentationml/2006/main">
+  <p:cSld>
+    <p:spTree>
+      <p:nvGrpSpPr>
+        <p:cNvPr id="1" name=""/>
+        <p:cNvGrpSpPr/>
+        <p:nvPr/>
+      </p:nvGrpSpPr>
+      <p:grpSpPr>
+        <a:xfrm>
+          <a:off x="0" y="0"/>
+          <a:ext cx="0" cy="0"/>
+          <a:chOff x="0" y="0"/>
+          <a:chExt cx="0" cy="0"/>
+        </a:xfrm>
+      </p:grpSpPr>
+      <p:sp>
+        <p:nvSpPr>
+          <p:cNvPr id="2" name="Title 1">
+            <a:extLst>
+              <a:ext uri="{FF2B5EF4-FFF2-40B4-BE49-F238E27FC236}">
+                <a16:creationId xmlns:a16="http://schemas.microsoft.com/office/drawing/2014/main" id="{723F4E72-D791-4CA8-88A5-D9EE4B39CA08}"/>
+              </a:ext>
+            </a:extLst>
+          </p:cNvPr>
+          <p:cNvSpPr>
+            <a:spLocks noGrp="1"/>
+          </p:cNvSpPr>
+          <p:nvPr>
+            <p:ph type="title"/>
+          </p:nvPr>
+        </p:nvSpPr>
+        <p:spPr/>
+        <p:txBody>
+          <a:bodyPr>
+            <a:normAutofit/>
+          </a:bodyPr>
+          <a:lstStyle/>
+          <a:p>
+            <a:pPr algn="r"/>
+            <a:r>
+              <a:rPr lang="he-IL" sz="5800" dirty="0"/>
+              <a:t>האיחוד האירופאי</a:t>
+            </a:r>
+            <a:endParaRPr lang="en-US" sz="5800" dirty="0"/>
+          </a:p>
+        </p:txBody>
+      </p:sp>
+      <p:sp>
+        <p:nvSpPr>
+          <p:cNvPr id="3" name="Content Placeholder 2">
+            <a:extLst>
+              <a:ext uri="{FF2B5EF4-FFF2-40B4-BE49-F238E27FC236}">
+                <a16:creationId xmlns:a16="http://schemas.microsoft.com/office/drawing/2014/main" id="{CEBAD573-D1AC-4591-A0D6-E1FBCACBF529}"/>
+              </a:ext>
+            </a:extLst>
+          </p:cNvPr>
+          <p:cNvSpPr>
+            <a:spLocks noGrp="1"/>
+          </p:cNvSpPr>
+          <p:nvPr>
+            <p:ph idx="1"/>
+          </p:nvPr>
+        </p:nvSpPr>
+        <p:spPr>
+          <a:xfrm>
+            <a:off x="785091" y="1825625"/>
+            <a:ext cx="8488911" cy="4351338"/>
+          </a:xfrm>
+        </p:spPr>
+        <p:txBody>
+          <a:bodyPr>
+            <a:normAutofit/>
+          </a:bodyPr>
+          <a:lstStyle/>
+          <a:p>
+            <a:pPr marL="0" indent="0" algn="r" rtl="1">
+              <a:buNone/>
+            </a:pPr>
+            <a:r>
+              <a:rPr lang="he-IL" sz="2400" b="1" u="sng" dirty="0"/>
+              <a:t>העבר (חוקים ותקנות) המשך:</a:t>
+            </a:r>
+          </a:p>
+          <a:p>
+            <a:pPr marL="0" indent="0" algn="r" rtl="1">
+              <a:buNone/>
+            </a:pPr>
+            <a:r>
+              <a:rPr lang="he-IL" altLang="en-US" sz="1800" u="sng" dirty="0"/>
+              <a:t>דו"ח </a:t>
+            </a:r>
+            <a:r>
+              <a:rPr lang="en-US" altLang="en-US" sz="1800" u="sng" dirty="0"/>
+              <a:t>IPCC</a:t>
+            </a:r>
+            <a:r>
+              <a:rPr lang="he-IL" altLang="en-US" sz="1800" u="sng" dirty="0"/>
+              <a:t> 1990:</a:t>
+            </a:r>
+            <a:endParaRPr lang="he-IL" altLang="en-US" sz="1800" dirty="0"/>
+          </a:p>
+          <a:p>
+            <a:pPr marL="0" indent="0" algn="r" rtl="1">
+              <a:buNone/>
+            </a:pPr>
+            <a:r>
+              <a:rPr lang="he-IL" altLang="en-US" sz="1600" dirty="0">
+                <a:solidFill>
+                  <a:srgbClr val="202124"/>
+                </a:solidFill>
+                <a:latin typeface="Google Sans"/>
+                <a:cs typeface="Arial" panose="020B0604020202020204" pitchFamily="34" charset="0"/>
+              </a:rPr>
+              <a:t>מדיניות האקלים של האיחוד האירופי שהופעלה על ידי דו"ח ה</a:t>
+            </a:r>
+            <a:r>
+              <a:rPr lang="en-US" altLang="en-US" sz="1600" dirty="0">
+                <a:solidFill>
+                  <a:srgbClr val="202124"/>
+                </a:solidFill>
+                <a:latin typeface="Google Sans"/>
+                <a:cs typeface="Arial" panose="020B0604020202020204" pitchFamily="34" charset="0"/>
+              </a:rPr>
+              <a:t>- IPCC </a:t>
+            </a:r>
+            <a:r>
+              <a:rPr lang="he-IL" altLang="en-US" sz="1600" dirty="0">
+                <a:solidFill>
+                  <a:srgbClr val="202124"/>
+                </a:solidFill>
+                <a:latin typeface="Google Sans"/>
+                <a:cs typeface="Arial" panose="020B0604020202020204" pitchFamily="34" charset="0"/>
+              </a:rPr>
+              <a:t>בשנת 1990, להפחתת גזי חממה (</a:t>
+            </a:r>
+            <a:r>
+              <a:rPr lang="en-US" altLang="en-US" sz="1600" dirty="0">
+                <a:solidFill>
+                  <a:srgbClr val="202124"/>
+                </a:solidFill>
+                <a:latin typeface="Google Sans"/>
+                <a:cs typeface="Arial" panose="020B0604020202020204" pitchFamily="34" charset="0"/>
+              </a:rPr>
+              <a:t>Green House Gas</a:t>
+            </a:r>
+            <a:r>
+              <a:rPr lang="he-IL" altLang="en-US" sz="1600" dirty="0">
+                <a:solidFill>
+                  <a:srgbClr val="202124"/>
+                </a:solidFill>
+                <a:latin typeface="Google Sans"/>
+                <a:cs typeface="Arial" panose="020B0604020202020204" pitchFamily="34" charset="0"/>
+              </a:rPr>
+              <a:t>), קידום</a:t>
+            </a:r>
+            <a:r>
+              <a:rPr lang="en-US" altLang="en-US" sz="1600" dirty="0">
+                <a:solidFill>
+                  <a:srgbClr val="202124"/>
+                </a:solidFill>
+                <a:latin typeface="Google Sans"/>
+                <a:cs typeface="Arial" panose="020B0604020202020204" pitchFamily="34" charset="0"/>
+              </a:rPr>
+              <a:t> </a:t>
+            </a:r>
+            <a:r>
+              <a:rPr lang="he-IL" altLang="en-US" sz="1600" dirty="0">
+                <a:solidFill>
+                  <a:srgbClr val="202124"/>
+                </a:solidFill>
+                <a:latin typeface="Google Sans"/>
+                <a:cs typeface="Arial" panose="020B0604020202020204" pitchFamily="34" charset="0"/>
+              </a:rPr>
+              <a:t>מקורות אנרגיה מתחדשים ושיפור</a:t>
+            </a:r>
+            <a:r>
+              <a:rPr lang="en-US" altLang="en-US" sz="1600" dirty="0">
+                <a:solidFill>
+                  <a:srgbClr val="202124"/>
+                </a:solidFill>
+                <a:latin typeface="Google Sans"/>
+                <a:cs typeface="Arial" panose="020B0604020202020204" pitchFamily="34" charset="0"/>
+              </a:rPr>
+              <a:t> </a:t>
+            </a:r>
+            <a:r>
+              <a:rPr lang="he-IL" altLang="en-US" sz="1600" dirty="0">
+                <a:solidFill>
+                  <a:srgbClr val="202124"/>
+                </a:solidFill>
+                <a:latin typeface="Google Sans"/>
+                <a:cs typeface="Arial" panose="020B0604020202020204" pitchFamily="34" charset="0"/>
+              </a:rPr>
+              <a:t>יעילות אנרגיה, ללא יעדים ספציפיים, ולכן היא עוררה דיון אודות</a:t>
+            </a:r>
+            <a:r>
+              <a:rPr lang="en-US" altLang="en-US" sz="1600" dirty="0">
+                <a:solidFill>
+                  <a:srgbClr val="202124"/>
+                </a:solidFill>
+                <a:latin typeface="Google Sans"/>
+                <a:cs typeface="Arial" panose="020B0604020202020204" pitchFamily="34" charset="0"/>
+              </a:rPr>
+              <a:t> .</a:t>
+            </a:r>
+            <a:br>
+              <a:rPr lang="en-US" altLang="en-US" sz="1600" dirty="0">
+                <a:solidFill>
+                  <a:srgbClr val="202124"/>
+                </a:solidFill>
+                <a:latin typeface="Google Sans"/>
+                <a:cs typeface="Arial" panose="020B0604020202020204" pitchFamily="34" charset="0"/>
+              </a:rPr>
+            </a:br>
+            <a:r>
+              <a:rPr lang="he-IL" altLang="en-US" sz="1600" dirty="0">
+                <a:solidFill>
+                  <a:srgbClr val="202124"/>
+                </a:solidFill>
+                <a:latin typeface="Google Sans"/>
+                <a:cs typeface="Arial" panose="020B0604020202020204" pitchFamily="34" charset="0"/>
+              </a:rPr>
+              <a:t>בשנת 1991 נפתחה "פעולות ספציפיות למען יעילות אנרגטית נמרצת", שהחלה להקל ולקדם יישום מדיניות לייעול אנרגיה. בשנת 1992 נדחתה ההצעה ליצור מס 2</a:t>
+            </a:r>
+            <a:r>
+              <a:rPr lang="en-US" altLang="en-US" sz="1600" dirty="0">
+                <a:solidFill>
+                  <a:srgbClr val="202124"/>
+                </a:solidFill>
+                <a:latin typeface="Google Sans"/>
+                <a:cs typeface="Arial" panose="020B0604020202020204" pitchFamily="34" charset="0"/>
+              </a:rPr>
+              <a:t>CO</a:t>
+            </a:r>
+            <a:r>
+              <a:rPr lang="he-IL" altLang="en-US" sz="1600" dirty="0">
+                <a:solidFill>
+                  <a:srgbClr val="202124"/>
+                </a:solidFill>
+                <a:latin typeface="Google Sans"/>
+                <a:cs typeface="Arial" panose="020B0604020202020204" pitchFamily="34" charset="0"/>
+              </a:rPr>
+              <a:t>, והמיקוד עבר ל</a:t>
+            </a:r>
+            <a:r>
+              <a:rPr lang="en-US" altLang="en-US" sz="1600" dirty="0">
+                <a:solidFill>
+                  <a:srgbClr val="202124"/>
+                </a:solidFill>
+                <a:latin typeface="Google Sans"/>
+                <a:cs typeface="Arial" panose="020B0604020202020204" pitchFamily="34" charset="0"/>
+              </a:rPr>
+              <a:t> </a:t>
+            </a:r>
+            <a:r>
+              <a:rPr lang="he-IL" altLang="en-US" sz="1600" dirty="0">
+                <a:solidFill>
+                  <a:srgbClr val="202124"/>
+                </a:solidFill>
+                <a:latin typeface="Google Sans"/>
+                <a:cs typeface="Arial" panose="020B0604020202020204" pitchFamily="34" charset="0"/>
+              </a:rPr>
+              <a:t>אנרגיה יעילה ואנרגיה ירוקה.</a:t>
+            </a:r>
+          </a:p>
+          <a:p>
+            <a:pPr marL="0" indent="0" algn="r" rtl="1">
+              <a:buNone/>
+            </a:pPr>
+            <a:r>
+              <a:rPr lang="he-IL" altLang="en-US" sz="1800" u="sng" dirty="0"/>
+              <a:t>קיוטו 1997:</a:t>
+            </a:r>
+            <a:br>
+              <a:rPr lang="en-US" altLang="en-US" sz="1800" u="sng" dirty="0"/>
+            </a:br>
+            <a:r>
+              <a:rPr lang="he-IL" altLang="en-US" sz="1600" dirty="0">
+                <a:solidFill>
+                  <a:srgbClr val="202124"/>
+                </a:solidFill>
+                <a:latin typeface="Google Sans"/>
+                <a:cs typeface="Arial" panose="020B0604020202020204" pitchFamily="34" charset="0"/>
+              </a:rPr>
+              <a:t>פסגת האקלים בקיוטו בדצמבר 1997, המדינות המתועשות הסכימו על קבוצה של יעדי פליטת גזי חממה כמותיים, כאשר הקהילה האירופית התחייבה להפחתה של 8% בסל של שישה גזי חממה בתקופת ההתחייבות 2008-2012 (בהשוואה לרמות גזי חממה ב 1990).</a:t>
+            </a:r>
+          </a:p>
+          <a:p>
+            <a:pPr marL="0" indent="0" algn="r" rtl="1">
+              <a:buNone/>
+            </a:pPr>
+            <a:r>
+              <a:rPr lang="he-IL" altLang="en-US" sz="1800" u="sng" dirty="0"/>
+              <a:t>הסכמים 1998:</a:t>
+            </a:r>
+          </a:p>
+          <a:p>
+            <a:pPr marL="0" indent="0" algn="r" rtl="1">
+              <a:buNone/>
+            </a:pPr>
+            <a:r>
+              <a:rPr lang="he-IL" altLang="en-US" sz="1600" dirty="0">
+                <a:solidFill>
+                  <a:srgbClr val="202124"/>
+                </a:solidFill>
+                <a:latin typeface="Google Sans"/>
+                <a:cs typeface="Arial" panose="020B0604020202020204" pitchFamily="34" charset="0"/>
+              </a:rPr>
+              <a:t>הסכמים עם יצרני הרכב על הפחתת פליטות.</a:t>
+            </a:r>
+            <a:endParaRPr kumimoji="0" lang="en-US" altLang="en-US" sz="1200" b="0" i="0" u="none" strike="noStrike" cap="none" normalizeH="0" baseline="0" dirty="0">
+              <a:ln>
+                <a:noFill/>
+              </a:ln>
+              <a:solidFill>
+                <a:schemeClr val="tx1"/>
+              </a:solidFill>
+              <a:effectLst/>
+              <a:latin typeface="Arial" panose="020B0604020202020204" pitchFamily="34" charset="0"/>
+            </a:endParaRPr>
+          </a:p>
+          <a:p>
+            <a:pPr marL="0" indent="0" algn="r" rtl="1">
+              <a:buNone/>
+            </a:pPr>
+            <a:endParaRPr lang="en-US" altLang="en-US" sz="1600" dirty="0">
+              <a:solidFill>
+                <a:srgbClr val="202124"/>
+              </a:solidFill>
+              <a:latin typeface="Google Sans"/>
+              <a:cs typeface="Arial" panose="020B0604020202020204" pitchFamily="34" charset="0"/>
+            </a:endParaRPr>
+          </a:p>
+          <a:p>
+            <a:pPr marL="0" indent="0" algn="r" rtl="1">
+              <a:buNone/>
+            </a:pPr>
+            <a:endParaRPr lang="en-US" altLang="en-US" sz="2800" u="sng" dirty="0"/>
+          </a:p>
+        </p:txBody>
+      </p:sp>
+    </p:spTree>
+    <p:extLst>
+      <p:ext uri="{BB962C8B-B14F-4D97-AF65-F5344CB8AC3E}">
+        <p14:creationId xmlns:p14="http://schemas.microsoft.com/office/powerpoint/2010/main" val="2346329713"/>
+      </p:ext>
+    </p:extLst>
+  </p:cSld>
+  <p:clrMapOvr>
+    <a:masterClrMapping/>
+  </p:clrMapOvr>
+</p:sld>
+</file>
+
+<file path=ppt/slides/slide21.xml><?xml version="1.0" encoding="utf-8"?>
+<p:sld xmlns:a="http://schemas.openxmlformats.org/drawingml/2006/main" xmlns:r="http://schemas.openxmlformats.org/officeDocument/2006/relationships" xmlns:p="http://schemas.openxmlformats.org/presentationml/2006/main">
+  <p:cSld>
+    <p:spTree>
+      <p:nvGrpSpPr>
+        <p:cNvPr id="1" name=""/>
+        <p:cNvGrpSpPr/>
+        <p:nvPr/>
+      </p:nvGrpSpPr>
+      <p:grpSpPr>
+        <a:xfrm>
+          <a:off x="0" y="0"/>
+          <a:ext cx="0" cy="0"/>
+          <a:chOff x="0" y="0"/>
+          <a:chExt cx="0" cy="0"/>
+        </a:xfrm>
+      </p:grpSpPr>
+      <p:sp>
+        <p:nvSpPr>
+          <p:cNvPr id="2" name="Title 1">
+            <a:extLst>
+              <a:ext uri="{FF2B5EF4-FFF2-40B4-BE49-F238E27FC236}">
+                <a16:creationId xmlns:a16="http://schemas.microsoft.com/office/drawing/2014/main" id="{48EBC5DB-AC6D-4064-9760-1B18BA79418D}"/>
+              </a:ext>
+            </a:extLst>
+          </p:cNvPr>
+          <p:cNvSpPr>
+            <a:spLocks noGrp="1"/>
+          </p:cNvSpPr>
+          <p:nvPr>
+            <p:ph type="title"/>
+          </p:nvPr>
+        </p:nvSpPr>
+        <p:spPr/>
+        <p:txBody>
+          <a:bodyPr>
+            <a:normAutofit/>
+          </a:bodyPr>
+          <a:lstStyle/>
+          <a:p>
+            <a:pPr algn="r"/>
+            <a:r>
+              <a:rPr lang="he-IL" sz="5800" dirty="0"/>
+              <a:t>האיחוד האירופאי</a:t>
+            </a:r>
+            <a:endParaRPr lang="en-US" sz="5800" dirty="0"/>
+          </a:p>
+        </p:txBody>
+      </p:sp>
+      <p:sp>
+        <p:nvSpPr>
+          <p:cNvPr id="3" name="Content Placeholder 2">
+            <a:extLst>
+              <a:ext uri="{FF2B5EF4-FFF2-40B4-BE49-F238E27FC236}">
+                <a16:creationId xmlns:a16="http://schemas.microsoft.com/office/drawing/2014/main" id="{3430DD5E-4AD0-422B-9873-42C45881E879}"/>
+              </a:ext>
+            </a:extLst>
+          </p:cNvPr>
+          <p:cNvSpPr>
+            <a:spLocks noGrp="1"/>
+          </p:cNvSpPr>
+          <p:nvPr>
+            <p:ph idx="1"/>
+          </p:nvPr>
+        </p:nvSpPr>
+        <p:spPr/>
+        <p:txBody>
+          <a:bodyPr>
+            <a:normAutofit/>
+          </a:bodyPr>
+          <a:lstStyle/>
+          <a:p>
+            <a:pPr marL="0" indent="0" algn="r" rtl="1">
+              <a:buNone/>
+            </a:pPr>
+            <a:r>
+              <a:rPr lang="he-IL" sz="2400" b="1" u="sng" dirty="0"/>
+              <a:t>העבר (חוקים ותקנות) המשך:</a:t>
+            </a:r>
+            <a:endParaRPr lang="he-IL" altLang="en-US" sz="2400" dirty="0"/>
+          </a:p>
+          <a:p>
+            <a:pPr marL="0" indent="0" algn="r" rtl="1">
+              <a:buNone/>
+            </a:pPr>
+            <a:r>
+              <a:rPr lang="he-IL" altLang="en-US" sz="1800" u="sng" dirty="0"/>
+              <a:t>תקן 1999:</a:t>
+            </a:r>
+          </a:p>
+          <a:p>
+            <a:pPr marL="0" indent="0" algn="r" rtl="1">
+              <a:buNone/>
+            </a:pPr>
+            <a:r>
+              <a:rPr lang="he-IL" altLang="en-US" sz="1600" dirty="0">
+                <a:solidFill>
+                  <a:srgbClr val="202124"/>
+                </a:solidFill>
+                <a:latin typeface="Google Sans"/>
+                <a:cs typeface="Arial" panose="020B0604020202020204" pitchFamily="34" charset="0"/>
+              </a:rPr>
+              <a:t>הנחיית ההטמנה להפחתת גז מתאן.</a:t>
+            </a:r>
+          </a:p>
+          <a:p>
+            <a:pPr marL="0" indent="0" algn="r" rtl="1">
+              <a:buNone/>
+            </a:pPr>
+            <a:r>
+              <a:rPr lang="en-US" sz="1800" u="sng" dirty="0"/>
+              <a:t>ECCP</a:t>
+            </a:r>
+            <a:r>
+              <a:rPr lang="he-IL" sz="1800" u="sng" dirty="0"/>
+              <a:t> 2000:</a:t>
+            </a:r>
+          </a:p>
+          <a:p>
+            <a:pPr marL="0" indent="0" algn="r" rtl="1">
+              <a:buNone/>
+            </a:pPr>
+            <a:r>
+              <a:rPr lang="he-IL" altLang="en-US" sz="1600" dirty="0">
+                <a:solidFill>
+                  <a:srgbClr val="202124"/>
+                </a:solidFill>
+                <a:latin typeface="+mj-lt"/>
+                <a:cs typeface="Arial" panose="020B0604020202020204" pitchFamily="34" charset="0"/>
+              </a:rPr>
+              <a:t>בשנת 2000 הושקה התוכנית האירופית לשינויי אקלים (</a:t>
+            </a:r>
+            <a:r>
+              <a:rPr lang="en-US" altLang="en-US" sz="1600" dirty="0">
+                <a:solidFill>
+                  <a:srgbClr val="202124"/>
+                </a:solidFill>
+                <a:latin typeface="+mj-lt"/>
+                <a:cs typeface="Arial" panose="020B0604020202020204" pitchFamily="34" charset="0"/>
+              </a:rPr>
+              <a:t>ECCP</a:t>
+            </a:r>
+            <a:r>
+              <a:rPr lang="he-IL" altLang="en-US" sz="1600" dirty="0">
+                <a:solidFill>
+                  <a:srgbClr val="202124"/>
+                </a:solidFill>
+                <a:latin typeface="+mj-lt"/>
+                <a:cs typeface="Arial" panose="020B0604020202020204" pitchFamily="34" charset="0"/>
+              </a:rPr>
+              <a:t>) אשר בחנה מגוון נרחב של מגזרי מדיניות ומכשירים בעלי פוטנציאל להפחתת פליטת גזי חממה ופיתחה אסטרטגיות משותפות ומתואמות להגשמת יעדי קיוטו. זה הוביל להכנסת תכנית המסחר האירופית בפליטות</a:t>
+            </a:r>
+            <a:r>
+              <a:rPr lang="en-US" altLang="en-US" sz="1600" dirty="0">
+                <a:solidFill>
+                  <a:srgbClr val="202124"/>
+                </a:solidFill>
+                <a:latin typeface="+mj-lt"/>
+                <a:cs typeface="Arial" panose="020B0604020202020204" pitchFamily="34" charset="0"/>
+              </a:rPr>
+              <a:t> (ETS) </a:t>
+            </a:r>
+            <a:r>
+              <a:rPr lang="he-IL" altLang="en-US" sz="1600" dirty="0">
+                <a:solidFill>
+                  <a:srgbClr val="202124"/>
+                </a:solidFill>
+                <a:latin typeface="+mj-lt"/>
+                <a:cs typeface="Arial" panose="020B0604020202020204" pitchFamily="34" charset="0"/>
+              </a:rPr>
+              <a:t>עם מכסים לאומיים לפליטות על מגזרי האנרגייה בתעשייה והצעות כגון תיוג אנרגיה וקידום דלקים ביולוגיים. יתר על כן, הוראת החשמל המתחדשת הציגה יעדים על יצור חשמל בצורה ירוקה ברחבי המדינה.</a:t>
+            </a:r>
+          </a:p>
+          <a:p>
+            <a:pPr marL="0" indent="0" algn="r" rtl="1">
+              <a:buNone/>
+            </a:pPr>
+            <a:r>
+              <a:rPr lang="he-IL" altLang="en-US" sz="1600" dirty="0">
+                <a:solidFill>
+                  <a:srgbClr val="202124"/>
+                </a:solidFill>
+                <a:latin typeface="+mj-lt"/>
+                <a:cs typeface="Arial" panose="020B0604020202020204" pitchFamily="34" charset="0"/>
+              </a:rPr>
+              <a:t>בנוסף, אומצה חקיקה נוספת בנושא דלקים ביולוגיים ויעילות אנרגטית שנועדו בשביל עמידה ביעדי קיוטו בתקופת ההתחייבות הראשונה. מדדים עלו נדונו בין השנים 1998 ל -2006 ונועדו להביא להפחתות לתקופה 2008 עד 2012 (תקופת התחייבות הראשונה של הסכם קיוטו).</a:t>
+            </a:r>
+            <a:r>
+              <a:rPr lang="en-US" altLang="en-US" sz="1600" dirty="0">
+                <a:solidFill>
+                  <a:srgbClr val="202124"/>
+                </a:solidFill>
+                <a:latin typeface="+mj-lt"/>
+                <a:cs typeface="Arial" panose="020B0604020202020204" pitchFamily="34" charset="0"/>
+              </a:rPr>
+              <a:t> </a:t>
+            </a:r>
+          </a:p>
+          <a:p>
+            <a:pPr marL="0" indent="0" algn="r" rtl="1">
+              <a:buNone/>
+            </a:pPr>
+            <a:endParaRPr lang="en-US" altLang="en-US" sz="1800" u="sng" dirty="0"/>
+          </a:p>
+          <a:p>
+            <a:pPr marL="0" indent="0" algn="r" rtl="1">
+              <a:buNone/>
+            </a:pPr>
+            <a:endParaRPr lang="en-US" altLang="en-US" sz="1700" dirty="0">
+              <a:solidFill>
+                <a:srgbClr val="202124"/>
+              </a:solidFill>
+              <a:latin typeface="Google Sans"/>
+              <a:cs typeface="Arial" panose="020B0604020202020204" pitchFamily="34" charset="0"/>
+            </a:endParaRPr>
+          </a:p>
+          <a:p>
+            <a:pPr marL="0" indent="0" algn="r" rtl="1">
+              <a:buNone/>
+            </a:pPr>
+            <a:endParaRPr lang="he-IL" b="1" u="sng" dirty="0"/>
+          </a:p>
+        </p:txBody>
+      </p:sp>
+    </p:spTree>
+    <p:extLst>
+      <p:ext uri="{BB962C8B-B14F-4D97-AF65-F5344CB8AC3E}">
+        <p14:creationId xmlns:p14="http://schemas.microsoft.com/office/powerpoint/2010/main" val="1029100819"/>
+      </p:ext>
+    </p:extLst>
+  </p:cSld>
+  <p:clrMapOvr>
+    <a:masterClrMapping/>
+  </p:clrMapOvr>
+</p:sld>
+</file>
+
+<file path=ppt/slides/slide22.xml><?xml version="1.0" encoding="utf-8"?>
 <p:sld xmlns:a="http://schemas.openxmlformats.org/drawingml/2006/main" xmlns:r="http://schemas.openxmlformats.org/officeDocument/2006/relationships" xmlns:p="http://schemas.openxmlformats.org/presentationml/2006/main">
   <p:cSld>
     <p:spTree>
@@ -9510,506 +9996,6 @@
 </p:sld>
 </file>
 
-<file path=ppt/slides/slide21.xml><?xml version="1.0" encoding="utf-8"?>
-<p:sld xmlns:a="http://schemas.openxmlformats.org/drawingml/2006/main" xmlns:r="http://schemas.openxmlformats.org/officeDocument/2006/relationships" xmlns:p="http://schemas.openxmlformats.org/presentationml/2006/main">
-  <p:cSld>
-    <p:spTree>
-      <p:nvGrpSpPr>
-        <p:cNvPr id="1" name=""/>
-        <p:cNvGrpSpPr/>
-        <p:nvPr/>
-      </p:nvGrpSpPr>
-      <p:grpSpPr>
-        <a:xfrm>
-          <a:off x="0" y="0"/>
-          <a:ext cx="0" cy="0"/>
-          <a:chOff x="0" y="0"/>
-          <a:chExt cx="0" cy="0"/>
-        </a:xfrm>
-      </p:grpSpPr>
-      <p:sp>
-        <p:nvSpPr>
-          <p:cNvPr id="2" name="Title 1">
-            <a:extLst>
-              <a:ext uri="{FF2B5EF4-FFF2-40B4-BE49-F238E27FC236}">
-                <a16:creationId xmlns:a16="http://schemas.microsoft.com/office/drawing/2014/main" id="{48EBC5DB-AC6D-4064-9760-1B18BA79418D}"/>
-              </a:ext>
-            </a:extLst>
-          </p:cNvPr>
-          <p:cNvSpPr>
-            <a:spLocks noGrp="1"/>
-          </p:cNvSpPr>
-          <p:nvPr>
-            <p:ph type="title"/>
-          </p:nvPr>
-        </p:nvSpPr>
-        <p:spPr/>
-        <p:txBody>
-          <a:bodyPr/>
-          <a:lstStyle/>
-          <a:p>
-            <a:pPr algn="r"/>
-            <a:r>
-              <a:rPr lang="he-IL" dirty="0"/>
-              <a:t>האיחוד האירופאי</a:t>
-            </a:r>
-            <a:endParaRPr lang="en-US" dirty="0"/>
-          </a:p>
-        </p:txBody>
-      </p:sp>
-      <p:sp>
-        <p:nvSpPr>
-          <p:cNvPr id="3" name="Content Placeholder 2">
-            <a:extLst>
-              <a:ext uri="{FF2B5EF4-FFF2-40B4-BE49-F238E27FC236}">
-                <a16:creationId xmlns:a16="http://schemas.microsoft.com/office/drawing/2014/main" id="{3430DD5E-4AD0-422B-9873-42C45881E879}"/>
-              </a:ext>
-            </a:extLst>
-          </p:cNvPr>
-          <p:cNvSpPr>
-            <a:spLocks noGrp="1"/>
-          </p:cNvSpPr>
-          <p:nvPr>
-            <p:ph idx="1"/>
-          </p:nvPr>
-        </p:nvSpPr>
-        <p:spPr/>
-        <p:txBody>
-          <a:bodyPr>
-            <a:normAutofit fontScale="92500" lnSpcReduction="20000"/>
-          </a:bodyPr>
-          <a:lstStyle/>
-          <a:p>
-            <a:pPr marL="0" indent="0" algn="r" rtl="1">
-              <a:buNone/>
-            </a:pPr>
-            <a:r>
-              <a:rPr lang="he-IL" sz="2400" b="1" u="sng" dirty="0"/>
-              <a:t>העבר (חוקים ותקנות) המשך:</a:t>
-            </a:r>
-            <a:endParaRPr lang="en-US" sz="2400" b="1" u="sng" dirty="0"/>
-          </a:p>
-          <a:p>
-            <a:pPr marL="0" indent="0" algn="r" rtl="1">
-              <a:buNone/>
-            </a:pPr>
-            <a:r>
-              <a:rPr lang="he-IL" altLang="en-US" sz="1800" u="sng" dirty="0">
-                <a:solidFill>
-                  <a:srgbClr val="202124"/>
-                </a:solidFill>
-                <a:latin typeface="Google Sans"/>
-                <a:cs typeface="Arial" panose="020B0604020202020204" pitchFamily="34" charset="0"/>
-              </a:rPr>
-              <a:t>העסקה הירוקה 2008:</a:t>
-            </a:r>
-          </a:p>
-          <a:p>
-            <a:pPr marL="0" indent="0" algn="r" rtl="1">
-              <a:buNone/>
-            </a:pPr>
-            <a:r>
-              <a:rPr lang="he-IL" altLang="en-US" sz="1600" dirty="0">
-                <a:solidFill>
-                  <a:srgbClr val="202124"/>
-                </a:solidFill>
-                <a:latin typeface="Google Sans"/>
-                <a:cs typeface="Arial" panose="020B0604020202020204" pitchFamily="34" charset="0"/>
-              </a:rPr>
-              <a:t>חבילת אמצעי האקלים והאנרגיה הראשונה של האיחוד האירופי הוסכמה בשנת 2008 וקובעת יעדים לשנת 2020.</a:t>
-            </a:r>
-          </a:p>
-          <a:p>
-            <a:pPr marL="0" indent="0" algn="r" rtl="1">
-              <a:buNone/>
-            </a:pPr>
-            <a:r>
-              <a:rPr lang="he-IL" altLang="en-US" sz="1600" dirty="0">
-                <a:solidFill>
-                  <a:srgbClr val="202124"/>
-                </a:solidFill>
-                <a:latin typeface="Google Sans"/>
-                <a:cs typeface="Arial" panose="020B0604020202020204" pitchFamily="34" charset="0"/>
-              </a:rPr>
-              <a:t>• הפחתת פליטת גזי חממה ב -20% (בהשוואה לשנת 1990) </a:t>
-            </a:r>
-          </a:p>
-          <a:p>
-            <a:pPr marL="0" indent="0" algn="r" rtl="1">
-              <a:buNone/>
-            </a:pPr>
-            <a:r>
-              <a:rPr lang="he-IL" altLang="en-US" sz="1600" dirty="0">
-                <a:solidFill>
-                  <a:srgbClr val="202124"/>
-                </a:solidFill>
-                <a:latin typeface="Google Sans"/>
-                <a:cs typeface="Arial" panose="020B0604020202020204" pitchFamily="34" charset="0"/>
-              </a:rPr>
-              <a:t>• הגדלת חלק האנרגיה המתחדשת ל -20%</a:t>
-            </a:r>
-          </a:p>
-          <a:p>
-            <a:pPr marL="0" indent="0" algn="r" rtl="1">
-              <a:buNone/>
-            </a:pPr>
-            <a:r>
-              <a:rPr lang="he-IL" altLang="en-US" sz="1600" dirty="0">
-                <a:solidFill>
-                  <a:srgbClr val="202124"/>
-                </a:solidFill>
-                <a:latin typeface="Google Sans"/>
-                <a:cs typeface="Arial" panose="020B0604020202020204" pitchFamily="34" charset="0"/>
-              </a:rPr>
-              <a:t>• ביצוע שיפור של 20% בייעול האנרגיה </a:t>
-            </a:r>
-          </a:p>
-          <a:p>
-            <a:pPr marL="0" indent="0" algn="r" rtl="1">
-              <a:buNone/>
-            </a:pPr>
-            <a:r>
-              <a:rPr lang="he-IL" altLang="en-US" sz="1600" dirty="0">
-                <a:solidFill>
-                  <a:srgbClr val="202124"/>
-                </a:solidFill>
-                <a:latin typeface="Google Sans"/>
-                <a:cs typeface="Arial" panose="020B0604020202020204" pitchFamily="34" charset="0"/>
-              </a:rPr>
-              <a:t>כדי להשיג מטרות אלה, האיחוד האירופי פיתח, ומאוחר יותר רפורמה, את מערכת סחר הפליטות באיחוד האירופי</a:t>
-            </a:r>
-            <a:r>
-              <a:rPr lang="en-US" altLang="en-US" sz="1600" dirty="0">
-                <a:solidFill>
-                  <a:srgbClr val="202124"/>
-                </a:solidFill>
-                <a:latin typeface="Google Sans"/>
-                <a:cs typeface="Arial" panose="020B0604020202020204" pitchFamily="34" charset="0"/>
-              </a:rPr>
-              <a:t> (ETS) </a:t>
-            </a:r>
-            <a:r>
-              <a:rPr lang="he-IL" altLang="en-US" sz="1600" dirty="0">
-                <a:solidFill>
-                  <a:srgbClr val="202124"/>
-                </a:solidFill>
-                <a:latin typeface="Google Sans"/>
-                <a:cs typeface="Arial" panose="020B0604020202020204" pitchFamily="34" charset="0"/>
-              </a:rPr>
-              <a:t>שמטרתה לצמצם את פליטת גזי החממה במיוחד מתעשיות עתירות אנרגיה ומתחנות כוח. בענפי הבניין, התחבורה והחקלאות נקבעו יעדי פליטה לאומיים כחלק מהרגולציה על חלוקת המאמצים.</a:t>
-            </a:r>
-            <a:r>
-              <a:rPr lang="en-US" altLang="en-US" sz="1600" dirty="0">
-                <a:solidFill>
-                  <a:srgbClr val="202124"/>
-                </a:solidFill>
-                <a:latin typeface="Google Sans"/>
-                <a:cs typeface="Arial" panose="020B0604020202020204" pitchFamily="34" charset="0"/>
-              </a:rPr>
-              <a:t> </a:t>
-            </a:r>
-            <a:endParaRPr lang="he-IL" altLang="en-US" sz="1600" dirty="0">
-              <a:solidFill>
-                <a:srgbClr val="202124"/>
-              </a:solidFill>
-              <a:latin typeface="Google Sans"/>
-              <a:cs typeface="Arial" panose="020B0604020202020204" pitchFamily="34" charset="0"/>
-            </a:endParaRPr>
-          </a:p>
-          <a:p>
-            <a:pPr marL="0" indent="0" algn="r" rtl="1">
-              <a:buNone/>
-            </a:pPr>
-            <a:r>
-              <a:rPr lang="he-IL" altLang="en-US" sz="1800" u="sng" dirty="0">
-                <a:solidFill>
-                  <a:srgbClr val="202124"/>
-                </a:solidFill>
-                <a:latin typeface="Google Sans"/>
-                <a:cs typeface="Arial" panose="020B0604020202020204" pitchFamily="34" charset="0"/>
-              </a:rPr>
-              <a:t>הסכם פריז 2015</a:t>
-            </a:r>
-          </a:p>
-          <a:p>
-            <a:pPr marL="0" indent="0" algn="r" rtl="1">
-              <a:buNone/>
-            </a:pPr>
-            <a:r>
-              <a:rPr lang="he-IL" altLang="en-US" sz="1600" dirty="0">
-                <a:solidFill>
-                  <a:srgbClr val="202124"/>
-                </a:solidFill>
-                <a:latin typeface="Google Sans"/>
-                <a:cs typeface="Arial" panose="020B0604020202020204" pitchFamily="34" charset="0"/>
-              </a:rPr>
-              <a:t>הסכם פריז קובע מסגרת עולמית למניעת שינויי אקלים מסוכנים על ידי הגבלת ההתחממות הגלובלית אל מתחת ל -2 מעלות צלזיוס ומאמץ להגביל אותה ל -1.5 מעלות צלזיוס. מטרתה גם לחזק את יכולתן של המדינות להתמודד עם ההשפעות של שינויי האקלים ולתמוך בהן במאמציהן</a:t>
-            </a:r>
-            <a:r>
-              <a:rPr lang="en-US" altLang="en-US" sz="1600" dirty="0">
-                <a:solidFill>
-                  <a:srgbClr val="202124"/>
-                </a:solidFill>
-                <a:latin typeface="Google Sans"/>
-                <a:cs typeface="Arial" panose="020B0604020202020204" pitchFamily="34" charset="0"/>
-              </a:rPr>
-              <a:t>. </a:t>
-            </a:r>
-          </a:p>
-          <a:p>
-            <a:pPr marL="0" indent="0" algn="r" rtl="1">
-              <a:buNone/>
-            </a:pPr>
-            <a:endParaRPr lang="en-US" altLang="en-US" sz="1600" dirty="0">
-              <a:solidFill>
-                <a:srgbClr val="202124"/>
-              </a:solidFill>
-              <a:latin typeface="Google Sans"/>
-              <a:cs typeface="Arial" panose="020B0604020202020204" pitchFamily="34" charset="0"/>
-            </a:endParaRPr>
-          </a:p>
-          <a:p>
-            <a:pPr marL="0" indent="0" algn="r" rtl="1">
-              <a:buNone/>
-            </a:pPr>
-            <a:endParaRPr lang="he-IL" b="1" u="sng" dirty="0"/>
-          </a:p>
-        </p:txBody>
-      </p:sp>
-    </p:spTree>
-    <p:extLst>
-      <p:ext uri="{BB962C8B-B14F-4D97-AF65-F5344CB8AC3E}">
-        <p14:creationId xmlns:p14="http://schemas.microsoft.com/office/powerpoint/2010/main" val="24971852"/>
-      </p:ext>
-    </p:extLst>
-  </p:cSld>
-  <p:clrMapOvr>
-    <a:masterClrMapping/>
-  </p:clrMapOvr>
-</p:sld>
-</file>
-
-<file path=ppt/slides/slide22.xml><?xml version="1.0" encoding="utf-8"?>
-<p:sld xmlns:a="http://schemas.openxmlformats.org/drawingml/2006/main" xmlns:r="http://schemas.openxmlformats.org/officeDocument/2006/relationships" xmlns:p="http://schemas.openxmlformats.org/presentationml/2006/main">
-  <p:cSld>
-    <p:spTree>
-      <p:nvGrpSpPr>
-        <p:cNvPr id="1" name=""/>
-        <p:cNvGrpSpPr/>
-        <p:nvPr/>
-      </p:nvGrpSpPr>
-      <p:grpSpPr>
-        <a:xfrm>
-          <a:off x="0" y="0"/>
-          <a:ext cx="0" cy="0"/>
-          <a:chOff x="0" y="0"/>
-          <a:chExt cx="0" cy="0"/>
-        </a:xfrm>
-      </p:grpSpPr>
-      <p:sp>
-        <p:nvSpPr>
-          <p:cNvPr id="2" name="Title 1">
-            <a:extLst>
-              <a:ext uri="{FF2B5EF4-FFF2-40B4-BE49-F238E27FC236}">
-                <a16:creationId xmlns:a16="http://schemas.microsoft.com/office/drawing/2014/main" id="{723F4E72-D791-4CA8-88A5-D9EE4B39CA08}"/>
-              </a:ext>
-            </a:extLst>
-          </p:cNvPr>
-          <p:cNvSpPr>
-            <a:spLocks noGrp="1"/>
-          </p:cNvSpPr>
-          <p:nvPr>
-            <p:ph type="title"/>
-          </p:nvPr>
-        </p:nvSpPr>
-        <p:spPr/>
-        <p:txBody>
-          <a:bodyPr/>
-          <a:lstStyle/>
-          <a:p>
-            <a:pPr algn="r"/>
-            <a:r>
-              <a:rPr lang="he-IL" dirty="0"/>
-              <a:t>האיחוד האירופאי</a:t>
-            </a:r>
-            <a:endParaRPr lang="en-US" dirty="0"/>
-          </a:p>
-        </p:txBody>
-      </p:sp>
-      <p:sp>
-        <p:nvSpPr>
-          <p:cNvPr id="3" name="Content Placeholder 2">
-            <a:extLst>
-              <a:ext uri="{FF2B5EF4-FFF2-40B4-BE49-F238E27FC236}">
-                <a16:creationId xmlns:a16="http://schemas.microsoft.com/office/drawing/2014/main" id="{CEBAD573-D1AC-4591-A0D6-E1FBCACBF529}"/>
-              </a:ext>
-            </a:extLst>
-          </p:cNvPr>
-          <p:cNvSpPr>
-            <a:spLocks noGrp="1"/>
-          </p:cNvSpPr>
-          <p:nvPr>
-            <p:ph idx="1"/>
-          </p:nvPr>
-        </p:nvSpPr>
-        <p:spPr>
-          <a:xfrm>
-            <a:off x="785091" y="1825625"/>
-            <a:ext cx="10515600" cy="4351338"/>
-          </a:xfrm>
-        </p:spPr>
-        <p:txBody>
-          <a:bodyPr>
-            <a:normAutofit/>
-          </a:bodyPr>
-          <a:lstStyle/>
-          <a:p>
-            <a:pPr marL="0" indent="0" algn="r" rtl="1">
-              <a:buNone/>
-            </a:pPr>
-            <a:r>
-              <a:rPr lang="he-IL" sz="2400" b="1" u="sng" dirty="0"/>
-              <a:t>העתיד:</a:t>
-            </a:r>
-          </a:p>
-          <a:p>
-            <a:pPr marL="0" marR="0" lvl="0" indent="0" algn="r" defTabSz="914400" rtl="0" eaLnBrk="0" fontAlgn="base" latinLnBrk="0" hangingPunct="0">
-              <a:lnSpc>
-                <a:spcPct val="100000"/>
-              </a:lnSpc>
-              <a:spcBef>
-                <a:spcPct val="0"/>
-              </a:spcBef>
-              <a:spcAft>
-                <a:spcPct val="0"/>
-              </a:spcAft>
-              <a:buClrTx/>
-              <a:buSzTx/>
-              <a:buFontTx/>
-              <a:buNone/>
-              <a:tabLst/>
-            </a:pPr>
-            <a:r>
-              <a:rPr kumimoji="0" lang="he-IL" altLang="en-US" sz="1600" b="0" i="0" u="none" strike="noStrike" cap="none" normalizeH="0" baseline="0" dirty="0">
-                <a:ln>
-                  <a:noFill/>
-                </a:ln>
-                <a:solidFill>
-                  <a:srgbClr val="202124"/>
-                </a:solidFill>
-                <a:effectLst/>
-                <a:latin typeface="Google Sans"/>
-                <a:cs typeface="Arial" panose="020B0604020202020204" pitchFamily="34" charset="0"/>
-              </a:rPr>
-              <a:t>האיחוד האירופי כבר מקדים את היעדים עליו התחייב, בשנת 2018 פליטת גזי החממה הופחתה ב -23%, כלומר שלוש אחוזים מעל היעד הראשוני של 20%. בדצמבר 2020, לאור הצורך להגביר את שאיפת האקלים, גם כנדרש בהסכם פריז, המועצה האירופית אישרה יעד חדש לשנת 2030 להפחתת פליטות. מנהיגי האיחוד האירופי הסכימו על יעד מחייב של האיחוד האירופי להפחתה מקומית נטו של לפחות 55% בפליטת גזי החממה.</a:t>
-            </a:r>
-            <a:br>
-              <a:rPr kumimoji="0" lang="en-US" altLang="en-US" sz="1600" b="0" i="0" u="none" strike="noStrike" cap="none" normalizeH="0" baseline="0" dirty="0">
-                <a:ln>
-                  <a:noFill/>
-                </a:ln>
-                <a:solidFill>
-                  <a:srgbClr val="202124"/>
-                </a:solidFill>
-                <a:effectLst/>
-                <a:latin typeface="Google Sans"/>
-                <a:cs typeface="Arial" panose="020B0604020202020204" pitchFamily="34" charset="0"/>
-              </a:rPr>
-            </a:br>
-            <a:r>
-              <a:rPr kumimoji="0" lang="he-IL" altLang="en-US" sz="1600" b="0" i="0" u="none" strike="noStrike" cap="none" normalizeH="0" baseline="0" dirty="0">
-                <a:ln>
-                  <a:noFill/>
-                </a:ln>
-                <a:solidFill>
-                  <a:srgbClr val="202124"/>
-                </a:solidFill>
-                <a:effectLst/>
-                <a:latin typeface="Google Sans"/>
-                <a:cs typeface="Arial" panose="020B0604020202020204" pitchFamily="34" charset="0"/>
-              </a:rPr>
-              <a:t>בדצמבר 2019 אישרו מנהיגי האיחוד האירופי את המטרה להשיג איחוד אירופי אקלים ניטרלי עד 2050. פולין לא יכלה להתחייב בשלב זה ליישם מטרה זו והמועצה האירופית הסכימה להגיש את הנושא בפגישה עתידית. מנהיגי האיחוד האירופי ביקשו מהמועצה להמשיך את העבודה בנושא העסקה הירוקה האירופית.</a:t>
-            </a:r>
-          </a:p>
-          <a:p>
-            <a:pPr marL="0" marR="0" lvl="0" indent="0" algn="r" defTabSz="914400" rtl="0" eaLnBrk="0" fontAlgn="base" latinLnBrk="0" hangingPunct="0">
-              <a:lnSpc>
-                <a:spcPct val="100000"/>
-              </a:lnSpc>
-              <a:spcBef>
-                <a:spcPct val="0"/>
-              </a:spcBef>
-              <a:spcAft>
-                <a:spcPct val="0"/>
-              </a:spcAft>
-              <a:buClrTx/>
-              <a:buSzTx/>
-              <a:buFontTx/>
-              <a:buNone/>
-              <a:tabLst/>
-            </a:pPr>
-            <a:r>
-              <a:rPr kumimoji="0" lang="he-IL" altLang="en-US" sz="1600" b="0" i="0" u="none" strike="noStrike" cap="none" normalizeH="0" baseline="0" dirty="0">
-                <a:ln>
-                  <a:noFill/>
-                </a:ln>
-                <a:solidFill>
-                  <a:srgbClr val="202124"/>
-                </a:solidFill>
-                <a:effectLst/>
-                <a:latin typeface="Google Sans"/>
-                <a:cs typeface="Arial" panose="020B0604020202020204" pitchFamily="34" charset="0"/>
-              </a:rPr>
-              <a:t>המועצה האירופית הזמינה את הנציבות להכין הצעה לאסטרטגיה ארוכת הטווח של האיחוד האירופי מוקדם ככל האפשר בשנת 2020 כנדרש בהסכם פריז. </a:t>
-            </a:r>
-            <a:endParaRPr kumimoji="0" lang="en-US" altLang="en-US" sz="1200" b="0" i="0" u="none" strike="noStrike" cap="none" normalizeH="0" baseline="0" dirty="0">
-              <a:ln>
-                <a:noFill/>
-              </a:ln>
-              <a:solidFill>
-                <a:schemeClr val="tx1"/>
-              </a:solidFill>
-              <a:effectLst/>
-              <a:latin typeface="Arial" panose="020B0604020202020204" pitchFamily="34" charset="0"/>
-            </a:endParaRPr>
-          </a:p>
-          <a:p>
-            <a:pPr marL="0" indent="0" algn="r" rtl="1">
-              <a:buNone/>
-            </a:pPr>
-            <a:endParaRPr kumimoji="0" lang="he-IL" altLang="en-US" sz="1600" b="0" i="0" u="none" strike="noStrike" cap="none" normalizeH="0" baseline="0" dirty="0">
-              <a:ln>
-                <a:noFill/>
-              </a:ln>
-              <a:solidFill>
-                <a:srgbClr val="202124"/>
-              </a:solidFill>
-              <a:effectLst/>
-              <a:latin typeface="Google Sans"/>
-              <a:cs typeface="Arial" panose="020B0604020202020204" pitchFamily="34" charset="0"/>
-            </a:endParaRPr>
-          </a:p>
-          <a:p>
-            <a:pPr marL="0" indent="0" algn="r" rtl="1">
-              <a:buNone/>
-            </a:pPr>
-            <a:endParaRPr lang="en-US" altLang="en-US" sz="2800" u="sng" dirty="0"/>
-          </a:p>
-        </p:txBody>
-      </p:sp>
-    </p:spTree>
-    <p:extLst>
-      <p:ext uri="{BB962C8B-B14F-4D97-AF65-F5344CB8AC3E}">
-        <p14:creationId xmlns:p14="http://schemas.microsoft.com/office/powerpoint/2010/main" val="2766655536"/>
-      </p:ext>
-    </p:extLst>
-  </p:cSld>
-  <p:clrMapOvr>
-    <a:masterClrMapping/>
-  </p:clrMapOvr>
-</p:sld>
-</file>
-
 <file path=ppt/slides/slide23.xml><?xml version="1.0" encoding="utf-8"?>
 <p:sld xmlns:a="http://schemas.openxmlformats.org/drawingml/2006/main" xmlns:r="http://schemas.openxmlformats.org/officeDocument/2006/relationships" xmlns:p="http://schemas.openxmlformats.org/presentationml/2006/main">
   <p:cSld>
@@ -10032,6 +10018,386 @@
           <p:cNvPr id="2" name="Title 1">
             <a:extLst>
               <a:ext uri="{FF2B5EF4-FFF2-40B4-BE49-F238E27FC236}">
+                <a16:creationId xmlns:a16="http://schemas.microsoft.com/office/drawing/2014/main" id="{48EBC5DB-AC6D-4064-9760-1B18BA79418D}"/>
+              </a:ext>
+            </a:extLst>
+          </p:cNvPr>
+          <p:cNvSpPr>
+            <a:spLocks noGrp="1"/>
+          </p:cNvSpPr>
+          <p:nvPr>
+            <p:ph type="title"/>
+          </p:nvPr>
+        </p:nvSpPr>
+        <p:spPr/>
+        <p:txBody>
+          <a:bodyPr>
+            <a:normAutofit/>
+          </a:bodyPr>
+          <a:lstStyle/>
+          <a:p>
+            <a:pPr algn="r"/>
+            <a:r>
+              <a:rPr lang="he-IL" sz="5800" dirty="0"/>
+              <a:t>האיחוד האירופאי</a:t>
+            </a:r>
+            <a:endParaRPr lang="en-US" sz="5800" dirty="0"/>
+          </a:p>
+        </p:txBody>
+      </p:sp>
+      <p:sp>
+        <p:nvSpPr>
+          <p:cNvPr id="3" name="Content Placeholder 2">
+            <a:extLst>
+              <a:ext uri="{FF2B5EF4-FFF2-40B4-BE49-F238E27FC236}">
+                <a16:creationId xmlns:a16="http://schemas.microsoft.com/office/drawing/2014/main" id="{3430DD5E-4AD0-422B-9873-42C45881E879}"/>
+              </a:ext>
+            </a:extLst>
+          </p:cNvPr>
+          <p:cNvSpPr>
+            <a:spLocks noGrp="1"/>
+          </p:cNvSpPr>
+          <p:nvPr>
+            <p:ph idx="1"/>
+          </p:nvPr>
+        </p:nvSpPr>
+        <p:spPr/>
+        <p:txBody>
+          <a:bodyPr>
+            <a:normAutofit/>
+          </a:bodyPr>
+          <a:lstStyle/>
+          <a:p>
+            <a:pPr marL="0" indent="0" algn="r" rtl="1">
+              <a:buNone/>
+            </a:pPr>
+            <a:r>
+              <a:rPr lang="he-IL" sz="2600" b="1" u="sng" dirty="0"/>
+              <a:t>העבר (חוקים ותקנות) המשך:</a:t>
+            </a:r>
+            <a:endParaRPr lang="en-US" sz="2600" b="1" u="sng" dirty="0"/>
+          </a:p>
+          <a:p>
+            <a:pPr marL="0" indent="0" algn="r" rtl="1">
+              <a:buNone/>
+            </a:pPr>
+            <a:r>
+              <a:rPr lang="he-IL" altLang="en-US" u="sng" dirty="0">
+                <a:solidFill>
+                  <a:srgbClr val="202124"/>
+                </a:solidFill>
+                <a:latin typeface="Google Sans"/>
+                <a:cs typeface="Arial" panose="020B0604020202020204" pitchFamily="34" charset="0"/>
+              </a:rPr>
+              <a:t>העסקה הירוקה 2008:</a:t>
+            </a:r>
+          </a:p>
+          <a:p>
+            <a:pPr marL="0" indent="0" algn="r" rtl="1">
+              <a:buNone/>
+            </a:pPr>
+            <a:r>
+              <a:rPr lang="he-IL" altLang="en-US" sz="1600" dirty="0">
+                <a:solidFill>
+                  <a:srgbClr val="202124"/>
+                </a:solidFill>
+                <a:latin typeface="Google Sans"/>
+                <a:cs typeface="Arial" panose="020B0604020202020204" pitchFamily="34" charset="0"/>
+              </a:rPr>
+              <a:t>חבילת אמצעי האקלים והאנרגיה הראשונה של האיחוד האירופי הוסכמה בשנת 2008 וקובעת יעדים לשנת 2020.</a:t>
+            </a:r>
+          </a:p>
+          <a:p>
+            <a:pPr marL="0" indent="0" algn="r" rtl="1">
+              <a:buNone/>
+            </a:pPr>
+            <a:r>
+              <a:rPr lang="he-IL" altLang="en-US" sz="1600" dirty="0">
+                <a:solidFill>
+                  <a:srgbClr val="202124"/>
+                </a:solidFill>
+                <a:latin typeface="Google Sans"/>
+                <a:cs typeface="Arial" panose="020B0604020202020204" pitchFamily="34" charset="0"/>
+              </a:rPr>
+              <a:t>• הפחתת פליטת גזי חממה ב -20% (בהשוואה לשנת 1990) </a:t>
+            </a:r>
+          </a:p>
+          <a:p>
+            <a:pPr marL="0" indent="0" algn="r" rtl="1">
+              <a:buNone/>
+            </a:pPr>
+            <a:r>
+              <a:rPr lang="he-IL" altLang="en-US" sz="1600" dirty="0">
+                <a:solidFill>
+                  <a:srgbClr val="202124"/>
+                </a:solidFill>
+                <a:latin typeface="Google Sans"/>
+                <a:cs typeface="Arial" panose="020B0604020202020204" pitchFamily="34" charset="0"/>
+              </a:rPr>
+              <a:t>• הגדלת חלק האנרגיה המתחדשת ל -20%</a:t>
+            </a:r>
+          </a:p>
+          <a:p>
+            <a:pPr marL="0" indent="0" algn="r" rtl="1">
+              <a:buNone/>
+            </a:pPr>
+            <a:r>
+              <a:rPr lang="he-IL" altLang="en-US" sz="1600" dirty="0">
+                <a:solidFill>
+                  <a:srgbClr val="202124"/>
+                </a:solidFill>
+                <a:latin typeface="Google Sans"/>
+                <a:cs typeface="Arial" panose="020B0604020202020204" pitchFamily="34" charset="0"/>
+              </a:rPr>
+              <a:t>• ביצוע שיפור של 20% בייעול האנרגיה </a:t>
+            </a:r>
+          </a:p>
+          <a:p>
+            <a:pPr marL="0" indent="0" algn="r" rtl="1">
+              <a:buNone/>
+            </a:pPr>
+            <a:r>
+              <a:rPr lang="he-IL" altLang="en-US" sz="1600" dirty="0">
+                <a:solidFill>
+                  <a:srgbClr val="202124"/>
+                </a:solidFill>
+                <a:latin typeface="Google Sans"/>
+                <a:cs typeface="Arial" panose="020B0604020202020204" pitchFamily="34" charset="0"/>
+              </a:rPr>
+              <a:t>כדי להשיג מטרות אלה, האיחוד האירופי פיתח, ומאוחר יותר רפורמה, את מערכת סחר הפליטות באיחוד האירופי</a:t>
+            </a:r>
+            <a:r>
+              <a:rPr lang="en-US" altLang="en-US" sz="1600" dirty="0">
+                <a:solidFill>
+                  <a:srgbClr val="202124"/>
+                </a:solidFill>
+                <a:latin typeface="Google Sans"/>
+                <a:cs typeface="Arial" panose="020B0604020202020204" pitchFamily="34" charset="0"/>
+              </a:rPr>
+              <a:t> (ETS) </a:t>
+            </a:r>
+            <a:r>
+              <a:rPr lang="he-IL" altLang="en-US" sz="1600" dirty="0">
+                <a:solidFill>
+                  <a:srgbClr val="202124"/>
+                </a:solidFill>
+                <a:latin typeface="Google Sans"/>
+                <a:cs typeface="Arial" panose="020B0604020202020204" pitchFamily="34" charset="0"/>
+              </a:rPr>
+              <a:t>שמטרתה לצמצם את פליטת גזי החממה במיוחד מתעשיות עתירות אנרגיה ומתחנות כוח. בענפי הבניין, התחבורה והחקלאות נקבעו יעדי פליטה לאומיים כחלק מהרגולציה על חלוקת המאמצים.</a:t>
+            </a:r>
+            <a:r>
+              <a:rPr lang="en-US" altLang="en-US" sz="1600" dirty="0">
+                <a:solidFill>
+                  <a:srgbClr val="202124"/>
+                </a:solidFill>
+                <a:latin typeface="Google Sans"/>
+                <a:cs typeface="Arial" panose="020B0604020202020204" pitchFamily="34" charset="0"/>
+              </a:rPr>
+              <a:t> </a:t>
+            </a:r>
+            <a:endParaRPr lang="he-IL" altLang="en-US" sz="1600" dirty="0">
+              <a:solidFill>
+                <a:srgbClr val="202124"/>
+              </a:solidFill>
+              <a:latin typeface="Google Sans"/>
+              <a:cs typeface="Arial" panose="020B0604020202020204" pitchFamily="34" charset="0"/>
+            </a:endParaRPr>
+          </a:p>
+          <a:p>
+            <a:pPr marL="0" indent="0" algn="r" rtl="1">
+              <a:buNone/>
+            </a:pPr>
+            <a:endParaRPr lang="en-US" altLang="en-US" sz="1600" dirty="0">
+              <a:solidFill>
+                <a:srgbClr val="202124"/>
+              </a:solidFill>
+              <a:latin typeface="Google Sans"/>
+              <a:cs typeface="Arial" panose="020B0604020202020204" pitchFamily="34" charset="0"/>
+            </a:endParaRPr>
+          </a:p>
+          <a:p>
+            <a:pPr marL="0" indent="0" algn="r" rtl="1">
+              <a:buNone/>
+            </a:pPr>
+            <a:endParaRPr lang="he-IL" b="1" u="sng" dirty="0"/>
+          </a:p>
+        </p:txBody>
+      </p:sp>
+    </p:spTree>
+    <p:extLst>
+      <p:ext uri="{BB962C8B-B14F-4D97-AF65-F5344CB8AC3E}">
+        <p14:creationId xmlns:p14="http://schemas.microsoft.com/office/powerpoint/2010/main" val="24971852"/>
+      </p:ext>
+    </p:extLst>
+  </p:cSld>
+  <p:clrMapOvr>
+    <a:masterClrMapping/>
+  </p:clrMapOvr>
+</p:sld>
+</file>
+
+<file path=ppt/slides/slide24.xml><?xml version="1.0" encoding="utf-8"?>
+<p:sld xmlns:a="http://schemas.openxmlformats.org/drawingml/2006/main" xmlns:r="http://schemas.openxmlformats.org/officeDocument/2006/relationships" xmlns:p="http://schemas.openxmlformats.org/presentationml/2006/main">
+  <p:cSld>
+    <p:spTree>
+      <p:nvGrpSpPr>
+        <p:cNvPr id="1" name=""/>
+        <p:cNvGrpSpPr/>
+        <p:nvPr/>
+      </p:nvGrpSpPr>
+      <p:grpSpPr>
+        <a:xfrm>
+          <a:off x="0" y="0"/>
+          <a:ext cx="0" cy="0"/>
+          <a:chOff x="0" y="0"/>
+          <a:chExt cx="0" cy="0"/>
+        </a:xfrm>
+      </p:grpSpPr>
+      <p:sp>
+        <p:nvSpPr>
+          <p:cNvPr id="2" name="Title 1">
+            <a:extLst>
+              <a:ext uri="{FF2B5EF4-FFF2-40B4-BE49-F238E27FC236}">
+                <a16:creationId xmlns:a16="http://schemas.microsoft.com/office/drawing/2014/main" id="{48EBC5DB-AC6D-4064-9760-1B18BA79418D}"/>
+              </a:ext>
+            </a:extLst>
+          </p:cNvPr>
+          <p:cNvSpPr>
+            <a:spLocks noGrp="1"/>
+          </p:cNvSpPr>
+          <p:nvPr>
+            <p:ph type="title"/>
+          </p:nvPr>
+        </p:nvSpPr>
+        <p:spPr/>
+        <p:txBody>
+          <a:bodyPr>
+            <a:normAutofit/>
+          </a:bodyPr>
+          <a:lstStyle/>
+          <a:p>
+            <a:pPr algn="r"/>
+            <a:r>
+              <a:rPr lang="he-IL" sz="5800" dirty="0"/>
+              <a:t>האיחוד האירופאי</a:t>
+            </a:r>
+            <a:endParaRPr lang="en-US" sz="5800" dirty="0"/>
+          </a:p>
+        </p:txBody>
+      </p:sp>
+      <p:sp>
+        <p:nvSpPr>
+          <p:cNvPr id="3" name="Content Placeholder 2">
+            <a:extLst>
+              <a:ext uri="{FF2B5EF4-FFF2-40B4-BE49-F238E27FC236}">
+                <a16:creationId xmlns:a16="http://schemas.microsoft.com/office/drawing/2014/main" id="{3430DD5E-4AD0-422B-9873-42C45881E879}"/>
+              </a:ext>
+            </a:extLst>
+          </p:cNvPr>
+          <p:cNvSpPr>
+            <a:spLocks noGrp="1"/>
+          </p:cNvSpPr>
+          <p:nvPr>
+            <p:ph idx="1"/>
+          </p:nvPr>
+        </p:nvSpPr>
+        <p:spPr/>
+        <p:txBody>
+          <a:bodyPr>
+            <a:normAutofit/>
+          </a:bodyPr>
+          <a:lstStyle/>
+          <a:p>
+            <a:pPr marL="0" indent="0" algn="r" rtl="1">
+              <a:buNone/>
+            </a:pPr>
+            <a:r>
+              <a:rPr lang="he-IL" sz="2600" b="1" u="sng" dirty="0"/>
+              <a:t>העבר (חוקים ותקנות) המשך:</a:t>
+            </a:r>
+            <a:endParaRPr lang="en-US" sz="2600" b="1" u="sng" dirty="0"/>
+          </a:p>
+          <a:p>
+            <a:pPr marL="0" indent="0" algn="r" rtl="1">
+              <a:buNone/>
+            </a:pPr>
+            <a:r>
+              <a:rPr lang="he-IL" altLang="en-US" sz="1600" dirty="0">
+                <a:solidFill>
+                  <a:srgbClr val="202124"/>
+                </a:solidFill>
+                <a:latin typeface="Google Sans"/>
+                <a:cs typeface="Arial" panose="020B0604020202020204" pitchFamily="34" charset="0"/>
+              </a:rPr>
+              <a:t>הסכם פריז קובע מסגרת עולמית למניעת שינויי אקלים מסוכנים על ידי הגבלת ההתחממות הגלובלית אל מתחת ל -2 מעלות צלזיוס ומאמץ להגביל אותה ל -1.5 מעלות צלזיוס. מטרתה גם לחזק את יכולתן של המדינות להתמודד עם ההשפעות של שינויי האקלים ולתמוך בהן במאמציהן</a:t>
+            </a:r>
+            <a:r>
+              <a:rPr lang="en-US" altLang="en-US" sz="1600" dirty="0">
+                <a:solidFill>
+                  <a:srgbClr val="202124"/>
+                </a:solidFill>
+                <a:latin typeface="Google Sans"/>
+                <a:cs typeface="Arial" panose="020B0604020202020204" pitchFamily="34" charset="0"/>
+              </a:rPr>
+              <a:t>. </a:t>
+            </a:r>
+          </a:p>
+          <a:p>
+            <a:pPr marL="0" indent="0" algn="r" rtl="1">
+              <a:buNone/>
+            </a:pPr>
+            <a:endParaRPr lang="en-US" altLang="en-US" sz="1600" dirty="0">
+              <a:solidFill>
+                <a:srgbClr val="202124"/>
+              </a:solidFill>
+              <a:latin typeface="Google Sans"/>
+              <a:cs typeface="Arial" panose="020B0604020202020204" pitchFamily="34" charset="0"/>
+            </a:endParaRPr>
+          </a:p>
+          <a:p>
+            <a:pPr marL="0" indent="0" algn="r" rtl="1">
+              <a:buNone/>
+            </a:pPr>
+            <a:endParaRPr lang="he-IL" b="1" u="sng" dirty="0"/>
+          </a:p>
+        </p:txBody>
+      </p:sp>
+    </p:spTree>
+    <p:extLst>
+      <p:ext uri="{BB962C8B-B14F-4D97-AF65-F5344CB8AC3E}">
+        <p14:creationId xmlns:p14="http://schemas.microsoft.com/office/powerpoint/2010/main" val="3144624524"/>
+      </p:ext>
+    </p:extLst>
+  </p:cSld>
+  <p:clrMapOvr>
+    <a:masterClrMapping/>
+  </p:clrMapOvr>
+</p:sld>
+</file>
+
+<file path=ppt/slides/slide25.xml><?xml version="1.0" encoding="utf-8"?>
+<p:sld xmlns:a="http://schemas.openxmlformats.org/drawingml/2006/main" xmlns:r="http://schemas.openxmlformats.org/officeDocument/2006/relationships" xmlns:p="http://schemas.openxmlformats.org/presentationml/2006/main">
+  <p:cSld>
+    <p:spTree>
+      <p:nvGrpSpPr>
+        <p:cNvPr id="1" name=""/>
+        <p:cNvGrpSpPr/>
+        <p:nvPr/>
+      </p:nvGrpSpPr>
+      <p:grpSpPr>
+        <a:xfrm>
+          <a:off x="0" y="0"/>
+          <a:ext cx="0" cy="0"/>
+          <a:chOff x="0" y="0"/>
+          <a:chExt cx="0" cy="0"/>
+        </a:xfrm>
+      </p:grpSpPr>
+      <p:sp>
+        <p:nvSpPr>
+          <p:cNvPr id="2" name="Title 1">
+            <a:extLst>
+              <a:ext uri="{FF2B5EF4-FFF2-40B4-BE49-F238E27FC236}">
                 <a16:creationId xmlns:a16="http://schemas.microsoft.com/office/drawing/2014/main" id="{723F4E72-D791-4CA8-88A5-D9EE4B39CA08}"/>
               </a:ext>
             </a:extLst>
@@ -10045,15 +10411,17 @@
         </p:nvSpPr>
         <p:spPr/>
         <p:txBody>
-          <a:bodyPr/>
+          <a:bodyPr>
+            <a:normAutofit/>
+          </a:bodyPr>
           <a:lstStyle/>
           <a:p>
             <a:pPr algn="r"/>
             <a:r>
-              <a:rPr lang="he-IL" dirty="0"/>
+              <a:rPr lang="he-IL" sz="5800" dirty="0"/>
               <a:t>האיחוד האירופאי</a:t>
             </a:r>
-            <a:endParaRPr lang="en-US" dirty="0"/>
+            <a:endParaRPr lang="en-US" sz="5800" dirty="0"/>
           </a:p>
         </p:txBody>
       </p:sp>
@@ -10076,7 +10444,230 @@
         <p:spPr>
           <a:xfrm>
             <a:off x="785091" y="1825625"/>
-            <a:ext cx="10515600" cy="4351338"/>
+            <a:ext cx="8488911" cy="4351338"/>
+          </a:xfrm>
+        </p:spPr>
+        <p:txBody>
+          <a:bodyPr>
+            <a:normAutofit/>
+          </a:bodyPr>
+          <a:lstStyle/>
+          <a:p>
+            <a:pPr marL="0" indent="0" algn="r" rtl="1">
+              <a:buNone/>
+            </a:pPr>
+            <a:r>
+              <a:rPr lang="he-IL" sz="2400" b="1" u="sng" dirty="0"/>
+              <a:t>העתיד:</a:t>
+            </a:r>
+          </a:p>
+          <a:p>
+            <a:pPr marL="0" marR="0" lvl="0" indent="0" algn="r" defTabSz="914400" rtl="0" eaLnBrk="0" fontAlgn="base" latinLnBrk="0" hangingPunct="0">
+              <a:lnSpc>
+                <a:spcPct val="100000"/>
+              </a:lnSpc>
+              <a:spcBef>
+                <a:spcPct val="0"/>
+              </a:spcBef>
+              <a:spcAft>
+                <a:spcPct val="0"/>
+              </a:spcAft>
+              <a:buClrTx/>
+              <a:buSzTx/>
+              <a:buFontTx/>
+              <a:buNone/>
+              <a:tabLst/>
+            </a:pPr>
+            <a:r>
+              <a:rPr kumimoji="0" lang="he-IL" altLang="en-US" sz="1600" b="0" i="0" u="none" strike="noStrike" cap="none" normalizeH="0" baseline="0" dirty="0">
+                <a:ln>
+                  <a:noFill/>
+                </a:ln>
+                <a:solidFill>
+                  <a:srgbClr val="202124"/>
+                </a:solidFill>
+                <a:effectLst/>
+                <a:latin typeface="+mj-lt"/>
+                <a:cs typeface="Arial" panose="020B0604020202020204" pitchFamily="34" charset="0"/>
+              </a:rPr>
+              <a:t>האיחוד האירופי כבר מקדים את היעדים עליו התחייב, בשנת 2018 פליטת גזי החממה הופחתה ב -23%, כלומר שלוש אחוזים מעל היעד הראשוני של 20%. בדצמבר 2020, לאור הצורך להגביר את שאיפת האקלים, גם כנדרש בהסכם פריז, המועצה האירופית אישרה יעד חדש לשנת 2030 להפחתת פליטות. מנהיגי האיחוד האירופי הסכימו על יעד מחייב של האיחוד האירופי להפחתה מקומית נטו של לפחות 55% בפליטת גזי החממה.</a:t>
+            </a:r>
+            <a:br>
+              <a:rPr kumimoji="0" lang="en-US" altLang="en-US" sz="1600" b="0" i="0" u="none" strike="noStrike" cap="none" normalizeH="0" baseline="0" dirty="0">
+                <a:ln>
+                  <a:noFill/>
+                </a:ln>
+                <a:solidFill>
+                  <a:srgbClr val="202124"/>
+                </a:solidFill>
+                <a:effectLst/>
+                <a:latin typeface="+mj-lt"/>
+                <a:cs typeface="Arial" panose="020B0604020202020204" pitchFamily="34" charset="0"/>
+              </a:rPr>
+            </a:br>
+            <a:r>
+              <a:rPr kumimoji="0" lang="he-IL" altLang="en-US" sz="1600" b="0" i="0" u="none" strike="noStrike" cap="none" normalizeH="0" baseline="0" dirty="0">
+                <a:ln>
+                  <a:noFill/>
+                </a:ln>
+                <a:solidFill>
+                  <a:srgbClr val="202124"/>
+                </a:solidFill>
+                <a:effectLst/>
+                <a:latin typeface="+mj-lt"/>
+                <a:cs typeface="Arial" panose="020B0604020202020204" pitchFamily="34" charset="0"/>
+              </a:rPr>
+              <a:t>בדצמבר 2019 אישרו מנהיגי האיחוד האירופי את המטרה להשיג איחוד אירופי אקלים ניטרלי עד 2050. פולין לא יכלה להתחייב בשלב זה ליישם מטרה זו והמועצה האירופית הסכימה להגיש את הנושא בפגישה עתידית. מנהיגי האיחוד האירופי ביקשו מהמועצה להמשיך את העבודה בנושא העסקה הירוקה האירופית.</a:t>
+            </a:r>
+          </a:p>
+          <a:p>
+            <a:pPr marL="0" marR="0" lvl="0" indent="0" algn="r" defTabSz="914400" rtl="0" eaLnBrk="0" fontAlgn="base" latinLnBrk="0" hangingPunct="0">
+              <a:lnSpc>
+                <a:spcPct val="100000"/>
+              </a:lnSpc>
+              <a:spcBef>
+                <a:spcPct val="0"/>
+              </a:spcBef>
+              <a:spcAft>
+                <a:spcPct val="0"/>
+              </a:spcAft>
+              <a:buClrTx/>
+              <a:buSzTx/>
+              <a:buFontTx/>
+              <a:buNone/>
+              <a:tabLst/>
+            </a:pPr>
+            <a:r>
+              <a:rPr kumimoji="0" lang="he-IL" altLang="en-US" sz="1600" b="0" i="0" u="none" strike="noStrike" cap="none" normalizeH="0" baseline="0" dirty="0">
+                <a:ln>
+                  <a:noFill/>
+                </a:ln>
+                <a:solidFill>
+                  <a:srgbClr val="202124"/>
+                </a:solidFill>
+                <a:effectLst/>
+                <a:latin typeface="+mj-lt"/>
+                <a:cs typeface="Arial" panose="020B0604020202020204" pitchFamily="34" charset="0"/>
+              </a:rPr>
+              <a:t>המועצה האירופית הזמינה את הנציבות להכין הצעה לאסטרטגיה ארוכת הטווח של האיחוד האירופי מוקדם ככל האפשר בשנת 2020 כנדרש בהסכם פריז. </a:t>
+            </a:r>
+            <a:endParaRPr kumimoji="0" lang="en-US" altLang="en-US" sz="1600" b="0" i="0" u="none" strike="noStrike" cap="none" normalizeH="0" baseline="0" dirty="0">
+              <a:ln>
+                <a:noFill/>
+              </a:ln>
+              <a:solidFill>
+                <a:schemeClr val="tx1"/>
+              </a:solidFill>
+              <a:effectLst/>
+              <a:latin typeface="+mj-lt"/>
+            </a:endParaRPr>
+          </a:p>
+          <a:p>
+            <a:pPr marL="0" indent="0" algn="r" rtl="1">
+              <a:buNone/>
+            </a:pPr>
+            <a:endParaRPr kumimoji="0" lang="he-IL" altLang="en-US" sz="1600" b="0" i="0" u="none" strike="noStrike" cap="none" normalizeH="0" baseline="0" dirty="0">
+              <a:ln>
+                <a:noFill/>
+              </a:ln>
+              <a:solidFill>
+                <a:srgbClr val="202124"/>
+              </a:solidFill>
+              <a:effectLst/>
+              <a:latin typeface="Google Sans"/>
+              <a:cs typeface="Arial" panose="020B0604020202020204" pitchFamily="34" charset="0"/>
+            </a:endParaRPr>
+          </a:p>
+          <a:p>
+            <a:pPr marL="0" indent="0" algn="r" rtl="1">
+              <a:buNone/>
+            </a:pPr>
+            <a:endParaRPr lang="en-US" altLang="en-US" sz="2800" u="sng" dirty="0"/>
+          </a:p>
+        </p:txBody>
+      </p:sp>
+    </p:spTree>
+    <p:extLst>
+      <p:ext uri="{BB962C8B-B14F-4D97-AF65-F5344CB8AC3E}">
+        <p14:creationId xmlns:p14="http://schemas.microsoft.com/office/powerpoint/2010/main" val="2766655536"/>
+      </p:ext>
+    </p:extLst>
+  </p:cSld>
+  <p:clrMapOvr>
+    <a:masterClrMapping/>
+  </p:clrMapOvr>
+</p:sld>
+</file>
+
+<file path=ppt/slides/slide26.xml><?xml version="1.0" encoding="utf-8"?>
+<p:sld xmlns:a="http://schemas.openxmlformats.org/drawingml/2006/main" xmlns:r="http://schemas.openxmlformats.org/officeDocument/2006/relationships" xmlns:p="http://schemas.openxmlformats.org/presentationml/2006/main">
+  <p:cSld>
+    <p:spTree>
+      <p:nvGrpSpPr>
+        <p:cNvPr id="1" name=""/>
+        <p:cNvGrpSpPr/>
+        <p:nvPr/>
+      </p:nvGrpSpPr>
+      <p:grpSpPr>
+        <a:xfrm>
+          <a:off x="0" y="0"/>
+          <a:ext cx="0" cy="0"/>
+          <a:chOff x="0" y="0"/>
+          <a:chExt cx="0" cy="0"/>
+        </a:xfrm>
+      </p:grpSpPr>
+      <p:sp>
+        <p:nvSpPr>
+          <p:cNvPr id="2" name="Title 1">
+            <a:extLst>
+              <a:ext uri="{FF2B5EF4-FFF2-40B4-BE49-F238E27FC236}">
+                <a16:creationId xmlns:a16="http://schemas.microsoft.com/office/drawing/2014/main" id="{723F4E72-D791-4CA8-88A5-D9EE4B39CA08}"/>
+              </a:ext>
+            </a:extLst>
+          </p:cNvPr>
+          <p:cNvSpPr>
+            <a:spLocks noGrp="1"/>
+          </p:cNvSpPr>
+          <p:nvPr>
+            <p:ph type="title"/>
+          </p:nvPr>
+        </p:nvSpPr>
+        <p:spPr/>
+        <p:txBody>
+          <a:bodyPr>
+            <a:normAutofit/>
+          </a:bodyPr>
+          <a:lstStyle/>
+          <a:p>
+            <a:pPr algn="r"/>
+            <a:r>
+              <a:rPr lang="he-IL" sz="5800" dirty="0"/>
+              <a:t>האיחוד האירופאי</a:t>
+            </a:r>
+            <a:endParaRPr lang="en-US" sz="5800" dirty="0"/>
+          </a:p>
+        </p:txBody>
+      </p:sp>
+      <p:sp>
+        <p:nvSpPr>
+          <p:cNvPr id="3" name="Content Placeholder 2">
+            <a:extLst>
+              <a:ext uri="{FF2B5EF4-FFF2-40B4-BE49-F238E27FC236}">
+                <a16:creationId xmlns:a16="http://schemas.microsoft.com/office/drawing/2014/main" id="{CEBAD573-D1AC-4591-A0D6-E1FBCACBF529}"/>
+              </a:ext>
+            </a:extLst>
+          </p:cNvPr>
+          <p:cNvSpPr>
+            <a:spLocks noGrp="1"/>
+          </p:cNvSpPr>
+          <p:nvPr>
+            <p:ph idx="1"/>
+          </p:nvPr>
+        </p:nvSpPr>
+        <p:spPr>
+          <a:xfrm>
+            <a:off x="785091" y="1825625"/>
+            <a:ext cx="8488911" cy="4351338"/>
           </a:xfrm>
         </p:spPr>
         <p:txBody>
@@ -10179,15 +10770,17 @@
         </p:nvSpPr>
         <p:spPr/>
         <p:txBody>
-          <a:bodyPr/>
+          <a:bodyPr>
+            <a:normAutofit/>
+          </a:bodyPr>
           <a:lstStyle/>
           <a:p>
             <a:pPr algn="r" rtl="1"/>
             <a:r>
-              <a:rPr lang="he-IL" dirty="0"/>
+              <a:rPr lang="he-IL" sz="5800" dirty="0"/>
               <a:t>ארה"ב</a:t>
             </a:r>
-            <a:endParaRPr lang="en-US" dirty="0"/>
+            <a:endParaRPr lang="en-US" sz="5800" dirty="0"/>
           </a:p>
         </p:txBody>
       </p:sp>
@@ -10209,14 +10802,16 @@
         </p:nvSpPr>
         <p:spPr/>
         <p:txBody>
-          <a:bodyPr/>
+          <a:bodyPr>
+            <a:normAutofit/>
+          </a:bodyPr>
           <a:lstStyle/>
           <a:p>
             <a:pPr marL="0" indent="0" algn="r" rtl="1">
               <a:buNone/>
             </a:pPr>
             <a:r>
-              <a:rPr lang="he-IL" dirty="0"/>
+              <a:rPr lang="he-IL" sz="2400" dirty="0"/>
               <a:t>ארה"ב מורכבת משתי מפלגות עיקריות:</a:t>
             </a:r>
           </a:p>
@@ -10225,7 +10820,7 @@
               <a:buNone/>
             </a:pPr>
             <a:r>
-              <a:rPr lang="he-IL" dirty="0"/>
+              <a:rPr lang="he-IL" sz="2400" dirty="0"/>
               <a:t> - המפלגה הדמוקרטית.</a:t>
             </a:r>
           </a:p>
@@ -10234,7 +10829,7 @@
               <a:buNone/>
             </a:pPr>
             <a:r>
-              <a:rPr lang="he-IL" dirty="0"/>
+              <a:rPr lang="he-IL" sz="2400" dirty="0"/>
               <a:t> - המפלגה הרפובליקנית.</a:t>
             </a:r>
           </a:p>
@@ -10288,15 +10883,17 @@
         </p:nvSpPr>
         <p:spPr/>
         <p:txBody>
-          <a:bodyPr/>
+          <a:bodyPr>
+            <a:normAutofit/>
+          </a:bodyPr>
           <a:lstStyle/>
           <a:p>
             <a:pPr algn="r" rtl="1"/>
             <a:r>
-              <a:rPr lang="he-IL" dirty="0"/>
+              <a:rPr lang="he-IL" sz="5800" dirty="0"/>
               <a:t>המפלגה הדמוקרטית</a:t>
             </a:r>
-            <a:endParaRPr lang="en-US" dirty="0"/>
+            <a:endParaRPr lang="en-US" sz="5800" dirty="0"/>
           </a:p>
         </p:txBody>
       </p:sp>
@@ -10513,15 +11110,17 @@
         </p:nvSpPr>
         <p:spPr/>
         <p:txBody>
-          <a:bodyPr/>
+          <a:bodyPr>
+            <a:normAutofit/>
+          </a:bodyPr>
           <a:lstStyle/>
           <a:p>
             <a:pPr algn="r" rtl="1"/>
             <a:r>
-              <a:rPr lang="he-IL" dirty="0"/>
+              <a:rPr lang="he-IL" sz="5800" dirty="0"/>
               <a:t>המפלגה הדמוקרטית</a:t>
             </a:r>
-            <a:endParaRPr lang="en-US" dirty="0"/>
+            <a:endParaRPr lang="en-US" sz="5800" dirty="0"/>
           </a:p>
         </p:txBody>
       </p:sp>
@@ -10769,15 +11368,17 @@
         </p:nvSpPr>
         <p:spPr/>
         <p:txBody>
-          <a:bodyPr/>
+          <a:bodyPr>
+            <a:normAutofit/>
+          </a:bodyPr>
           <a:lstStyle/>
           <a:p>
             <a:pPr algn="r" rtl="1"/>
             <a:r>
-              <a:rPr lang="he-IL" dirty="0"/>
+              <a:rPr lang="he-IL" sz="5800" dirty="0"/>
               <a:t>המפלגה הדמוקרטית</a:t>
             </a:r>
-            <a:endParaRPr lang="en-US" dirty="0"/>
+            <a:endParaRPr lang="en-US" sz="5800" dirty="0"/>
           </a:p>
         </p:txBody>
       </p:sp>
@@ -10800,7 +11401,7 @@
         <p:spPr/>
         <p:txBody>
           <a:bodyPr>
-            <a:normAutofit fontScale="70000" lnSpcReduction="20000"/>
+            <a:normAutofit fontScale="62500" lnSpcReduction="20000"/>
           </a:bodyPr>
           <a:lstStyle/>
           <a:p>
@@ -10808,7 +11409,9 @@
               <a:buNone/>
             </a:pPr>
             <a:r>
-              <a:rPr lang="he-IL" sz="2400" b="1" u="sng" dirty="0"/>
+              <a:rPr lang="he-IL" sz="3400" b="1" u="sng" dirty="0">
+                <a:cs typeface="+mj-cs"/>
+              </a:rPr>
               <a:t>העבר (חוקים ותקנות) המשך:</a:t>
             </a:r>
           </a:p>
@@ -10817,35 +11420,37 @@
               <a:buNone/>
             </a:pPr>
             <a:r>
-              <a:rPr lang="he-IL" altLang="en-US" sz="1800" u="sng" dirty="0"/>
+              <a:rPr lang="he-IL" altLang="en-US" sz="2900" u="sng" dirty="0">
+                <a:cs typeface="+mj-cs"/>
+              </a:rPr>
               <a:t>החוק האמריקאי לאנרגיה נקייה וביטחו</a:t>
             </a:r>
             <a:r>
-              <a:rPr lang="he-IL" altLang="en-US" sz="1800" u="sng" dirty="0">
+              <a:rPr lang="he-IL" altLang="en-US" sz="2900" u="sng" dirty="0">
                 <a:solidFill>
                   <a:srgbClr val="202124"/>
                 </a:solidFill>
                 <a:latin typeface="Google Sans"/>
-                <a:cs typeface="Arial" panose="020B0604020202020204" pitchFamily="34" charset="0"/>
+                <a:cs typeface="+mj-cs"/>
               </a:rPr>
               <a:t>ן</a:t>
             </a:r>
             <a:r>
-              <a:rPr lang="en-US" altLang="en-US" sz="1800" u="sng" dirty="0">
+              <a:rPr lang="en-US" altLang="en-US" sz="2900" u="sng" dirty="0">
                 <a:solidFill>
                   <a:srgbClr val="202124"/>
                 </a:solidFill>
                 <a:latin typeface="Google Sans"/>
-                <a:cs typeface="Arial" panose="020B0604020202020204" pitchFamily="34" charset="0"/>
+                <a:cs typeface="+mj-cs"/>
               </a:rPr>
               <a:t> 2008-2010 </a:t>
             </a:r>
-            <a:endParaRPr lang="he-IL" altLang="en-US" sz="2000" dirty="0">
+            <a:endParaRPr lang="he-IL" altLang="en-US" sz="2900" dirty="0">
               <a:solidFill>
                 <a:srgbClr val="202124"/>
               </a:solidFill>
               <a:latin typeface="Google Sans"/>
-              <a:cs typeface="Arial" panose="020B0604020202020204" pitchFamily="34" charset="0"/>
+              <a:cs typeface="+mj-cs"/>
             </a:endParaRPr>
           </a:p>
           <a:p>
@@ -10853,42 +11458,42 @@
               <a:buNone/>
             </a:pPr>
             <a:r>
-              <a:rPr lang="he-IL" altLang="en-US" sz="1600" dirty="0">
+              <a:rPr lang="he-IL" altLang="en-US" sz="2600" dirty="0">
                 <a:solidFill>
                   <a:srgbClr val="202124"/>
                 </a:solidFill>
                 <a:latin typeface="Google Sans"/>
-                <a:cs typeface="Arial" panose="020B0604020202020204" pitchFamily="34" charset="0"/>
+                <a:cs typeface="+mj-cs"/>
               </a:rPr>
               <a:t>הקמת מערכת כלכלית רוחבית שתגביל שימוש וסחר בגזי חממה וקידום תקנות משלימות </a:t>
             </a:r>
             <a:r>
-              <a:rPr lang="en-US" altLang="en-US" sz="1600" dirty="0">
+              <a:rPr lang="en-US" altLang="en-US" sz="2600" dirty="0">
                 <a:solidFill>
                   <a:srgbClr val="202124"/>
                 </a:solidFill>
                 <a:latin typeface="Google Sans"/>
-                <a:cs typeface="Arial" panose="020B0604020202020204" pitchFamily="34" charset="0"/>
+                <a:cs typeface="+mj-cs"/>
               </a:rPr>
               <a:t>(cap and trade)</a:t>
             </a:r>
             <a:r>
-              <a:rPr lang="he-IL" altLang="en-US" sz="1600" dirty="0">
+              <a:rPr lang="he-IL" altLang="en-US" sz="2600" dirty="0">
                 <a:solidFill>
                   <a:srgbClr val="202124"/>
                 </a:solidFill>
                 <a:latin typeface="Google Sans"/>
-                <a:cs typeface="Arial" panose="020B0604020202020204" pitchFamily="34" charset="0"/>
+                <a:cs typeface="+mj-cs"/>
               </a:rPr>
               <a:t>.</a:t>
             </a:r>
             <a:r>
-              <a:rPr lang="en-US" altLang="en-US" sz="1600" dirty="0">
+              <a:rPr lang="en-US" altLang="en-US" sz="2600" dirty="0">
                 <a:solidFill>
                   <a:srgbClr val="202124"/>
                 </a:solidFill>
                 <a:latin typeface="Google Sans"/>
-                <a:cs typeface="Arial" panose="020B0604020202020204" pitchFamily="34" charset="0"/>
+                <a:cs typeface="+mj-cs"/>
               </a:rPr>
               <a:t> </a:t>
             </a:r>
@@ -10898,15 +11503,21 @@
               <a:buNone/>
             </a:pPr>
             <a:r>
-              <a:rPr lang="he-IL" altLang="en-US" sz="1800" u="sng" dirty="0"/>
+              <a:rPr lang="he-IL" altLang="en-US" sz="2900" u="sng" dirty="0">
+                <a:solidFill>
+                  <a:srgbClr val="202124"/>
+                </a:solidFill>
+                <a:latin typeface="Google Sans"/>
+                <a:cs typeface="+mj-cs"/>
+              </a:rPr>
               <a:t>החוק האמריקאי למנהיגות אנרגיה נקייה משנת 2009</a:t>
             </a:r>
-            <a:endParaRPr lang="en-US" altLang="en-US" sz="2000" dirty="0">
+            <a:endParaRPr lang="en-US" altLang="en-US" sz="2900" u="sng" dirty="0">
               <a:solidFill>
                 <a:srgbClr val="202124"/>
               </a:solidFill>
               <a:latin typeface="Google Sans"/>
-              <a:cs typeface="Arial" panose="020B0604020202020204" pitchFamily="34" charset="0"/>
+              <a:cs typeface="+mj-cs"/>
             </a:endParaRPr>
           </a:p>
           <a:p>
@@ -10914,12 +11525,12 @@
               <a:buNone/>
             </a:pPr>
             <a:r>
-              <a:rPr lang="he-IL" altLang="en-US" sz="1600" dirty="0">
+              <a:rPr lang="he-IL" altLang="en-US" sz="2600" dirty="0">
                 <a:solidFill>
                   <a:srgbClr val="202124"/>
                 </a:solidFill>
                 <a:latin typeface="Google Sans"/>
-                <a:cs typeface="Arial" panose="020B0604020202020204" pitchFamily="34" charset="0"/>
+                <a:cs typeface="+mj-cs"/>
               </a:rPr>
               <a:t>חוק זה כלל תקנות ל לאנרגיה מתחדשת וטיפול בכמה נושאים אחרים הקשורים לאנרגיה:</a:t>
             </a:r>
@@ -10930,12 +11541,12 @@
               <a:buChar char="-"/>
             </a:pPr>
             <a:r>
-              <a:rPr lang="he-IL" altLang="en-US" sz="1600" dirty="0">
+              <a:rPr lang="he-IL" altLang="en-US" sz="2600" dirty="0">
                 <a:solidFill>
                   <a:srgbClr val="202124"/>
                 </a:solidFill>
                 <a:latin typeface="Google Sans"/>
-                <a:cs typeface="Arial" panose="020B0604020202020204" pitchFamily="34" charset="0"/>
+                <a:cs typeface="+mj-cs"/>
               </a:rPr>
               <a:t>הקמת מערכת מכסה וסחר עבור שירותים בתעשייה ותשלום עבור דלקי תחבורה</a:t>
             </a:r>
@@ -10946,12 +11557,12 @@
               <a:buChar char="-"/>
             </a:pPr>
             <a:r>
-              <a:rPr lang="he-IL" altLang="en-US" sz="1600" dirty="0">
+              <a:rPr lang="he-IL" altLang="en-US" sz="2600" dirty="0">
                 <a:solidFill>
                   <a:srgbClr val="202124"/>
                 </a:solidFill>
                 <a:latin typeface="Google Sans"/>
-                <a:cs typeface="Arial" panose="020B0604020202020204" pitchFamily="34" charset="0"/>
+                <a:cs typeface="+mj-cs"/>
               </a:rPr>
               <a:t>הפחתת יבוא הנפט</a:t>
             </a:r>
@@ -10962,12 +11573,12 @@
               <a:buChar char="-"/>
             </a:pPr>
             <a:r>
-              <a:rPr lang="he-IL" altLang="en-US" sz="1600" dirty="0">
+              <a:rPr lang="he-IL" altLang="en-US" sz="2600" dirty="0">
                 <a:solidFill>
                   <a:srgbClr val="202124"/>
                 </a:solidFill>
                 <a:latin typeface="Google Sans"/>
-                <a:cs typeface="Arial" panose="020B0604020202020204" pitchFamily="34" charset="0"/>
+                <a:cs typeface="+mj-cs"/>
               </a:rPr>
               <a:t>יצירת תקני יעילות חדשים</a:t>
             </a:r>
@@ -10978,60 +11589,32 @@
               <a:buChar char="-"/>
             </a:pPr>
             <a:r>
-              <a:rPr lang="he-IL" altLang="en-US" sz="1600" dirty="0">
+              <a:rPr lang="he-IL" altLang="en-US" sz="2600" dirty="0">
                 <a:solidFill>
                   <a:srgbClr val="202124"/>
                 </a:solidFill>
                 <a:latin typeface="Google Sans"/>
-                <a:cs typeface="Arial" panose="020B0604020202020204" pitchFamily="34" charset="0"/>
+                <a:cs typeface="+mj-cs"/>
               </a:rPr>
               <a:t>הקמת תקן אנרגיה נקייה</a:t>
             </a:r>
             <a:r>
-              <a:rPr kumimoji="0" lang="en-US" altLang="en-US" sz="1800" b="0" i="0" u="none" strike="noStrike" cap="none" normalizeH="0" baseline="0" dirty="0">
-                <a:ln>
-                  <a:noFill/>
-                </a:ln>
-                <a:solidFill>
-                  <a:srgbClr val="202124"/>
-                </a:solidFill>
-                <a:effectLst/>
+              <a:rPr lang="en-US" altLang="en-US" sz="2600" dirty="0">
+                <a:solidFill>
+                  <a:srgbClr val="202124"/>
+                </a:solidFill>
                 <a:latin typeface="Google Sans"/>
-                <a:cs typeface="Arial" panose="020B0604020202020204" pitchFamily="34" charset="0"/>
+                <a:cs typeface="+mj-cs"/>
               </a:rPr>
               <a:t>.</a:t>
             </a:r>
-            <a:endParaRPr lang="he-IL" altLang="en-US" sz="1800" u="sng" dirty="0"/>
-          </a:p>
-          <a:p>
-            <a:pPr marL="0" indent="0" algn="r" rtl="1">
-              <a:lnSpc>
-                <a:spcPct val="100000"/>
-              </a:lnSpc>
-              <a:buNone/>
-            </a:pPr>
-            <a:r>
-              <a:rPr lang="he-IL" altLang="en-US" sz="1800" u="sng" dirty="0"/>
-              <a:t>הסכם פריז 2015:</a:t>
-            </a:r>
-          </a:p>
-          <a:p>
-            <a:pPr marL="0" indent="0" algn="r" rtl="1">
-              <a:lnSpc>
-                <a:spcPct val="100000"/>
-              </a:lnSpc>
-              <a:buNone/>
-            </a:pPr>
-            <a:r>
-              <a:rPr lang="he-IL" altLang="en-US" sz="1600" dirty="0">
-                <a:solidFill>
-                  <a:srgbClr val="202124"/>
-                </a:solidFill>
-                <a:latin typeface="Google Sans"/>
-                <a:cs typeface="Arial" panose="020B0604020202020204" pitchFamily="34" charset="0"/>
-              </a:rPr>
-              <a:t>בהנהגת אובמה אמריקה מצטרפת להסכם פריז, לא להגיע לעלייה בטמפרטורה של 1.5 מעלות, עם העדפה ל 2 מעלות.</a:t>
-            </a:r>
+            <a:endParaRPr lang="he-IL" altLang="en-US" sz="2600" dirty="0">
+              <a:solidFill>
+                <a:srgbClr val="202124"/>
+              </a:solidFill>
+              <a:latin typeface="Google Sans"/>
+              <a:cs typeface="+mj-cs"/>
+            </a:endParaRPr>
           </a:p>
           <a:p>
             <a:pPr marL="0" indent="0" algn="r" rtl="1">
@@ -11046,7 +11629,7 @@
               </a:solidFill>
               <a:effectLst/>
               <a:latin typeface="Google Sans"/>
-              <a:cs typeface="Arial" panose="020B0604020202020204" pitchFamily="34" charset="0"/>
+              <a:cs typeface="+mj-cs"/>
             </a:endParaRPr>
           </a:p>
           <a:p>
@@ -11062,7 +11645,7 @@
               </a:solidFill>
               <a:effectLst/>
               <a:latin typeface="Google Sans"/>
-              <a:cs typeface="Arial" panose="020B0604020202020204" pitchFamily="34" charset="0"/>
+              <a:cs typeface="+mj-cs"/>
             </a:endParaRPr>
           </a:p>
           <a:p>
@@ -11078,6 +11661,7 @@
                   <a:schemeClr val="tx1"/>
                 </a:solidFill>
                 <a:effectLst/>
+                <a:cs typeface="+mj-cs"/>
               </a:rPr>
               <a:t> </a:t>
             </a:r>
@@ -11090,13 +11674,16 @@
               </a:solidFill>
               <a:effectLst/>
               <a:latin typeface="Arial" panose="020B0604020202020204" pitchFamily="34" charset="0"/>
+              <a:cs typeface="+mj-cs"/>
             </a:endParaRPr>
           </a:p>
           <a:p>
             <a:pPr marL="0" indent="0" algn="r" rtl="1">
               <a:buNone/>
             </a:pPr>
-            <a:endParaRPr lang="he-IL" altLang="en-US" sz="2000" dirty="0"/>
+            <a:endParaRPr lang="he-IL" altLang="en-US" sz="2000" dirty="0">
+              <a:cs typeface="+mj-cs"/>
+            </a:endParaRPr>
           </a:p>
         </p:txBody>
       </p:sp>
@@ -11148,15 +11735,17 @@
         </p:nvSpPr>
         <p:spPr/>
         <p:txBody>
-          <a:bodyPr/>
+          <a:bodyPr>
+            <a:normAutofit/>
+          </a:bodyPr>
           <a:lstStyle/>
           <a:p>
             <a:pPr algn="r" rtl="1"/>
             <a:r>
-              <a:rPr lang="he-IL" dirty="0"/>
+              <a:rPr lang="he-IL" sz="5800" dirty="0"/>
               <a:t>המפלגה הדמוקרטית</a:t>
             </a:r>
-            <a:endParaRPr lang="en-US" dirty="0"/>
+            <a:endParaRPr lang="en-US" sz="5800" dirty="0"/>
           </a:p>
         </p:txBody>
       </p:sp>
@@ -11179,7 +11768,7 @@
         <p:spPr/>
         <p:txBody>
           <a:bodyPr>
-            <a:normAutofit/>
+            <a:normAutofit fontScale="92500" lnSpcReduction="20000"/>
           </a:bodyPr>
           <a:lstStyle/>
           <a:p>
@@ -11187,11 +11776,14 @@
               <a:buNone/>
             </a:pPr>
             <a:r>
-              <a:rPr lang="he-IL" sz="2400" b="1" u="sng" dirty="0"/>
+              <a:rPr lang="he-IL" sz="2600" b="1" u="sng" dirty="0">
+                <a:cs typeface="+mj-cs"/>
+              </a:rPr>
               <a:t>העבר (חוקים ותקנות) המשך:</a:t>
             </a:r>
-            <a:endParaRPr lang="he-IL" sz="1600" dirty="0">
+            <a:endParaRPr lang="he-IL" sz="2600" dirty="0">
               <a:latin typeface="Arial" panose="020B0604020202020204" pitchFamily="34" charset="0"/>
+              <a:cs typeface="+mj-cs"/>
             </a:endParaRPr>
           </a:p>
           <a:p>
@@ -11199,7 +11791,9 @@
               <a:buNone/>
             </a:pPr>
             <a:r>
-              <a:rPr lang="he-IL" altLang="en-US" sz="1800" u="sng" dirty="0"/>
+              <a:rPr lang="he-IL" altLang="en-US" sz="1900" u="sng" dirty="0">
+                <a:cs typeface="+mj-cs"/>
+              </a:rPr>
               <a:t>חיזוק הגנה מפני שיטפונות. מימון התוכנית הלאומית לביטוח שיטפונות 2012</a:t>
             </a:r>
           </a:p>
@@ -11208,46 +11802,41 @@
               <a:buNone/>
             </a:pPr>
             <a:r>
-              <a:rPr lang="he-IL" altLang="en-US" sz="1600" dirty="0">
+              <a:rPr lang="he-IL" altLang="en-US" sz="1700" dirty="0">
                 <a:solidFill>
                   <a:srgbClr val="202124"/>
                 </a:solidFill>
                 <a:latin typeface="Google Sans"/>
-                <a:cs typeface="Arial" panose="020B0604020202020204" pitchFamily="34" charset="0"/>
+                <a:cs typeface="+mj-cs"/>
               </a:rPr>
               <a:t>הצעת החוק היוותה צעד מרכזי לעבר תמחור אקטוארי וחשבונאות מלאה של סיכון האקלים, והבטיח כי תחזיות השפעת האקלים משולבות בחישובים עתידיים של סיכון הצפה. למרות שהמילה "אקלים" לא מופיעה בטקסט, הצעת החוק הפנתה את הסוכנות הפדרלית לניהול חירום להשתמש ב"מדע הטוב ביותר, הזמין לגבי שינויים עתידיים בגובה פני הים, במשקעים ובעוצמת ההוריקנים", ככל הנראה השפעות צפויות של שינויי האקלים - כשהוא מעדכן מפות שיטפון וקובע דמי ביטוח</a:t>
             </a:r>
             <a:r>
-              <a:rPr lang="en-US" altLang="en-US" sz="1600" dirty="0">
+              <a:rPr lang="en-US" altLang="en-US" sz="1700" dirty="0">
                 <a:solidFill>
                   <a:srgbClr val="202124"/>
                 </a:solidFill>
                 <a:latin typeface="Google Sans"/>
-                <a:cs typeface="Arial" panose="020B0604020202020204" pitchFamily="34" charset="0"/>
+                <a:cs typeface="+mj-cs"/>
               </a:rPr>
               <a:t>.</a:t>
             </a:r>
             <a:r>
-              <a:rPr lang="he-IL" altLang="en-US" sz="1600" dirty="0">
+              <a:rPr lang="he-IL" altLang="en-US" sz="1700" dirty="0">
                 <a:solidFill>
                   <a:srgbClr val="202124"/>
                 </a:solidFill>
                 <a:latin typeface="Google Sans"/>
-                <a:cs typeface="Arial" panose="020B0604020202020204" pitchFamily="34" charset="0"/>
+                <a:cs typeface="+mj-cs"/>
               </a:rPr>
               <a:t> כלומר החוק השפיעה על קידום מטרות אקלים ע"י שימוש במודלים לתחזיות של הצפות.</a:t>
             </a:r>
-          </a:p>
-          <a:p>
-            <a:pPr marL="0" indent="0" algn="r" rtl="1">
-              <a:buNone/>
-            </a:pPr>
             <a:endParaRPr lang="en-US" altLang="en-US" sz="1600" dirty="0">
               <a:solidFill>
                 <a:srgbClr val="202124"/>
               </a:solidFill>
               <a:latin typeface="Google Sans"/>
-              <a:cs typeface="Arial" panose="020B0604020202020204" pitchFamily="34" charset="0"/>
+              <a:cs typeface="+mj-cs"/>
             </a:endParaRPr>
           </a:p>
           <a:p>
@@ -11255,7 +11844,9 @@
               <a:buNone/>
             </a:pPr>
             <a:r>
-              <a:rPr lang="he-IL" altLang="en-US" sz="1800" u="sng" dirty="0"/>
+              <a:rPr lang="he-IL" altLang="en-US" sz="1900" u="sng" dirty="0">
+                <a:cs typeface="+mj-cs"/>
+              </a:rPr>
               <a:t>תקן אנרגיה נקייה 2012</a:t>
             </a:r>
           </a:p>
@@ -11264,15 +11855,70 @@
               <a:buNone/>
             </a:pPr>
             <a:r>
-              <a:rPr lang="he-IL" altLang="en-US" sz="1600" dirty="0">
+              <a:rPr lang="he-IL" altLang="en-US" sz="1700" dirty="0">
                 <a:solidFill>
                   <a:srgbClr val="202124"/>
                 </a:solidFill>
                 <a:latin typeface="Google Sans"/>
-                <a:cs typeface="Arial" panose="020B0604020202020204" pitchFamily="34" charset="0"/>
+                <a:cs typeface="+mj-cs"/>
               </a:rPr>
               <a:t>תקן אנרגיה חלופית להפחתת פליטות בתחום החשמל.</a:t>
             </a:r>
+            <a:endParaRPr lang="en-US" altLang="en-US" sz="1700" dirty="0">
+              <a:solidFill>
+                <a:srgbClr val="202124"/>
+              </a:solidFill>
+              <a:latin typeface="Google Sans"/>
+              <a:cs typeface="+mj-cs"/>
+            </a:endParaRPr>
+          </a:p>
+          <a:p>
+            <a:pPr marL="0" indent="0" algn="r" rtl="1">
+              <a:lnSpc>
+                <a:spcPct val="100000"/>
+              </a:lnSpc>
+              <a:buNone/>
+            </a:pPr>
+            <a:r>
+              <a:rPr lang="he-IL" altLang="en-US" sz="1900" u="sng" dirty="0">
+                <a:solidFill>
+                  <a:srgbClr val="202124"/>
+                </a:solidFill>
+                <a:latin typeface="Google Sans"/>
+                <a:cs typeface="+mj-cs"/>
+              </a:rPr>
+              <a:t>הסכם פריז 2015:</a:t>
+            </a:r>
+          </a:p>
+          <a:p>
+            <a:pPr marL="0" indent="0" algn="r" rtl="1">
+              <a:lnSpc>
+                <a:spcPct val="100000"/>
+              </a:lnSpc>
+              <a:buNone/>
+            </a:pPr>
+            <a:r>
+              <a:rPr lang="he-IL" altLang="en-US" sz="1700" dirty="0">
+                <a:solidFill>
+                  <a:srgbClr val="202124"/>
+                </a:solidFill>
+                <a:latin typeface="Google Sans"/>
+                <a:cs typeface="+mj-cs"/>
+              </a:rPr>
+              <a:t>בהנהגת אובמה אמריקה מצטרפת להסכם פריז, לא להגיע לעלייה בטמפרטורה של 1.5 מעלות, עם העדפה ל 2 מעלות.</a:t>
+            </a:r>
+          </a:p>
+          <a:p>
+            <a:pPr marL="0" indent="0" algn="r" rtl="1">
+              <a:buNone/>
+            </a:pPr>
+            <a:endParaRPr lang="he-IL" altLang="en-US" sz="1600" dirty="0">
+              <a:solidFill>
+                <a:srgbClr val="202124"/>
+              </a:solidFill>
+              <a:latin typeface="Google Sans"/>
+              <a:cs typeface="+mj-cs"/>
+            </a:endParaRPr>
           </a:p>
         </p:txBody>
       </p:sp>
@@ -11324,15 +11970,17 @@
         </p:nvSpPr>
         <p:spPr/>
         <p:txBody>
-          <a:bodyPr/>
+          <a:bodyPr>
+            <a:normAutofit/>
+          </a:bodyPr>
           <a:lstStyle/>
           <a:p>
             <a:pPr algn="r" rtl="1"/>
             <a:r>
-              <a:rPr lang="he-IL" dirty="0"/>
+              <a:rPr lang="he-IL" sz="5800" dirty="0"/>
               <a:t>המפלגה הדמוקרטית</a:t>
             </a:r>
-            <a:endParaRPr lang="en-US" dirty="0"/>
+            <a:endParaRPr lang="en-US" sz="5800" dirty="0"/>
           </a:p>
         </p:txBody>
       </p:sp>
@@ -11355,7 +12003,7 @@
         <p:spPr/>
         <p:txBody>
           <a:bodyPr>
-            <a:normAutofit fontScale="85000" lnSpcReduction="20000"/>
+            <a:normAutofit/>
           </a:bodyPr>
           <a:lstStyle/>
           <a:p>
@@ -11363,11 +12011,14 @@
               <a:buNone/>
             </a:pPr>
             <a:r>
-              <a:rPr lang="he-IL" sz="2400" b="1" u="sng" dirty="0"/>
+              <a:rPr lang="he-IL" sz="2400" b="1" u="sng" dirty="0">
+                <a:cs typeface="+mj-cs"/>
+              </a:rPr>
               <a:t>העבר (חוקים ותקנות) המשך:</a:t>
             </a:r>
-            <a:endParaRPr lang="he-IL" sz="1600" dirty="0">
+            <a:endParaRPr lang="he-IL" sz="2400" dirty="0">
               <a:latin typeface="Arial" panose="020B0604020202020204" pitchFamily="34" charset="0"/>
+              <a:cs typeface="+mj-cs"/>
             </a:endParaRPr>
           </a:p>
           <a:p>
@@ -11375,7 +12026,9 @@
               <a:buNone/>
             </a:pPr>
             <a:r>
-              <a:rPr lang="he-IL" altLang="en-US" sz="1800" u="sng" dirty="0"/>
+              <a:rPr lang="he-IL" altLang="en-US" u="sng" dirty="0">
+                <a:cs typeface="+mj-cs"/>
+              </a:rPr>
               <a:t>הקמת שוק הפתרונות האקלים 2016</a:t>
             </a:r>
           </a:p>
@@ -11389,7 +12042,7 @@
                   <a:srgbClr val="202124"/>
                 </a:solidFill>
                 <a:latin typeface="Google Sans"/>
-                <a:cs typeface="Arial" panose="020B0604020202020204" pitchFamily="34" charset="0"/>
+                <a:cs typeface="+mj-cs"/>
               </a:rPr>
               <a:t>הקמת נציגות פתרונות האקלים הדו-מפלגתיים בבית הנבחרים. צוות המועצה מתאר את משימתה כחינוך</a:t>
             </a:r>
@@ -11399,7 +12052,7 @@
                   <a:srgbClr val="202124"/>
                 </a:solidFill>
                 <a:latin typeface="Google Sans"/>
-                <a:cs typeface="Arial" panose="020B0604020202020204" pitchFamily="34" charset="0"/>
+                <a:cs typeface="+mj-cs"/>
               </a:rPr>
               <a:t> </a:t>
             </a:r>
@@ -11409,7 +12062,7 @@
                   <a:srgbClr val="202124"/>
                 </a:solidFill>
                 <a:latin typeface="Google Sans"/>
-                <a:cs typeface="Arial" panose="020B0604020202020204" pitchFamily="34" charset="0"/>
+                <a:cs typeface="+mj-cs"/>
               </a:rPr>
               <a:t>תושבים</a:t>
             </a:r>
@@ -11419,7 +12072,7 @@
                   <a:srgbClr val="202124"/>
                 </a:solidFill>
                 <a:latin typeface="Google Sans"/>
-                <a:cs typeface="Arial" panose="020B0604020202020204" pitchFamily="34" charset="0"/>
+                <a:cs typeface="+mj-cs"/>
               </a:rPr>
               <a:t> </a:t>
             </a:r>
@@ -11429,7 +12082,7 @@
                   <a:srgbClr val="202124"/>
                 </a:solidFill>
                 <a:latin typeface="Google Sans"/>
-                <a:cs typeface="Arial" panose="020B0604020202020204" pitchFamily="34" charset="0"/>
+                <a:cs typeface="+mj-cs"/>
               </a:rPr>
               <a:t>ל"אופציות משתלמות כלכלית להפחתת סיכון האקלים ולהגנה על כלכלת המדינה, הביטחון, התשתיות, החקלאות, אספקת המים וביטחון הציבור". הקוקוס </a:t>
             </a:r>
@@ -11439,7 +12092,7 @@
                   <a:srgbClr val="202124"/>
                 </a:solidFill>
                 <a:latin typeface="Google Sans"/>
-                <a:cs typeface="Arial" panose="020B0604020202020204" pitchFamily="34" charset="0"/>
+                <a:cs typeface="+mj-cs"/>
               </a:rPr>
               <a:t>(</a:t>
             </a:r>
@@ -11449,7 +12102,7 @@
                   <a:srgbClr val="202124"/>
                 </a:solidFill>
                 <a:latin typeface="Google Sans"/>
-                <a:cs typeface="Arial" panose="020B0604020202020204" pitchFamily="34" charset="0"/>
+                <a:cs typeface="+mj-cs"/>
               </a:rPr>
               <a:t>caucus</a:t>
             </a:r>
@@ -11459,7 +12112,7 @@
                   <a:srgbClr val="202124"/>
                 </a:solidFill>
                 <a:latin typeface="Google Sans"/>
-                <a:cs typeface="Arial" panose="020B0604020202020204" pitchFamily="34" charset="0"/>
+                <a:cs typeface="+mj-cs"/>
               </a:rPr>
               <a:t>)</a:t>
             </a:r>
@@ -11469,7 +12122,7 @@
                   <a:srgbClr val="202124"/>
                 </a:solidFill>
                 <a:latin typeface="Google Sans"/>
-                <a:cs typeface="Arial" panose="020B0604020202020204" pitchFamily="34" charset="0"/>
+                <a:cs typeface="+mj-cs"/>
               </a:rPr>
               <a:t> צירף עשרות נבחרים בזוגות רפובליקנים-דמוקרטים למטרה.</a:t>
             </a:r>
@@ -11478,34 +12131,24 @@
             <a:pPr marL="0" indent="0" algn="r" rtl="1">
               <a:buNone/>
             </a:pPr>
-            <a:endParaRPr lang="he-IL" altLang="en-US" sz="1600" dirty="0">
-              <a:solidFill>
-                <a:srgbClr val="202124"/>
-              </a:solidFill>
-              <a:latin typeface="Google Sans"/>
-              <a:cs typeface="Arial" panose="020B0604020202020204" pitchFamily="34" charset="0"/>
-            </a:endParaRPr>
+            <a:r>
+              <a:rPr lang="he-IL" altLang="en-US" sz="1800" u="sng" dirty="0">
+                <a:cs typeface="+mj-cs"/>
+              </a:rPr>
+              <a:t>זיכויי מס ותמחור פחמן 2018</a:t>
+            </a:r>
           </a:p>
           <a:p>
             <a:pPr marL="0" indent="0" algn="r" rtl="1">
               <a:buNone/>
             </a:pPr>
             <a:r>
-              <a:rPr lang="he-IL" altLang="en-US" sz="1800" u="sng" dirty="0"/>
-              <a:t>זיכויי מס ותמחור פחמן 2018</a:t>
-            </a:r>
-          </a:p>
-          <a:p>
-            <a:pPr marL="0" indent="0" algn="r" rtl="1">
-              <a:buNone/>
-            </a:pPr>
-            <a:r>
               <a:rPr lang="he-IL" altLang="en-US" sz="1600" dirty="0">
                 <a:solidFill>
                   <a:srgbClr val="202124"/>
                 </a:solidFill>
                 <a:latin typeface="Google Sans"/>
-                <a:cs typeface="Arial" panose="020B0604020202020204" pitchFamily="34" charset="0"/>
+                <a:cs typeface="+mj-cs"/>
               </a:rPr>
               <a:t>הקונגרס חיקק עסקת תקציב לשנתיים שהרחיבה את התמריצים הכספיים העיקריים להשקעות במספר טכנולוגיות מתקדמות עם פחמן נמוך. עסקת התקציב כללה הצעה דו-מפלגתית לרפורמה ולהאריך זיכויי מס כדי להגביר תפיסת פחמן. בנוסף, הוצעה ההצעה הראשונה לתמחור פחמן בראשות הרפובליקנים וההצעה לתמחור פחמן דו-מפלגתי כמעט שמונה שנים.</a:t>
             </a:r>
@@ -11514,66 +12157,7 @@
                 <a:srgbClr val="202124"/>
               </a:solidFill>
               <a:latin typeface="Google Sans"/>
-              <a:cs typeface="Arial" panose="020B0604020202020204" pitchFamily="34" charset="0"/>
-            </a:endParaRPr>
-          </a:p>
-          <a:p>
-            <a:pPr marL="0" indent="0" algn="r" rtl="1">
-              <a:buNone/>
-            </a:pPr>
-            <a:endParaRPr lang="he-IL" altLang="en-US" sz="1600" dirty="0">
-              <a:solidFill>
-                <a:srgbClr val="202124"/>
-              </a:solidFill>
-              <a:latin typeface="Google Sans"/>
-              <a:cs typeface="Arial" panose="020B0604020202020204" pitchFamily="34" charset="0"/>
-            </a:endParaRPr>
-          </a:p>
-          <a:p>
-            <a:pPr marL="0" indent="0" algn="r" rtl="1">
-              <a:buNone/>
-            </a:pPr>
-            <a:r>
-              <a:rPr lang="he-IL" altLang="en-US" sz="1600" u="sng" dirty="0">
-                <a:solidFill>
-                  <a:srgbClr val="202124"/>
-                </a:solidFill>
-                <a:latin typeface="Google Sans"/>
-                <a:cs typeface="Arial" panose="020B0604020202020204" pitchFamily="34" charset="0"/>
-              </a:rPr>
-              <a:t>2019</a:t>
-            </a:r>
-            <a:r>
-              <a:rPr lang="he-IL" altLang="en-US" sz="1600" dirty="0">
-                <a:solidFill>
-                  <a:srgbClr val="202124"/>
-                </a:solidFill>
-                <a:latin typeface="Google Sans"/>
-                <a:cs typeface="Arial" panose="020B0604020202020204" pitchFamily="34" charset="0"/>
-              </a:rPr>
-              <a:t>: חידוש תוכניות מס על פחמים והקלות מס על אנרגיה נקייה, בנוסף הוצגה "העסקה הירוקה החדשה" התוכנית האמריקאית הראשונה להובלה של 100% אנרגייה ירוקה (לא עברה).</a:t>
-            </a:r>
-          </a:p>
-          <a:p>
-            <a:pPr marL="0" indent="0" algn="r" rtl="1">
-              <a:buNone/>
-            </a:pPr>
-            <a:r>
-              <a:rPr lang="he-IL" altLang="en-US" sz="1600" dirty="0">
-                <a:solidFill>
-                  <a:srgbClr val="202124"/>
-                </a:solidFill>
-                <a:latin typeface="Google Sans"/>
-                <a:cs typeface="Arial" panose="020B0604020202020204" pitchFamily="34" charset="0"/>
-              </a:rPr>
-              <a:t> </a:t>
-            </a:r>
-            <a:endParaRPr lang="en-US" altLang="en-US" sz="1600" dirty="0">
-              <a:solidFill>
-                <a:srgbClr val="202124"/>
-              </a:solidFill>
-              <a:latin typeface="Google Sans"/>
-              <a:cs typeface="Arial" panose="020B0604020202020204" pitchFamily="34" charset="0"/>
+              <a:cs typeface="+mj-cs"/>
             </a:endParaRPr>
           </a:p>
         </p:txBody>
@@ -11729,15 +12313,17 @@
         </p:nvSpPr>
         <p:spPr/>
         <p:txBody>
-          <a:bodyPr/>
+          <a:bodyPr>
+            <a:normAutofit/>
+          </a:bodyPr>
           <a:lstStyle/>
           <a:p>
             <a:pPr algn="r" rtl="1"/>
             <a:r>
-              <a:rPr lang="he-IL" dirty="0"/>
+              <a:rPr lang="he-IL" sz="5800" dirty="0"/>
               <a:t>המפלגה הדמוקרטית</a:t>
             </a:r>
-            <a:endParaRPr lang="en-US" dirty="0"/>
+            <a:endParaRPr lang="en-US" sz="5800" dirty="0"/>
           </a:p>
         </p:txBody>
       </p:sp>
@@ -11760,7 +12346,7 @@
         <p:spPr/>
         <p:txBody>
           <a:bodyPr>
-            <a:normAutofit fontScale="40000" lnSpcReduction="20000"/>
+            <a:normAutofit/>
           </a:bodyPr>
           <a:lstStyle/>
           <a:p>
@@ -11768,264 +12354,86 @@
               <a:buNone/>
             </a:pPr>
             <a:r>
-              <a:rPr lang="he-IL" sz="3300" b="1" u="sng" dirty="0"/>
-              <a:t>העתיד:</a:t>
-            </a:r>
-          </a:p>
-          <a:p>
-            <a:pPr marL="0" indent="0" algn="r" rtl="1">
-              <a:buNone/>
-            </a:pPr>
-            <a:r>
-              <a:rPr lang="he-IL" sz="2900" dirty="0">
-                <a:latin typeface="Arial" panose="020B0604020202020204" pitchFamily="34" charset="0"/>
-              </a:rPr>
-              <a:t>כשהסתכלנו על העתיד הסתכלנו על המצע של בידן-האריס (נשיא \ סגן נשיא) הבאים המועמד הנבחר 2020), המצע כולל:</a:t>
-            </a:r>
-            <a:endParaRPr lang="he-IL" altLang="en-US" sz="2600" dirty="0">
+              <a:rPr lang="he-IL" sz="2800" b="1" u="sng" dirty="0">
+                <a:cs typeface="+mj-cs"/>
+              </a:rPr>
+              <a:t>העבר (חוקים ותקנות) המשך:</a:t>
+            </a:r>
+            <a:endParaRPr lang="he-IL" altLang="en-US" sz="1600" dirty="0">
               <a:solidFill>
                 <a:srgbClr val="202124"/>
               </a:solidFill>
               <a:latin typeface="Google Sans"/>
+              <a:cs typeface="+mj-cs"/>
             </a:endParaRPr>
           </a:p>
           <a:p>
-            <a:pPr algn="r" rtl="1">
-              <a:buFontTx/>
-              <a:buChar char="-"/>
-            </a:pPr>
-            <a:r>
-              <a:rPr lang="he-IL" altLang="en-US" sz="2500" dirty="0">
+            <a:pPr marL="0" indent="0" algn="r" rtl="1">
+              <a:buNone/>
+            </a:pPr>
+            <a:r>
+              <a:rPr lang="he-IL" altLang="en-US" u="sng" dirty="0">
                 <a:solidFill>
                   <a:srgbClr val="202124"/>
                 </a:solidFill>
                 <a:latin typeface="Google Sans"/>
-              </a:rPr>
-              <a:t>להאיץ את המחקר לסוללות בשביל תמיכה לשימוש ברכבים חשמליים וברשת שלנו, כהשלמה לטכנולוגיות כמו שמש ורוח - הגברת העמידות, הפחתת הפסולת והוזלת העלויות.</a:t>
-            </a:r>
-          </a:p>
-          <a:p>
-            <a:pPr algn="r" rtl="1">
-              <a:buFontTx/>
-              <a:buChar char="-"/>
-            </a:pPr>
-            <a:r>
-              <a:rPr lang="he-IL" altLang="en-US" sz="2500" dirty="0">
+                <a:cs typeface="+mj-cs"/>
+              </a:rPr>
+              <a:t>2019</a:t>
+            </a:r>
+            <a:r>
+              <a:rPr lang="he-IL" altLang="en-US" sz="1600" dirty="0">
                 <a:solidFill>
                   <a:srgbClr val="202124"/>
                 </a:solidFill>
                 <a:latin typeface="Google Sans"/>
-              </a:rPr>
-              <a:t>-הגדרת יעד שכל האוטובוסים החדשים שיבנו באמריקה יהיו עם אפס פליטות עד שנת 2030.</a:t>
-            </a:r>
-          </a:p>
-          <a:p>
-            <a:pPr algn="r" rtl="1">
-              <a:buFontTx/>
-              <a:buChar char="-"/>
-            </a:pPr>
-            <a:r>
-              <a:rPr lang="he-IL" altLang="en-US" sz="2500" dirty="0">
-                <a:solidFill>
-                  <a:srgbClr val="202124"/>
-                </a:solidFill>
-                <a:latin typeface="Google Sans"/>
-              </a:rPr>
-              <a:t>השקעות ציבוריות גדולות בתשתיות רכב - כולל 500,000 עמדות טעינה לרכב חשמלי - כדי ליצור מקומות עבודה טובים בתעשיות התומכות ברכבים חשמליים.</a:t>
-            </a:r>
-          </a:p>
-          <a:p>
-            <a:pPr algn="r" rtl="1">
-              <a:buFontTx/>
-              <a:buChar char="-"/>
-            </a:pPr>
-            <a:r>
-              <a:rPr lang="he-IL" altLang="en-US" sz="2500" dirty="0">
-                <a:solidFill>
-                  <a:srgbClr val="202124"/>
-                </a:solidFill>
-                <a:latin typeface="Google Sans"/>
-              </a:rPr>
-              <a:t>השקעה היסטורית בייצור אנרגיה בייעילות, באנרגיה נקייה, במערכות חשמל ובתשתיות קו שמקלות על חשמול התחבורה, ובתשתיות אחסון והולכה חדשה של סוללות אשר יתמודדו עם צווארי בקבוק ויפתחו את פוטנציאל האנרגיה הנקייה המלאה של אמריקה.</a:t>
-            </a:r>
-          </a:p>
-          <a:p>
-            <a:pPr algn="r" rtl="1">
-              <a:buFontTx/>
-              <a:buChar char="-"/>
-            </a:pPr>
-            <a:r>
-              <a:rPr lang="he-IL" altLang="en-US" sz="2500" dirty="0">
-                <a:solidFill>
-                  <a:srgbClr val="202124"/>
-                </a:solidFill>
-                <a:latin typeface="Google Sans"/>
-              </a:rPr>
-              <a:t>הרחבת תמריצי המס לאנרגיה נקייה ויעילויי אנרגיה</a:t>
-            </a:r>
-          </a:p>
-          <a:p>
-            <a:pPr algn="r" rtl="1">
-              <a:buFontTx/>
-              <a:buChar char="-"/>
-            </a:pPr>
-            <a:r>
-              <a:rPr lang="he-IL" altLang="en-US" sz="2500" dirty="0">
-                <a:solidFill>
-                  <a:srgbClr val="202124"/>
-                </a:solidFill>
-                <a:latin typeface="Google Sans"/>
-              </a:rPr>
-              <a:t>הקמת תקן יעילות אנרגיה יעילה וחשמל נקי טכנולוגי</a:t>
-            </a:r>
-            <a:r>
-              <a:rPr lang="en-US" altLang="en-US" sz="2500" dirty="0">
-                <a:solidFill>
-                  <a:srgbClr val="202124"/>
-                </a:solidFill>
-                <a:latin typeface="Google Sans"/>
-              </a:rPr>
-              <a:t> (EECES) </a:t>
-            </a:r>
-            <a:r>
-              <a:rPr lang="he-IL" altLang="en-US" sz="2500" dirty="0">
-                <a:solidFill>
-                  <a:srgbClr val="202124"/>
-                </a:solidFill>
-                <a:latin typeface="Google Sans"/>
-              </a:rPr>
-              <a:t>עבור שירותים ומפעילי רשת. בשילוב עם השקעות היסטוריות בתחום החשמל, הקטנת זיהום מאנרגיית חשמל והשג אנרגיה חופשית מזיהום עד 2035, צעדים אלה יחוללו מהפכה באנרגיה נקייה באמריקה, ויעודדו את ההתקנה של מיליוני פאנלים סולאריים - כולל מערכות סולאריות בקנה מידה פרטי ועסקי, עשרות אלפי טורבינות רוח - כולל אלפי טורבינות מול החופים, קידום אנרגיית גרעין ואנרגיית הידרו, תוך הקפדה על מתקנים אלה לעמוד בסטנדרטים חזקים.</a:t>
-            </a:r>
-          </a:p>
-          <a:p>
-            <a:pPr algn="r" rtl="1">
-              <a:buFontTx/>
-              <a:buChar char="-"/>
-            </a:pPr>
-            <a:r>
-              <a:rPr lang="he-IL" altLang="en-US" dirty="0">
-                <a:solidFill>
-                  <a:srgbClr val="202124"/>
-                </a:solidFill>
-                <a:latin typeface="Google Sans"/>
-                <a:cs typeface="Arial" panose="020B0604020202020204" pitchFamily="34" charset="0"/>
-              </a:rPr>
-              <a:t>יצרית סוכנות ח</a:t>
-            </a:r>
-            <a:r>
-              <a:rPr kumimoji="0" lang="he-IL" altLang="en-US" sz="2800" b="0" i="0" u="none" strike="noStrike" cap="none" normalizeH="0" baseline="0" dirty="0">
-                <a:ln>
-                  <a:noFill/>
-                </a:ln>
-                <a:solidFill>
-                  <a:srgbClr val="202124"/>
-                </a:solidFill>
-                <a:effectLst/>
-                <a:latin typeface="Google Sans"/>
-                <a:cs typeface="Arial" panose="020B0604020202020204" pitchFamily="34" charset="0"/>
-              </a:rPr>
-              <a:t>דשה (</a:t>
-            </a:r>
-            <a:r>
-              <a:rPr kumimoji="0" lang="en-US" altLang="en-US" sz="2800" b="0" i="0" u="none" strike="noStrike" cap="none" normalizeH="0" baseline="0" dirty="0">
-                <a:ln>
-                  <a:noFill/>
-                </a:ln>
-                <a:solidFill>
-                  <a:srgbClr val="202124"/>
-                </a:solidFill>
-                <a:effectLst/>
-                <a:latin typeface="Google Sans"/>
-              </a:rPr>
-              <a:t>ARPA-C</a:t>
-            </a:r>
-            <a:r>
-              <a:rPr kumimoji="0" lang="he-IL" altLang="en-US" sz="2800" b="0" i="0" u="none" strike="noStrike" cap="none" normalizeH="0" baseline="0" dirty="0">
-                <a:ln>
-                  <a:noFill/>
-                </a:ln>
-                <a:solidFill>
-                  <a:srgbClr val="202124"/>
-                </a:solidFill>
-                <a:effectLst/>
-                <a:latin typeface="Google Sans"/>
-                <a:cs typeface="Arial" panose="020B0604020202020204" pitchFamily="34" charset="0"/>
-              </a:rPr>
-              <a:t>), המיועדת למקד טכנולוגיות משנות משחק שיעזרו לאמריקה להשיג את יעד האנרגיה הנקייה שלה.</a:t>
-            </a:r>
-            <a:endParaRPr lang="en-US" altLang="en-US" sz="2500" dirty="0">
-              <a:solidFill>
-                <a:srgbClr val="202124"/>
-              </a:solidFill>
-              <a:latin typeface="Google Sans"/>
-            </a:endParaRPr>
-          </a:p>
-          <a:p>
-            <a:pPr algn="r" rtl="1">
-              <a:buFontTx/>
-              <a:buChar char="-"/>
-            </a:pPr>
-            <a:endParaRPr kumimoji="0" lang="he-IL" altLang="en-US" sz="1600" b="0" i="0" u="none" strike="noStrike" cap="none" normalizeH="0" baseline="0" dirty="0">
-              <a:ln>
-                <a:noFill/>
-              </a:ln>
-              <a:solidFill>
-                <a:srgbClr val="202124"/>
-              </a:solidFill>
-              <a:effectLst/>
-              <a:latin typeface="Google Sans"/>
-              <a:cs typeface="Arial" panose="020B0604020202020204" pitchFamily="34" charset="0"/>
-            </a:endParaRPr>
-          </a:p>
-          <a:p>
-            <a:pPr algn="r" rtl="1">
-              <a:buFontTx/>
-              <a:buChar char="-"/>
-            </a:pPr>
+                <a:cs typeface="+mj-cs"/>
+              </a:rPr>
+              <a:t>:</a:t>
+            </a:r>
             <a:endParaRPr lang="en-US" altLang="en-US" sz="1600" dirty="0">
               <a:solidFill>
                 <a:srgbClr val="202124"/>
               </a:solidFill>
               <a:latin typeface="Google Sans"/>
-              <a:cs typeface="Arial" panose="020B0604020202020204" pitchFamily="34" charset="0"/>
+              <a:cs typeface="+mj-cs"/>
             </a:endParaRPr>
           </a:p>
           <a:p>
             <a:pPr marL="0" indent="0" algn="r" rtl="1">
               <a:buNone/>
             </a:pPr>
-            <a:endParaRPr lang="he-IL" altLang="en-US" sz="1600" dirty="0">
+            <a:r>
+              <a:rPr lang="he-IL" altLang="en-US" sz="1600" dirty="0">
+                <a:solidFill>
+                  <a:srgbClr val="202124"/>
+                </a:solidFill>
+                <a:latin typeface="Google Sans"/>
+                <a:cs typeface="+mj-cs"/>
+              </a:rPr>
+              <a:t>חידוש תוכניות מס על פחמים והקלות מס על אנרגיה נקייה, בנוסף הוצגה "העסקה הירוקה החדשה" התוכנית האמריקאית הראשונה להובלה של 100% אנרגייה ירוקה (לא עברה).</a:t>
+            </a:r>
+          </a:p>
+          <a:p>
+            <a:pPr marL="0" indent="0" algn="r" rtl="1">
+              <a:buNone/>
+            </a:pPr>
+            <a:r>
+              <a:rPr lang="he-IL" altLang="en-US" sz="1600" dirty="0">
+                <a:solidFill>
+                  <a:srgbClr val="202124"/>
+                </a:solidFill>
+                <a:latin typeface="Google Sans"/>
+                <a:cs typeface="+mj-cs"/>
+              </a:rPr>
+              <a:t> </a:t>
+            </a:r>
+            <a:endParaRPr lang="en-US" altLang="en-US" sz="1600" dirty="0">
               <a:solidFill>
                 <a:srgbClr val="202124"/>
               </a:solidFill>
               <a:latin typeface="Google Sans"/>
-              <a:cs typeface="Arial" panose="020B0604020202020204" pitchFamily="34" charset="0"/>
-            </a:endParaRPr>
-          </a:p>
-          <a:p>
-            <a:pPr marL="0" indent="0" algn="r" rtl="1">
-              <a:buNone/>
-            </a:pPr>
-            <a:r>
-              <a:rPr lang="he-IL" sz="1600" dirty="0">
-                <a:solidFill>
-                  <a:srgbClr val="202124"/>
-                </a:solidFill>
-                <a:latin typeface="Google Sans"/>
-                <a:cs typeface="Arial" panose="020B0604020202020204" pitchFamily="34" charset="0"/>
-              </a:rPr>
-              <a:t> </a:t>
-            </a:r>
-            <a:endParaRPr lang="he-IL" sz="2400" dirty="0">
-              <a:latin typeface="Arial" panose="020B0604020202020204" pitchFamily="34" charset="0"/>
-            </a:endParaRPr>
-          </a:p>
-          <a:p>
-            <a:pPr marL="0" indent="0" algn="r" rtl="1">
-              <a:buNone/>
-            </a:pPr>
-            <a:endParaRPr lang="he-IL" sz="1600" dirty="0">
-              <a:latin typeface="Arial" panose="020B0604020202020204" pitchFamily="34" charset="0"/>
+              <a:cs typeface="+mj-cs"/>
             </a:endParaRPr>
           </a:p>
         </p:txBody>
@@ -12136,7 +12544,7 @@
     </p:spTree>
     <p:extLst>
       <p:ext uri="{BB962C8B-B14F-4D97-AF65-F5344CB8AC3E}">
-        <p14:creationId xmlns:p14="http://schemas.microsoft.com/office/powerpoint/2010/main" val="3524111267"/>
+        <p14:creationId xmlns:p14="http://schemas.microsoft.com/office/powerpoint/2010/main" val="3070544057"/>
       </p:ext>
     </p:extLst>
   </p:cSld>
@@ -12187,16 +12595,16 @@
         <a:srgbClr val="B9D181"/>
       </a:folHlink>
     </a:clrScheme>
-    <a:fontScheme name="Facet">
+    <a:fontScheme name="Arial">
       <a:majorFont>
-        <a:latin typeface="Trebuchet MS" panose="020B0603020202020204"/>
+        <a:latin typeface="Arial" panose="020B0604020202020204"/>
         <a:ea typeface=""/>
         <a:cs typeface=""/>
-        <a:font script="Jpan" typeface="メイリオ"/>
-        <a:font script="Hang" typeface="맑은 고딕"/>
-        <a:font script="Hans" typeface="方正姚体"/>
+        <a:font script="Jpan" typeface="ＭＳ Ｐゴシック"/>
+        <a:font script="Hang" typeface="굴림"/>
+        <a:font script="Hans" typeface="黑体"/>
         <a:font script="Hant" typeface="微軟正黑體"/>
-        <a:font script="Arab" typeface="Tahoma"/>
+        <a:font script="Arab" typeface="Arial"/>
         <a:font script="Hebr" typeface="Arial"/>
         <a:font script="Thai" typeface="Cordia New"/>
         <a:font script="Ethi" typeface="Nyala"/>
@@ -12219,21 +12627,21 @@
         <a:font script="Laoo" typeface="DokChampa"/>
         <a:font script="Sinh" typeface="Iskoola Pota"/>
         <a:font script="Mong" typeface="Mongolian Baiti"/>
-        <a:font script="Viet" typeface="Tahoma"/>
+        <a:font script="Viet" typeface="Arial"/>
         <a:font script="Uigh" typeface="Microsoft Uighur"/>
         <a:font script="Geor" typeface="Sylfaen"/>
       </a:majorFont>
       <a:minorFont>
-        <a:latin typeface="Trebuchet MS" panose="020B0603020202020204"/>
+        <a:latin typeface="Arial" panose="020B0604020202020204"/>
         <a:ea typeface=""/>
         <a:cs typeface=""/>
-        <a:font script="Jpan" typeface="メイリオ"/>
-        <a:font script="Hang" typeface="HY그래픽M"/>
-        <a:font script="Hans" typeface="华文新魏"/>
+        <a:font script="Jpan" typeface="ＭＳ Ｐゴシック"/>
+        <a:font script="Hang" typeface="굴림"/>
+        <a:font script="Hans" typeface="黑体"/>
         <a:font script="Hant" typeface="微軟正黑體"/>
-        <a:font script="Arab" typeface="Tahoma"/>
-        <a:font script="Hebr" typeface="Gisha"/>
-        <a:font script="Thai" typeface="IrisUPC"/>
+        <a:font script="Arab" typeface="Arial"/>
+        <a:font script="Hebr" typeface="Arial"/>
+        <a:font script="Thai" typeface="Cordia New"/>
         <a:font script="Ethi" typeface="Nyala"/>
         <a:font script="Beng" typeface="Vrinda"/>
         <a:font script="Gujr" typeface="Shruti"/>

--- a/GlobalWarming.pptx
+++ b/GlobalWarming.pptx
@@ -859,7 +859,7 @@
           <a:p>
             <a:fld id="{BE9DDDB0-2165-4E7A-9E1F-ACEE9E8F8F13}" type="datetimeFigureOut">
               <a:rPr lang="en-US" smtClean="0"/>
-              <a:t>12/19/2020</a:t>
+              <a:t>12/20/2020</a:t>
             </a:fld>
             <a:endParaRPr lang="en-US"/>
           </a:p>
@@ -1110,7 +1110,7 @@
           <a:p>
             <a:fld id="{BE9DDDB0-2165-4E7A-9E1F-ACEE9E8F8F13}" type="datetimeFigureOut">
               <a:rPr lang="en-US" smtClean="0"/>
-              <a:t>12/19/2020</a:t>
+              <a:t>12/20/2020</a:t>
             </a:fld>
             <a:endParaRPr lang="en-US"/>
           </a:p>
@@ -1424,7 +1424,7 @@
           <a:p>
             <a:fld id="{BE9DDDB0-2165-4E7A-9E1F-ACEE9E8F8F13}" type="datetimeFigureOut">
               <a:rPr lang="en-US" smtClean="0"/>
-              <a:t>12/19/2020</a:t>
+              <a:t>12/20/2020</a:t>
             </a:fld>
             <a:endParaRPr lang="en-US"/>
           </a:p>
@@ -1765,7 +1765,7 @@
           <a:p>
             <a:fld id="{BE9DDDB0-2165-4E7A-9E1F-ACEE9E8F8F13}" type="datetimeFigureOut">
               <a:rPr lang="en-US" smtClean="0"/>
-              <a:t>12/19/2020</a:t>
+              <a:t>12/20/2020</a:t>
             </a:fld>
             <a:endParaRPr lang="en-US"/>
           </a:p>
@@ -2079,7 +2079,7 @@
           <a:p>
             <a:fld id="{BE9DDDB0-2165-4E7A-9E1F-ACEE9E8F8F13}" type="datetimeFigureOut">
               <a:rPr lang="en-US" smtClean="0"/>
-              <a:t>12/19/2020</a:t>
+              <a:t>12/20/2020</a:t>
             </a:fld>
             <a:endParaRPr lang="en-US"/>
           </a:p>
@@ -2472,7 +2472,7 @@
           <a:p>
             <a:fld id="{BE9DDDB0-2165-4E7A-9E1F-ACEE9E8F8F13}" type="datetimeFigureOut">
               <a:rPr lang="en-US" smtClean="0"/>
-              <a:t>12/19/2020</a:t>
+              <a:t>12/20/2020</a:t>
             </a:fld>
             <a:endParaRPr lang="en-US"/>
           </a:p>
@@ -2642,7 +2642,7 @@
           <a:p>
             <a:fld id="{BE9DDDB0-2165-4E7A-9E1F-ACEE9E8F8F13}" type="datetimeFigureOut">
               <a:rPr lang="en-US" smtClean="0"/>
-              <a:t>12/19/2020</a:t>
+              <a:t>12/20/2020</a:t>
             </a:fld>
             <a:endParaRPr lang="en-US"/>
           </a:p>
@@ -2822,7 +2822,7 @@
           <a:p>
             <a:fld id="{BE9DDDB0-2165-4E7A-9E1F-ACEE9E8F8F13}" type="datetimeFigureOut">
               <a:rPr lang="en-US" smtClean="0"/>
-              <a:t>12/19/2020</a:t>
+              <a:t>12/20/2020</a:t>
             </a:fld>
             <a:endParaRPr lang="en-US"/>
           </a:p>
@@ -2998,7 +2998,7 @@
           <a:p>
             <a:fld id="{BE9DDDB0-2165-4E7A-9E1F-ACEE9E8F8F13}" type="datetimeFigureOut">
               <a:rPr lang="en-US" smtClean="0"/>
-              <a:t>12/19/2020</a:t>
+              <a:t>12/20/2020</a:t>
             </a:fld>
             <a:endParaRPr lang="en-US"/>
           </a:p>
@@ -3245,7 +3245,7 @@
           <a:p>
             <a:fld id="{BE9DDDB0-2165-4E7A-9E1F-ACEE9E8F8F13}" type="datetimeFigureOut">
               <a:rPr lang="en-US" smtClean="0"/>
-              <a:t>12/19/2020</a:t>
+              <a:t>12/20/2020</a:t>
             </a:fld>
             <a:endParaRPr lang="en-US"/>
           </a:p>
@@ -3477,7 +3477,7 @@
           <a:p>
             <a:fld id="{BE9DDDB0-2165-4E7A-9E1F-ACEE9E8F8F13}" type="datetimeFigureOut">
               <a:rPr lang="en-US" smtClean="0"/>
-              <a:t>12/19/2020</a:t>
+              <a:t>12/20/2020</a:t>
             </a:fld>
             <a:endParaRPr lang="en-US"/>
           </a:p>
@@ -3851,7 +3851,7 @@
           <a:p>
             <a:fld id="{BE9DDDB0-2165-4E7A-9E1F-ACEE9E8F8F13}" type="datetimeFigureOut">
               <a:rPr lang="en-US" smtClean="0"/>
-              <a:t>12/19/2020</a:t>
+              <a:t>12/20/2020</a:t>
             </a:fld>
             <a:endParaRPr lang="en-US"/>
           </a:p>
@@ -3974,7 +3974,7 @@
           <a:p>
             <a:fld id="{BE9DDDB0-2165-4E7A-9E1F-ACEE9E8F8F13}" type="datetimeFigureOut">
               <a:rPr lang="en-US" smtClean="0"/>
-              <a:t>12/19/2020</a:t>
+              <a:t>12/20/2020</a:t>
             </a:fld>
             <a:endParaRPr lang="en-US"/>
           </a:p>
@@ -4069,7 +4069,7 @@
           <a:p>
             <a:fld id="{BE9DDDB0-2165-4E7A-9E1F-ACEE9E8F8F13}" type="datetimeFigureOut">
               <a:rPr lang="en-US" smtClean="0"/>
-              <a:t>12/19/2020</a:t>
+              <a:t>12/20/2020</a:t>
             </a:fld>
             <a:endParaRPr lang="en-US"/>
           </a:p>
@@ -4324,7 +4324,7 @@
           <a:p>
             <a:fld id="{BE9DDDB0-2165-4E7A-9E1F-ACEE9E8F8F13}" type="datetimeFigureOut">
               <a:rPr lang="en-US" smtClean="0"/>
-              <a:t>12/19/2020</a:t>
+              <a:t>12/20/2020</a:t>
             </a:fld>
             <a:endParaRPr lang="en-US"/>
           </a:p>
@@ -4587,7 +4587,7 @@
           <a:p>
             <a:fld id="{BE9DDDB0-2165-4E7A-9E1F-ACEE9E8F8F13}" type="datetimeFigureOut">
               <a:rPr lang="en-US" smtClean="0"/>
-              <a:t>12/19/2020</a:t>
+              <a:t>12/20/2020</a:t>
             </a:fld>
             <a:endParaRPr lang="en-US"/>
           </a:p>
@@ -5330,7 +5330,7 @@
           <a:p>
             <a:fld id="{BE9DDDB0-2165-4E7A-9E1F-ACEE9E8F8F13}" type="datetimeFigureOut">
               <a:rPr lang="en-US" smtClean="0"/>
-              <a:t>12/19/2020</a:t>
+              <a:t>12/20/2020</a:t>
             </a:fld>
             <a:endParaRPr lang="en-US"/>
           </a:p>
@@ -6087,7 +6087,7 @@
                 <a:latin typeface="+mj-lt"/>
                 <a:cs typeface="+mj-cs"/>
               </a:rPr>
-              <a:t>-הגדרת יעד שכל האוטובוסים החדשים שיבנו באמריקה יהיו עם אפס פליטות עד שנת 2030.</a:t>
+              <a:t>הגדרת יעד שכל האוטובוסים החדשים שיבנו באמריקה יהיו עם אפס פליטות עד שנת 2030.</a:t>
             </a:r>
           </a:p>
           <a:p>
@@ -6736,7 +6736,7 @@
                 <a:latin typeface="Google Sans"/>
                 <a:cs typeface="Arial" panose="020B0604020202020204" pitchFamily="34" charset="0"/>
               </a:rPr>
-              <a:t>כמו שניתן לראות המפלגה הדמוקרטית תמכה וניסתה לעקוב אחר הקנצנזוס המדעי, יש היגידו שלא עסו מספיק אך לדעתנו חשוב לקחת בחשבון שכדי להעביר את רוב החוקים והתקנות שחוקקו עד כה צריך תמיכה מהצד הקרפובליקאי.</a:t>
+              <a:t>כמו שניתן לראות המפלגה הדמוקרטית תמכה וניסתה לעקוב אחר הקנצנזוס המדעי, יש היגידו שלא עשו מספיק אך לדעתנו חשוב לקחת בחשבון שכדי להעביר את רוב החוקים והתקנות שחוקקו עד כה צריך תמיכה מהצד הקרפובליקאי.</a:t>
             </a:r>
           </a:p>
           <a:p>
@@ -9148,8 +9148,13 @@
             </a:pPr>
             <a:r>
               <a:rPr lang="he-IL" sz="2400" dirty="0"/>
-              <a:t>במצגת זו נדון בעמדות השונות של מפלגות בארה"ב ואירופה, לאור מגבלות הזמן נדון בעיקר בארה"ב ונתייחס לעמדות אירופה על ידי מבט על האיחוד האירופאי.</a:t>
-            </a:r>
+              <a:t>במצגת זו נדון בעמדות השונות של מפלגות בארה"ב ואירופה, לאור מגבלות הזמן נדון בעיקר בארה"ב ונתייחס לעמדות אירופה על ידי מבט על האיחוד האירופאי</a:t>
+            </a:r>
+            <a:r>
+              <a:rPr lang="en-US" sz="2400" dirty="0"/>
+              <a:t>.</a:t>
+            </a:r>
+            <a:endParaRPr lang="he-IL" sz="2400" dirty="0"/>
           </a:p>
           <a:p>
             <a:pPr marL="0" indent="0" algn="r" rtl="1">
@@ -10953,7 +10958,7 @@
             </a:pPr>
             <a:r>
               <a:rPr lang="he-IL" altLang="en-US" sz="1600" dirty="0"/>
-              <a:t> -  סיפק מסגרת ממנה ישתמשו בדלקים נקיים חלופיים על ידי קביעת סטנדרטים</a:t>
+              <a:t> - סיפק מסגרת ממנה ישתמשו בדלקים נקיים חלופיים על ידי קביעת סטנדרטים</a:t>
             </a:r>
           </a:p>
           <a:p>
